--- a/Group 3 Presentation.pptx
+++ b/Group 3 Presentation.pptx
@@ -7526,7 +7526,7 @@
           </a:bodyPr>
           <a:lstStyle/>
           <a:p>
-            <a:pPr indent="0" lvl="0" marL="0" rtl="0" algn="l">
+            <a:pPr indent="0" lvl="0" marL="0" rtl="0" algn="ctr">
               <a:spcBef>
                 <a:spcPts val="0"/>
               </a:spcBef>
@@ -7537,7 +7537,7 @@
             </a:pPr>
             <a:r>
               <a:rPr lang="en"/>
-              <a:t>Limitations:</a:t>
+              <a:t>Limitations</a:t>
             </a:r>
             <a:endParaRPr/>
           </a:p>
@@ -7553,8 +7553,8 @@
         </p:nvSpPr>
         <p:spPr>
           <a:xfrm>
-            <a:off x="311700" y="1225225"/>
-            <a:ext cx="8520600" cy="3354000"/>
+            <a:off x="311700" y="1488150"/>
+            <a:ext cx="8520600" cy="3091200"/>
           </a:xfrm>
           <a:prstGeom prst="rect">
             <a:avLst/>
@@ -7567,6 +7567,9 @@
           <a:lstStyle/>
           <a:p>
             <a:pPr indent="-342900" lvl="0" marL="457200" rtl="0" algn="l">
+              <a:lnSpc>
+                <a:spcPct val="200000"/>
+              </a:lnSpc>
               <a:spcBef>
                 <a:spcPts val="0"/>
               </a:spcBef>
@@ -7584,6 +7587,9 @@
           </a:p>
           <a:p>
             <a:pPr indent="-342900" lvl="0" marL="457200" rtl="0" algn="l">
+              <a:lnSpc>
+                <a:spcPct val="200000"/>
+              </a:lnSpc>
               <a:spcBef>
                 <a:spcPts val="0"/>
               </a:spcBef>
@@ -7601,6 +7607,9 @@
           </a:p>
           <a:p>
             <a:pPr indent="-342900" lvl="0" marL="457200" rtl="0" algn="l">
+              <a:lnSpc>
+                <a:spcPct val="200000"/>
+              </a:lnSpc>
               <a:spcBef>
                 <a:spcPts val="0"/>
               </a:spcBef>
@@ -7666,7 +7675,7 @@
           </a:bodyPr>
           <a:lstStyle/>
           <a:p>
-            <a:pPr indent="0" lvl="0" marL="0" rtl="0" algn="l">
+            <a:pPr indent="0" lvl="0" marL="0" rtl="0" algn="ctr">
               <a:spcBef>
                 <a:spcPts val="0"/>
               </a:spcBef>
@@ -7693,8 +7702,8 @@
         </p:nvSpPr>
         <p:spPr>
           <a:xfrm>
-            <a:off x="311700" y="1225225"/>
-            <a:ext cx="8520600" cy="3354000"/>
+            <a:off x="311700" y="1574825"/>
+            <a:ext cx="8520600" cy="3004500"/>
           </a:xfrm>
           <a:prstGeom prst="rect">
             <a:avLst/>
@@ -7707,6 +7716,9 @@
           <a:lstStyle/>
           <a:p>
             <a:pPr indent="-342900" lvl="0" marL="457200" rtl="0" algn="l">
+              <a:lnSpc>
+                <a:spcPct val="200000"/>
+              </a:lnSpc>
               <a:spcBef>
                 <a:spcPts val="0"/>
               </a:spcBef>
@@ -7718,12 +7730,15 @@
             </a:pPr>
             <a:r>
               <a:rPr lang="en"/>
-              <a:t>Could have collected more than 10 songs for each artist</a:t>
+              <a:t>Collected more than 10 songs for each artist</a:t>
             </a:r>
             <a:endParaRPr/>
           </a:p>
           <a:p>
             <a:pPr indent="-342900" lvl="0" marL="457200" rtl="0" algn="l">
+              <a:lnSpc>
+                <a:spcPct val="200000"/>
+              </a:lnSpc>
               <a:spcBef>
                 <a:spcPts val="0"/>
               </a:spcBef>
@@ -7741,6 +7756,9 @@
           </a:p>
           <a:p>
             <a:pPr indent="-342900" lvl="0" marL="457200" rtl="0" algn="l">
+              <a:lnSpc>
+                <a:spcPct val="200000"/>
+              </a:lnSpc>
               <a:spcBef>
                 <a:spcPts val="0"/>
               </a:spcBef>
@@ -7806,7 +7824,7 @@
           </a:bodyPr>
           <a:lstStyle/>
           <a:p>
-            <a:pPr indent="0" lvl="0" marL="0" rtl="0" algn="l">
+            <a:pPr indent="0" lvl="0" marL="0" rtl="0" algn="ctr">
               <a:spcBef>
                 <a:spcPts val="0"/>
               </a:spcBef>
@@ -7817,7 +7835,7 @@
             </a:pPr>
             <a:r>
               <a:rPr lang="en"/>
-              <a:t>Resources:</a:t>
+              <a:t>Resources</a:t>
             </a:r>
             <a:endParaRPr/>
           </a:p>
@@ -7864,6 +7882,77 @@
                 <a:hlinkClick r:id="rId3"/>
               </a:rPr>
               <a:t>https://www.kaggle.com/datasets/salvatorerastelli/spotify-and-youtube</a:t>
+            </a:r>
+            <a:endParaRPr/>
+          </a:p>
+          <a:p>
+            <a:pPr indent="-342900" lvl="0" marL="457200" rtl="0" algn="l">
+              <a:spcBef>
+                <a:spcPts val="0"/>
+              </a:spcBef>
+              <a:spcAft>
+                <a:spcPts val="0"/>
+              </a:spcAft>
+              <a:buSzPts val="1800"/>
+              <a:buChar char="●"/>
+            </a:pPr>
+            <a:r>
+              <a:rPr lang="en"/>
+              <a:t>Images</a:t>
+            </a:r>
+            <a:endParaRPr/>
+          </a:p>
+          <a:p>
+            <a:pPr indent="-317500" lvl="1" marL="914400" rtl="0" algn="l">
+              <a:spcBef>
+                <a:spcPts val="0"/>
+              </a:spcBef>
+              <a:spcAft>
+                <a:spcPts val="0"/>
+              </a:spcAft>
+              <a:buSzPts val="1400"/>
+              <a:buChar char="○"/>
+            </a:pPr>
+            <a:r>
+              <a:rPr lang="en" u="sng">
+                <a:solidFill>
+                  <a:schemeClr val="hlink"/>
+                </a:solidFill>
+                <a:hlinkClick r:id="rId4"/>
+              </a:rPr>
+              <a:t>https://www.vecteezy.com/vector-art/6642199-spotify-icon-spotify-logo-spotify-symbol-logo-set</a:t>
+            </a:r>
+            <a:endParaRPr/>
+          </a:p>
+          <a:p>
+            <a:pPr indent="-317500" lvl="1" marL="914400" rtl="0" algn="l">
+              <a:spcBef>
+                <a:spcPts val="0"/>
+              </a:spcBef>
+              <a:spcAft>
+                <a:spcPts val="0"/>
+              </a:spcAft>
+              <a:buSzPts val="1400"/>
+              <a:buChar char="○"/>
+            </a:pPr>
+            <a:r>
+              <a:rPr lang="en"/>
+              <a:t>https://www.freepik.com/free-photos-vectors/youtube-symbol</a:t>
+            </a:r>
+            <a:endParaRPr/>
+          </a:p>
+          <a:p>
+            <a:pPr indent="0" lvl="0" marL="0" rtl="0" algn="l">
+              <a:spcBef>
+                <a:spcPts val="1200"/>
+              </a:spcBef>
+              <a:spcAft>
+                <a:spcPts val="0"/>
+              </a:spcAft>
+              <a:buNone/>
+            </a:pPr>
+            <a:r>
+              <a:t/>
             </a:r>
             <a:endParaRPr/>
           </a:p>
@@ -8121,7 +8210,7 @@
         </p:nvSpPr>
         <p:spPr>
           <a:xfrm>
-            <a:off x="311700" y="423600"/>
+            <a:off x="311700" y="589775"/>
             <a:ext cx="8520600" cy="572700"/>
           </a:xfrm>
           <a:prstGeom prst="rect">
@@ -8161,20 +8250,12 @@
         </p:nvSpPr>
         <p:spPr>
           <a:xfrm>
-            <a:off x="311700" y="1225225"/>
-            <a:ext cx="4260300" cy="3354000"/>
+            <a:off x="275575" y="1678200"/>
+            <a:ext cx="4260300" cy="2143200"/>
           </a:xfrm>
           <a:prstGeom prst="rect">
             <a:avLst/>
           </a:prstGeom>
-          <a:effectLst>
-            <a:outerShdw blurRad="57150" rotWithShape="0" algn="bl" dir="5400000" dist="19050">
-              <a:srgbClr val="000000">
-                <a:alpha val="50000"/>
-              </a:srgbClr>
-            </a:outerShdw>
-            <a:reflection blurRad="0" dir="5400000" dist="38100" endA="0" fadeDir="5400012" kx="0" rotWithShape="0" algn="bl" stPos="0" sy="-100000" ky="0"/>
-          </a:effectLst>
         </p:spPr>
         <p:txBody>
           <a:bodyPr anchorCtr="0" anchor="t" bIns="91425" lIns="91425" spcFirstLastPara="1" rIns="91425" wrap="square" tIns="91425">
@@ -8200,6 +8281,9 @@
           </a:p>
           <a:p>
             <a:pPr indent="-317500" lvl="1" marL="914400" rtl="0" algn="l">
+              <a:lnSpc>
+                <a:spcPct val="200000"/>
+              </a:lnSpc>
               <a:spcBef>
                 <a:spcPts val="0"/>
               </a:spcBef>
@@ -8225,6 +8309,9 @@
           </a:p>
           <a:p>
             <a:pPr indent="-317500" lvl="1" marL="914400" rtl="0" algn="l">
+              <a:lnSpc>
+                <a:spcPct val="200000"/>
+              </a:lnSpc>
               <a:spcBef>
                 <a:spcPts val="0"/>
               </a:spcBef>
@@ -8250,6 +8337,9 @@
           </a:p>
           <a:p>
             <a:pPr indent="-317500" lvl="1" marL="914400" rtl="0" algn="l">
+              <a:lnSpc>
+                <a:spcPct val="200000"/>
+              </a:lnSpc>
               <a:spcBef>
                 <a:spcPts val="0"/>
               </a:spcBef>
@@ -8285,20 +8375,12 @@
         </p:nvSpPr>
         <p:spPr>
           <a:xfrm>
-            <a:off x="4600625" y="1225225"/>
-            <a:ext cx="4107000" cy="3354000"/>
+            <a:off x="4572000" y="1678200"/>
+            <a:ext cx="4107000" cy="2143200"/>
           </a:xfrm>
           <a:prstGeom prst="rect">
             <a:avLst/>
           </a:prstGeom>
-          <a:effectLst>
-            <a:outerShdw blurRad="57150" rotWithShape="0" algn="bl" dir="5400000" dist="19050">
-              <a:srgbClr val="000000">
-                <a:alpha val="50000"/>
-              </a:srgbClr>
-            </a:outerShdw>
-            <a:reflection blurRad="0" dir="5400000" dist="38100" endA="0" fadeDir="5400012" kx="0" rotWithShape="0" algn="bl" stPos="0" sy="-100000" ky="0"/>
-          </a:effectLst>
         </p:spPr>
         <p:txBody>
           <a:bodyPr anchorCtr="0" anchor="t" bIns="91425" lIns="91425" spcFirstLastPara="1" rIns="91425" wrap="square" tIns="91425">
@@ -8324,6 +8406,9 @@
           </a:p>
           <a:p>
             <a:pPr indent="-317500" lvl="1" marL="914400" rtl="0" algn="l">
+              <a:lnSpc>
+                <a:spcPct val="200000"/>
+              </a:lnSpc>
               <a:spcBef>
                 <a:spcPts val="0"/>
               </a:spcBef>
@@ -8341,6 +8426,9 @@
           </a:p>
           <a:p>
             <a:pPr indent="-317500" lvl="1" marL="914400" rtl="0" algn="l">
+              <a:lnSpc>
+                <a:spcPct val="200000"/>
+              </a:lnSpc>
               <a:spcBef>
                 <a:spcPts val="0"/>
               </a:spcBef>
@@ -8358,6 +8446,9 @@
           </a:p>
           <a:p>
             <a:pPr indent="-317500" lvl="1" marL="914400" rtl="0" algn="l">
+              <a:lnSpc>
+                <a:spcPct val="200000"/>
+              </a:lnSpc>
               <a:spcBef>
                 <a:spcPts val="0"/>
               </a:spcBef>
@@ -8826,7 +8917,7 @@
           </a:bodyPr>
           <a:lstStyle/>
           <a:p>
-            <a:pPr indent="0" lvl="0" marL="0" rtl="0" algn="l">
+            <a:pPr indent="0" lvl="0" marL="0" rtl="0" algn="ctr">
               <a:spcBef>
                 <a:spcPts val="0"/>
               </a:spcBef>
@@ -8837,9 +8928,29 @@
             </a:pPr>
             <a:r>
               <a:rPr lang="en"/>
-              <a:t>Danceability (Does a song with high danceability make it more popular?) </a:t>
+              <a:t>Danceability </a:t>
             </a:r>
             <a:endParaRPr/>
+          </a:p>
+          <a:p>
+            <a:pPr indent="0" lvl="0" marL="0" rtl="0" algn="ctr">
+              <a:spcBef>
+                <a:spcPts val="0"/>
+              </a:spcBef>
+              <a:spcAft>
+                <a:spcPts val="0"/>
+              </a:spcAft>
+              <a:buNone/>
+            </a:pPr>
+            <a:r>
+              <a:rPr lang="en" sz="3422"/>
+              <a:t>(Does a song with high danceability make it more popular?)</a:t>
+            </a:r>
+            <a:r>
+              <a:rPr lang="en" sz="3977"/>
+              <a:t> </a:t>
+            </a:r>
+            <a:endParaRPr sz="3977"/>
           </a:p>
         </p:txBody>
       </p:sp>
@@ -9034,7 +9145,7 @@
           </a:bodyPr>
           <a:lstStyle/>
           <a:p>
-            <a:pPr indent="0" lvl="0" marL="0" rtl="0" algn="l">
+            <a:pPr indent="0" lvl="0" marL="0" rtl="0" algn="ctr">
               <a:spcBef>
                 <a:spcPts val="0"/>
               </a:spcBef>
@@ -9044,10 +9155,26 @@
               <a:buNone/>
             </a:pPr>
             <a:r>
-              <a:rPr lang="en"/>
-              <a:t>Loudness (Do louder songs perform better on both platforms?)</a:t>
+              <a:rPr lang="en" sz="4533"/>
+              <a:t>Loudness </a:t>
             </a:r>
-            <a:endParaRPr/>
+            <a:endParaRPr sz="4533"/>
+          </a:p>
+          <a:p>
+            <a:pPr indent="0" lvl="0" marL="0" rtl="0" algn="ctr">
+              <a:spcBef>
+                <a:spcPts val="0"/>
+              </a:spcBef>
+              <a:spcAft>
+                <a:spcPts val="0"/>
+              </a:spcAft>
+              <a:buNone/>
+            </a:pPr>
+            <a:r>
+              <a:rPr lang="en" sz="3533"/>
+              <a:t>(Do louder songs perform better on both platforms?)</a:t>
+            </a:r>
+            <a:endParaRPr sz="3533"/>
           </a:p>
         </p:txBody>
       </p:sp>
@@ -9515,7 +9642,7 @@
           </a:bodyPr>
           <a:lstStyle/>
           <a:p>
-            <a:pPr indent="0" lvl="0" marL="0" rtl="0" algn="l">
+            <a:pPr indent="0" lvl="0" marL="0" rtl="0" algn="ctr">
               <a:spcBef>
                 <a:spcPts val="0"/>
               </a:spcBef>
@@ -9526,7 +9653,7 @@
             </a:pPr>
             <a:r>
               <a:rPr lang="en"/>
-              <a:t>Overall Findings:</a:t>
+              <a:t>Overall Findings</a:t>
             </a:r>
             <a:endParaRPr/>
           </a:p>
@@ -9551,18 +9678,21 @@
         </p:spPr>
         <p:txBody>
           <a:bodyPr anchorCtr="0" anchor="t" bIns="91425" lIns="91425" spcFirstLastPara="1" rIns="91425" wrap="square" tIns="91425">
-            <a:normAutofit/>
+            <a:normAutofit fontScale="92500" lnSpcReduction="20000"/>
           </a:bodyPr>
           <a:lstStyle/>
           <a:p>
-            <a:pPr indent="-342900" lvl="0" marL="457200" rtl="0" algn="l">
-              <a:spcBef>
-                <a:spcPts val="0"/>
-              </a:spcBef>
-              <a:spcAft>
-                <a:spcPts val="0"/>
-              </a:spcAft>
-              <a:buSzPts val="1800"/>
+            <a:pPr indent="-334327" lvl="0" marL="457200" rtl="0" algn="l">
+              <a:lnSpc>
+                <a:spcPct val="200000"/>
+              </a:lnSpc>
+              <a:spcBef>
+                <a:spcPts val="0"/>
+              </a:spcBef>
+              <a:spcAft>
+                <a:spcPts val="0"/>
+              </a:spcAft>
+              <a:buSzPct val="100000"/>
               <a:buChar char="●"/>
             </a:pPr>
             <a:r>
@@ -9572,14 +9702,17 @@
             <a:endParaRPr/>
           </a:p>
           <a:p>
-            <a:pPr indent="-317500" lvl="1" marL="914400" rtl="0" algn="l">
-              <a:spcBef>
-                <a:spcPts val="0"/>
-              </a:spcBef>
-              <a:spcAft>
-                <a:spcPts val="0"/>
-              </a:spcAft>
-              <a:buSzPts val="1400"/>
+            <a:pPr indent="-310832" lvl="1" marL="914400" rtl="0" algn="l">
+              <a:lnSpc>
+                <a:spcPct val="200000"/>
+              </a:lnSpc>
+              <a:spcBef>
+                <a:spcPts val="0"/>
+              </a:spcBef>
+              <a:spcAft>
+                <a:spcPts val="0"/>
+              </a:spcAft>
+              <a:buSzPct val="100000"/>
               <a:buChar char="○"/>
             </a:pPr>
             <a:r>
@@ -9589,14 +9722,17 @@
             <a:endParaRPr/>
           </a:p>
           <a:p>
-            <a:pPr indent="-317500" lvl="1" marL="914400" rtl="0" algn="l">
-              <a:spcBef>
-                <a:spcPts val="0"/>
-              </a:spcBef>
-              <a:spcAft>
-                <a:spcPts val="0"/>
-              </a:spcAft>
-              <a:buSzPts val="1400"/>
+            <a:pPr indent="-310832" lvl="1" marL="914400" rtl="0" algn="l">
+              <a:lnSpc>
+                <a:spcPct val="200000"/>
+              </a:lnSpc>
+              <a:spcBef>
+                <a:spcPts val="0"/>
+              </a:spcBef>
+              <a:spcAft>
+                <a:spcPts val="0"/>
+              </a:spcAft>
+              <a:buSzPct val="100000"/>
               <a:buChar char="○"/>
             </a:pPr>
             <a:r>
@@ -9606,14 +9742,17 @@
             <a:endParaRPr/>
           </a:p>
           <a:p>
-            <a:pPr indent="-317500" lvl="1" marL="914400" rtl="0" algn="l">
-              <a:spcBef>
-                <a:spcPts val="0"/>
-              </a:spcBef>
-              <a:spcAft>
-                <a:spcPts val="0"/>
-              </a:spcAft>
-              <a:buSzPts val="1400"/>
+            <a:pPr indent="-310832" lvl="1" marL="914400" rtl="0" algn="l">
+              <a:lnSpc>
+                <a:spcPct val="200000"/>
+              </a:lnSpc>
+              <a:spcBef>
+                <a:spcPts val="0"/>
+              </a:spcBef>
+              <a:spcAft>
+                <a:spcPts val="0"/>
+              </a:spcAft>
+              <a:buSzPct val="100000"/>
               <a:buChar char="○"/>
             </a:pPr>
             <a:r>
@@ -9623,14 +9762,17 @@
             <a:endParaRPr/>
           </a:p>
           <a:p>
-            <a:pPr indent="-317500" lvl="1" marL="914400" rtl="0" algn="l">
-              <a:spcBef>
-                <a:spcPts val="0"/>
-              </a:spcBef>
-              <a:spcAft>
-                <a:spcPts val="0"/>
-              </a:spcAft>
-              <a:buSzPts val="1400"/>
+            <a:pPr indent="-310832" lvl="1" marL="914400" rtl="0" algn="l">
+              <a:lnSpc>
+                <a:spcPct val="200000"/>
+              </a:lnSpc>
+              <a:spcBef>
+                <a:spcPts val="0"/>
+              </a:spcBef>
+              <a:spcAft>
+                <a:spcPts val="0"/>
+              </a:spcAft>
+              <a:buSzPct val="100000"/>
               <a:buChar char="○"/>
             </a:pPr>
             <a:r>
@@ -9640,14 +9782,17 @@
             <a:endParaRPr/>
           </a:p>
           <a:p>
-            <a:pPr indent="-317500" lvl="1" marL="914400" rtl="0" algn="l">
-              <a:spcBef>
-                <a:spcPts val="0"/>
-              </a:spcBef>
-              <a:spcAft>
-                <a:spcPts val="0"/>
-              </a:spcAft>
-              <a:buSzPts val="1400"/>
+            <a:pPr indent="-310832" lvl="1" marL="914400" rtl="0" algn="l">
+              <a:lnSpc>
+                <a:spcPct val="200000"/>
+              </a:lnSpc>
+              <a:spcBef>
+                <a:spcPts val="0"/>
+              </a:spcBef>
+              <a:spcAft>
+                <a:spcPts val="0"/>
+              </a:spcAft>
+              <a:buSzPct val="100000"/>
               <a:buChar char="○"/>
             </a:pPr>
             <a:r>

--- a/Group 3 Presentation.pptx
+++ b/Group 3 Presentation.pptx
@@ -20,23 +20,24 @@
     <p:sldId id="265" r:id="rId15"/>
     <p:sldId id="266" r:id="rId16"/>
     <p:sldId id="267" r:id="rId17"/>
+    <p:sldId id="268" r:id="rId18"/>
   </p:sldIdLst>
   <p:sldSz cy="5143500" cx="9144000"/>
   <p:notesSz cx="6858000" cy="9144000"/>
   <p:embeddedFontLst>
     <p:embeddedFont>
       <p:font typeface="Economica"/>
-      <p:regular r:id="rId18"/>
-      <p:bold r:id="rId19"/>
-      <p:italic r:id="rId20"/>
-      <p:boldItalic r:id="rId21"/>
+      <p:regular r:id="rId19"/>
+      <p:bold r:id="rId20"/>
+      <p:italic r:id="rId21"/>
+      <p:boldItalic r:id="rId22"/>
     </p:embeddedFont>
     <p:embeddedFont>
       <p:font typeface="Open Sans"/>
-      <p:regular r:id="rId22"/>
-      <p:bold r:id="rId23"/>
-      <p:italic r:id="rId24"/>
-      <p:boldItalic r:id="rId25"/>
+      <p:regular r:id="rId23"/>
+      <p:bold r:id="rId24"/>
+      <p:italic r:id="rId25"/>
+      <p:boldItalic r:id="rId26"/>
     </p:embeddedFont>
   </p:embeddedFontLst>
   <p:defaultTextStyle>
@@ -1065,6 +1066,105 @@
       <p:sp>
         <p:nvSpPr>
           <p:cNvPr id="142" name="Google Shape;142;g23c7225106c_0_0:notes"/>
+          <p:cNvSpPr txBox="1"/>
+          <p:nvPr>
+            <p:ph idx="1" type="body"/>
+          </p:nvPr>
+        </p:nvSpPr>
+        <p:spPr>
+          <a:xfrm>
+            <a:off x="685800" y="4343400"/>
+            <a:ext cx="5486400" cy="4114800"/>
+          </a:xfrm>
+          <a:prstGeom prst="rect">
+            <a:avLst/>
+          </a:prstGeom>
+        </p:spPr>
+        <p:txBody>
+          <a:bodyPr anchorCtr="0" anchor="t" bIns="91425" lIns="91425" spcFirstLastPara="1" rIns="91425" wrap="square" tIns="91425">
+            <a:noAutofit/>
+          </a:bodyPr>
+          <a:lstStyle/>
+          <a:p>
+            <a:pPr indent="0" lvl="0" marL="0" rtl="0" algn="l">
+              <a:spcBef>
+                <a:spcPts val="0"/>
+              </a:spcBef>
+              <a:spcAft>
+                <a:spcPts val="0"/>
+              </a:spcAft>
+              <a:buNone/>
+            </a:pPr>
+            <a:r>
+              <a:t/>
+            </a:r>
+            <a:endParaRPr/>
+          </a:p>
+        </p:txBody>
+      </p:sp>
+    </p:spTree>
+  </p:cSld>
+  <p:clrMapOvr>
+    <a:masterClrMapping/>
+  </p:clrMapOvr>
+</p:notes>
+</file>
+
+<file path=ppt/notesSlides/notesSlide13.xml><?xml version="1.0" encoding="utf-8"?>
+<p:notes xmlns:a="http://schemas.openxmlformats.org/drawingml/2006/main" xmlns:r="http://schemas.openxmlformats.org/officeDocument/2006/relationships" xmlns:mc="http://schemas.openxmlformats.org/markup-compatibility/2006" xmlns:mv="urn:schemas-microsoft-com:mac:vml" xmlns:p="http://schemas.openxmlformats.org/presentationml/2006/main" xmlns:c="http://schemas.openxmlformats.org/drawingml/2006/chart" xmlns:dgm="http://schemas.openxmlformats.org/drawingml/2006/diagram" xmlns:o="urn:schemas-microsoft-com:office:office" xmlns:v="urn:schemas-microsoft-com:vml" xmlns:pvml="urn:schemas-microsoft-com:office:powerpoint" xmlns:com="http://schemas.openxmlformats.org/drawingml/2006/compatibility" xmlns:p14="http://schemas.microsoft.com/office/powerpoint/2010/main" xmlns:p15="http://schemas.microsoft.com/office/powerpoint/2012/main" xmlns:ahyp="http://schemas.microsoft.com/office/drawing/2018/hyperlinkcolor" showMasterPhAnim="0" showMasterSp="0">
+  <p:cSld>
+    <p:spTree>
+      <p:nvGrpSpPr>
+        <p:cNvPr id="146" name="Shape 146"/>
+        <p:cNvGrpSpPr/>
+        <p:nvPr/>
+      </p:nvGrpSpPr>
+      <p:grpSpPr>
+        <a:xfrm>
+          <a:off x="0" y="0"/>
+          <a:ext cx="0" cy="0"/>
+          <a:chOff x="0" y="0"/>
+          <a:chExt cx="0" cy="0"/>
+        </a:xfrm>
+      </p:grpSpPr>
+      <p:sp>
+        <p:nvSpPr>
+          <p:cNvPr id="147" name="Google Shape;147;g23f26c6b3e3_0_5:notes"/>
+          <p:cNvSpPr/>
+          <p:nvPr>
+            <p:ph idx="2" type="sldImg"/>
+          </p:nvPr>
+        </p:nvSpPr>
+        <p:spPr>
+          <a:xfrm>
+            <a:off x="381300" y="685800"/>
+            <a:ext cx="6096000" cy="3429000"/>
+          </a:xfrm>
+          <a:custGeom>
+            <a:rect b="b" l="l" r="r" t="t"/>
+            <a:pathLst>
+              <a:path extrusionOk="0" h="120000" w="120000">
+                <a:moveTo>
+                  <a:pt x="0" y="0"/>
+                </a:moveTo>
+                <a:lnTo>
+                  <a:pt x="120000" y="0"/>
+                </a:lnTo>
+                <a:lnTo>
+                  <a:pt x="120000" y="120000"/>
+                </a:lnTo>
+                <a:lnTo>
+                  <a:pt x="0" y="120000"/>
+                </a:lnTo>
+                <a:close/>
+              </a:path>
+            </a:pathLst>
+          </a:custGeom>
+        </p:spPr>
+      </p:sp>
+      <p:sp>
+        <p:nvSpPr>
+          <p:cNvPr id="148" name="Google Shape;148;g23f26c6b3e3_0_5:notes"/>
           <p:cNvSpPr txBox="1"/>
           <p:nvPr>
             <p:ph idx="1" type="body"/>
@@ -7417,7 +7517,7 @@
             </a:pPr>
             <a:r>
               <a:rPr lang="en"/>
-              <a:t>Group 3: Mirtha, Haley, Nicolas &amp; Edward</a:t>
+              <a:t>Group 3: Mirtha, Haley, Nicholas &amp; Edward</a:t>
             </a:r>
             <a:endParaRPr/>
           </a:p>
@@ -7981,6 +8081,71 @@
 </p:sld>
 </file>
 
+<file path=ppt/slides/slide13.xml><?xml version="1.0" encoding="utf-8"?>
+<p:sld xmlns:a="http://schemas.openxmlformats.org/drawingml/2006/main" xmlns:r="http://schemas.openxmlformats.org/officeDocument/2006/relationships" xmlns:mc="http://schemas.openxmlformats.org/markup-compatibility/2006" xmlns:mv="urn:schemas-microsoft-com:mac:vml" xmlns:p="http://schemas.openxmlformats.org/presentationml/2006/main" xmlns:c="http://schemas.openxmlformats.org/drawingml/2006/chart" xmlns:dgm="http://schemas.openxmlformats.org/drawingml/2006/diagram" xmlns:o="urn:schemas-microsoft-com:office:office" xmlns:v="urn:schemas-microsoft-com:vml" xmlns:pvml="urn:schemas-microsoft-com:office:powerpoint" xmlns:com="http://schemas.openxmlformats.org/drawingml/2006/compatibility" xmlns:p14="http://schemas.microsoft.com/office/powerpoint/2010/main" xmlns:p15="http://schemas.microsoft.com/office/powerpoint/2012/main" xmlns:ahyp="http://schemas.microsoft.com/office/drawing/2018/hyperlinkcolor">
+  <p:cSld>
+    <p:spTree>
+      <p:nvGrpSpPr>
+        <p:cNvPr id="149" name="Shape 149"/>
+        <p:cNvGrpSpPr/>
+        <p:nvPr/>
+      </p:nvGrpSpPr>
+      <p:grpSpPr>
+        <a:xfrm>
+          <a:off x="0" y="0"/>
+          <a:ext cx="0" cy="0"/>
+          <a:chOff x="0" y="0"/>
+          <a:chExt cx="0" cy="0"/>
+        </a:xfrm>
+      </p:grpSpPr>
+      <p:sp>
+        <p:nvSpPr>
+          <p:cNvPr id="150" name="Google Shape;150;p25"/>
+          <p:cNvSpPr txBox="1"/>
+          <p:nvPr>
+            <p:ph type="title"/>
+          </p:nvPr>
+        </p:nvSpPr>
+        <p:spPr>
+          <a:xfrm>
+            <a:off x="311700" y="1643400"/>
+            <a:ext cx="8520600" cy="1856700"/>
+          </a:xfrm>
+          <a:prstGeom prst="rect">
+            <a:avLst/>
+          </a:prstGeom>
+        </p:spPr>
+        <p:txBody>
+          <a:bodyPr anchorCtr="0" anchor="b" bIns="91425" lIns="91425" spcFirstLastPara="1" rIns="91425" wrap="square" tIns="91425">
+            <a:noAutofit/>
+          </a:bodyPr>
+          <a:lstStyle/>
+          <a:p>
+            <a:pPr indent="0" lvl="0" marL="0" rtl="0" algn="ctr">
+              <a:spcBef>
+                <a:spcPts val="0"/>
+              </a:spcBef>
+              <a:spcAft>
+                <a:spcPts val="0"/>
+              </a:spcAft>
+              <a:buNone/>
+            </a:pPr>
+            <a:r>
+              <a:rPr lang="en" sz="11500"/>
+              <a:t>Feedback??</a:t>
+            </a:r>
+            <a:endParaRPr sz="11500"/>
+          </a:p>
+        </p:txBody>
+      </p:sp>
+    </p:spTree>
+  </p:cSld>
+  <p:clrMapOvr>
+    <a:masterClrMapping/>
+  </p:clrMapOvr>
+</p:sld>
+</file>
+
 <file path=ppt/slides/slide2.xml><?xml version="1.0" encoding="utf-8"?>
 <p:sld xmlns:a="http://schemas.openxmlformats.org/drawingml/2006/main" xmlns:r="http://schemas.openxmlformats.org/officeDocument/2006/relationships" xmlns:mc="http://schemas.openxmlformats.org/markup-compatibility/2006" xmlns:mv="urn:schemas-microsoft-com:mac:vml" xmlns:p="http://schemas.openxmlformats.org/presentationml/2006/main" xmlns:c="http://schemas.openxmlformats.org/drawingml/2006/chart" xmlns:dgm="http://schemas.openxmlformats.org/drawingml/2006/diagram" xmlns:o="urn:schemas-microsoft-com:office:office" xmlns:v="urn:schemas-microsoft-com:vml" xmlns:pvml="urn:schemas-microsoft-com:office:powerpoint" xmlns:com="http://schemas.openxmlformats.org/drawingml/2006/compatibility" xmlns:p14="http://schemas.microsoft.com/office/powerpoint/2010/main" xmlns:p15="http://schemas.microsoft.com/office/powerpoint/2012/main" xmlns:ahyp="http://schemas.microsoft.com/office/drawing/2018/hyperlinkcolor">
   <p:cSld>
@@ -8641,7 +8806,7 @@
           <a:blip r:embed="rId5">
             <a:alphaModFix/>
           </a:blip>
-          <a:srcRect b="0" l="0" r="0" t="0"/>
+          <a:srcRect b="1987" l="0" r="0" t="1997"/>
           <a:stretch/>
         </p:blipFill>
         <p:spPr>
@@ -8852,7 +9017,7 @@
           <a:blip r:embed="rId5">
             <a:alphaModFix/>
           </a:blip>
-          <a:srcRect b="0" l="0" r="0" t="0"/>
+          <a:srcRect b="768" l="0" r="0" t="758"/>
           <a:stretch/>
         </p:blipFill>
         <p:spPr>
@@ -9047,13 +9212,12 @@
           <p:cNvPicPr preferRelativeResize="0"/>
           <p:nvPr/>
         </p:nvPicPr>
-        <p:blipFill>
+        <p:blipFill rotWithShape="1">
           <a:blip r:embed="rId3">
             <a:alphaModFix/>
           </a:blip>
-          <a:stretch>
-            <a:fillRect/>
-          </a:stretch>
+          <a:srcRect b="0" l="0" r="0" t="0"/>
+          <a:stretch/>
         </p:blipFill>
         <p:spPr>
           <a:xfrm>
@@ -9075,13 +9239,12 @@
           <p:cNvPicPr preferRelativeResize="0"/>
           <p:nvPr/>
         </p:nvPicPr>
-        <p:blipFill>
+        <p:blipFill rotWithShape="1">
           <a:blip r:embed="rId4">
             <a:alphaModFix/>
           </a:blip>
-          <a:stretch>
-            <a:fillRect/>
-          </a:stretch>
+          <a:srcRect b="0" l="0" r="0" t="0"/>
+          <a:stretch/>
         </p:blipFill>
         <p:spPr>
           <a:xfrm>
@@ -9278,13 +9441,12 @@
           <p:cNvPicPr preferRelativeResize="0"/>
           <p:nvPr/>
         </p:nvPicPr>
-        <p:blipFill>
+        <p:blipFill rotWithShape="1">
           <a:blip r:embed="rId3">
             <a:alphaModFix/>
           </a:blip>
-          <a:stretch>
-            <a:fillRect/>
-          </a:stretch>
+          <a:srcRect b="2308" l="0" r="0" t="2317"/>
+          <a:stretch/>
         </p:blipFill>
         <p:spPr>
           <a:xfrm>
@@ -9306,13 +9468,12 @@
           <p:cNvPicPr preferRelativeResize="0"/>
           <p:nvPr/>
         </p:nvPicPr>
-        <p:blipFill>
+        <p:blipFill rotWithShape="1">
           <a:blip r:embed="rId4">
             <a:alphaModFix/>
           </a:blip>
-          <a:stretch>
-            <a:fillRect/>
-          </a:stretch>
+          <a:srcRect b="2308" l="0" r="0" t="2317"/>
+          <a:stretch/>
         </p:blipFill>
         <p:spPr>
           <a:xfrm>
@@ -9461,7 +9622,7 @@
           <a:blip r:embed="rId3">
             <a:alphaModFix/>
           </a:blip>
-          <a:srcRect b="0" l="0" r="0" t="0"/>
+          <a:srcRect b="0" l="79" r="79" t="0"/>
           <a:stretch/>
         </p:blipFill>
         <p:spPr>
@@ -9827,6 +9988,285 @@
 </file>
 
 <file path=ppt/theme/theme1.xml><?xml version="1.0" encoding="utf-8"?>
+<a:theme xmlns:a="http://schemas.openxmlformats.org/drawingml/2006/main" xmlns:r="http://schemas.openxmlformats.org/officeDocument/2006/relationships" name="Luxe">
+  <a:themeElements>
+    <a:clrScheme name="Luxe">
+      <a:dk1>
+        <a:srgbClr val="000000"/>
+      </a:dk1>
+      <a:lt1>
+        <a:srgbClr val="FFFFFF"/>
+      </a:lt1>
+      <a:dk2>
+        <a:srgbClr val="B7B7B7"/>
+      </a:dk2>
+      <a:lt2>
+        <a:srgbClr val="CCA677"/>
+      </a:lt2>
+      <a:accent1>
+        <a:srgbClr val="5D4037"/>
+      </a:accent1>
+      <a:accent2>
+        <a:srgbClr val="455A64"/>
+      </a:accent2>
+      <a:accent3>
+        <a:srgbClr val="57BB8A"/>
+      </a:accent3>
+      <a:accent4>
+        <a:srgbClr val="78909C"/>
+      </a:accent4>
+      <a:accent5>
+        <a:srgbClr val="607D8B"/>
+      </a:accent5>
+      <a:accent6>
+        <a:srgbClr val="DCE755"/>
+      </a:accent6>
+      <a:hlink>
+        <a:srgbClr val="607D8B"/>
+      </a:hlink>
+      <a:folHlink>
+        <a:srgbClr val="607D8B"/>
+      </a:folHlink>
+    </a:clrScheme>
+    <a:fontScheme name="Office">
+      <a:majorFont>
+        <a:latin typeface="Arial"/>
+        <a:ea typeface=""/>
+        <a:cs typeface=""/>
+        <a:font script="Jpan" typeface="ＭＳ Ｐゴシック"/>
+        <a:font script="Hang" typeface="맑은 고딕"/>
+        <a:font script="Hans" typeface="宋体"/>
+        <a:font script="Hant" typeface="新細明體"/>
+        <a:font script="Arab" typeface="Times New Roman"/>
+        <a:font script="Hebr" typeface="Times New Roman"/>
+        <a:font script="Thai" typeface="Angsana New"/>
+        <a:font script="Ethi" typeface="Nyala"/>
+        <a:font script="Beng" typeface="Vrinda"/>
+        <a:font script="Gujr" typeface="Shruti"/>
+        <a:font script="Khmr" typeface="MoolBoran"/>
+        <a:font script="Knda" typeface="Tunga"/>
+        <a:font script="Guru" typeface="Raavi"/>
+        <a:font script="Cans" typeface="Euphemia"/>
+        <a:font script="Cher" typeface="Plantagenet Cherokee"/>
+        <a:font script="Yiii" typeface="Microsoft Yi Baiti"/>
+        <a:font script="Tibt" typeface="Microsoft Himalaya"/>
+        <a:font script="Thaa" typeface="MV Boli"/>
+        <a:font script="Deva" typeface="Mangal"/>
+        <a:font script="Telu" typeface="Gautami"/>
+        <a:font script="Taml" typeface="Latha"/>
+        <a:font script="Syrc" typeface="Estrangelo Edessa"/>
+        <a:font script="Orya" typeface="Kalinga"/>
+        <a:font script="Mlym" typeface="Kartika"/>
+        <a:font script="Laoo" typeface="DokChampa"/>
+        <a:font script="Sinh" typeface="Iskoola Pota"/>
+        <a:font script="Mong" typeface="Mongolian Baiti"/>
+        <a:font script="Viet" typeface="Times New Roman"/>
+        <a:font script="Uigh" typeface="Microsoft Uighur"/>
+        <a:font script="Geor" typeface="Sylfaen"/>
+      </a:majorFont>
+      <a:minorFont>
+        <a:latin typeface="Arial"/>
+        <a:ea typeface=""/>
+        <a:cs typeface=""/>
+        <a:font script="Jpan" typeface="ＭＳ Ｐゴシック"/>
+        <a:font script="Hang" typeface="맑은 고딕"/>
+        <a:font script="Hans" typeface="宋体"/>
+        <a:font script="Hant" typeface="新細明體"/>
+        <a:font script="Arab" typeface="Arial"/>
+        <a:font script="Hebr" typeface="Arial"/>
+        <a:font script="Thai" typeface="Cordia New"/>
+        <a:font script="Ethi" typeface="Nyala"/>
+        <a:font script="Beng" typeface="Vrinda"/>
+        <a:font script="Gujr" typeface="Shruti"/>
+        <a:font script="Khmr" typeface="DaunPenh"/>
+        <a:font script="Knda" typeface="Tunga"/>
+        <a:font script="Guru" typeface="Raavi"/>
+        <a:font script="Cans" typeface="Euphemia"/>
+        <a:font script="Cher" typeface="Plantagenet Cherokee"/>
+        <a:font script="Yiii" typeface="Microsoft Yi Baiti"/>
+        <a:font script="Tibt" typeface="Microsoft Himalaya"/>
+        <a:font script="Thaa" typeface="MV Boli"/>
+        <a:font script="Deva" typeface="Mangal"/>
+        <a:font script="Telu" typeface="Gautami"/>
+        <a:font script="Taml" typeface="Latha"/>
+        <a:font script="Syrc" typeface="Estrangelo Edessa"/>
+        <a:font script="Orya" typeface="Kalinga"/>
+        <a:font script="Mlym" typeface="Kartika"/>
+        <a:font script="Laoo" typeface="DokChampa"/>
+        <a:font script="Sinh" typeface="Iskoola Pota"/>
+        <a:font script="Mong" typeface="Mongolian Baiti"/>
+        <a:font script="Viet" typeface="Arial"/>
+        <a:font script="Uigh" typeface="Microsoft Uighur"/>
+        <a:font script="Geor" typeface="Sylfaen"/>
+      </a:minorFont>
+    </a:fontScheme>
+    <a:fmtScheme name="Office">
+      <a:fillStyleLst>
+        <a:solidFill>
+          <a:schemeClr val="phClr"/>
+        </a:solidFill>
+        <a:gradFill rotWithShape="1">
+          <a:gsLst>
+            <a:gs pos="0">
+              <a:schemeClr val="phClr">
+                <a:tint val="50000"/>
+                <a:satMod val="300000"/>
+              </a:schemeClr>
+            </a:gs>
+            <a:gs pos="35000">
+              <a:schemeClr val="phClr">
+                <a:tint val="37000"/>
+                <a:satMod val="300000"/>
+              </a:schemeClr>
+            </a:gs>
+            <a:gs pos="100000">
+              <a:schemeClr val="phClr">
+                <a:tint val="15000"/>
+                <a:satMod val="350000"/>
+              </a:schemeClr>
+            </a:gs>
+          </a:gsLst>
+          <a:lin ang="16200000" scaled="1"/>
+        </a:gradFill>
+        <a:gradFill rotWithShape="1">
+          <a:gsLst>
+            <a:gs pos="0">
+              <a:schemeClr val="phClr">
+                <a:tint val="100000"/>
+                <a:shade val="100000"/>
+                <a:satMod val="130000"/>
+              </a:schemeClr>
+            </a:gs>
+            <a:gs pos="100000">
+              <a:schemeClr val="phClr">
+                <a:tint val="50000"/>
+                <a:shade val="100000"/>
+                <a:satMod val="350000"/>
+              </a:schemeClr>
+            </a:gs>
+          </a:gsLst>
+          <a:lin ang="16200000" scaled="0"/>
+        </a:gradFill>
+      </a:fillStyleLst>
+      <a:lnStyleLst>
+        <a:ln w="9525" cap="flat" cmpd="sng" algn="ctr">
+          <a:solidFill>
+            <a:schemeClr val="phClr">
+              <a:shade val="95000"/>
+              <a:satMod val="105000"/>
+            </a:schemeClr>
+          </a:solidFill>
+          <a:prstDash val="solid"/>
+        </a:ln>
+        <a:ln w="25400" cap="flat" cmpd="sng" algn="ctr">
+          <a:solidFill>
+            <a:schemeClr val="phClr"/>
+          </a:solidFill>
+          <a:prstDash val="solid"/>
+        </a:ln>
+        <a:ln w="38100" cap="flat" cmpd="sng" algn="ctr">
+          <a:solidFill>
+            <a:schemeClr val="phClr"/>
+          </a:solidFill>
+          <a:prstDash val="solid"/>
+        </a:ln>
+      </a:lnStyleLst>
+      <a:effectStyleLst>
+        <a:effectStyle>
+          <a:effectLst>
+            <a:outerShdw blurRad="40000" dist="20000" dir="5400000" rotWithShape="0">
+              <a:srgbClr val="000000">
+                <a:alpha val="38000"/>
+              </a:srgbClr>
+            </a:outerShdw>
+          </a:effectLst>
+        </a:effectStyle>
+        <a:effectStyle>
+          <a:effectLst>
+            <a:outerShdw blurRad="40000" dist="23000" dir="5400000" rotWithShape="0">
+              <a:srgbClr val="000000">
+                <a:alpha val="35000"/>
+              </a:srgbClr>
+            </a:outerShdw>
+          </a:effectLst>
+        </a:effectStyle>
+        <a:effectStyle>
+          <a:effectLst>
+            <a:outerShdw blurRad="40000" dist="23000" dir="5400000" rotWithShape="0">
+              <a:srgbClr val="000000">
+                <a:alpha val="35000"/>
+              </a:srgbClr>
+            </a:outerShdw>
+          </a:effectLst>
+          <a:scene3d>
+            <a:camera prst="orthographicFront">
+              <a:rot lat="0" lon="0" rev="0"/>
+            </a:camera>
+            <a:lightRig rig="threePt" dir="t">
+              <a:rot lat="0" lon="0" rev="1200000"/>
+            </a:lightRig>
+          </a:scene3d>
+          <a:sp3d>
+            <a:bevelT w="63500" h="25400"/>
+          </a:sp3d>
+        </a:effectStyle>
+      </a:effectStyleLst>
+      <a:bgFillStyleLst>
+        <a:solidFill>
+          <a:schemeClr val="phClr"/>
+        </a:solidFill>
+        <a:gradFill rotWithShape="1">
+          <a:gsLst>
+            <a:gs pos="0">
+              <a:schemeClr val="phClr">
+                <a:tint val="40000"/>
+                <a:satMod val="350000"/>
+              </a:schemeClr>
+            </a:gs>
+            <a:gs pos="40000">
+              <a:schemeClr val="phClr">
+                <a:tint val="45000"/>
+                <a:shade val="99000"/>
+                <a:satMod val="350000"/>
+              </a:schemeClr>
+            </a:gs>
+            <a:gs pos="100000">
+              <a:schemeClr val="phClr">
+                <a:shade val="20000"/>
+                <a:satMod val="255000"/>
+              </a:schemeClr>
+            </a:gs>
+          </a:gsLst>
+          <a:path path="circle">
+            <a:fillToRect l="50000" t="-80000" r="50000" b="180000"/>
+          </a:path>
+        </a:gradFill>
+        <a:gradFill rotWithShape="1">
+          <a:gsLst>
+            <a:gs pos="0">
+              <a:schemeClr val="phClr">
+                <a:tint val="80000"/>
+                <a:satMod val="300000"/>
+              </a:schemeClr>
+            </a:gs>
+            <a:gs pos="100000">
+              <a:schemeClr val="phClr">
+                <a:shade val="30000"/>
+                <a:satMod val="200000"/>
+              </a:schemeClr>
+            </a:gs>
+          </a:gsLst>
+          <a:path path="circle">
+            <a:fillToRect l="50000" t="50000" r="50000" b="50000"/>
+          </a:path>
+        </a:gradFill>
+      </a:bgFillStyleLst>
+    </a:fmtScheme>
+  </a:themeElements>
+</a:theme>
+</file>
+
+<file path=ppt/theme/theme2.xml><?xml version="1.0" encoding="utf-8"?>
 <a:theme xmlns:a="http://schemas.openxmlformats.org/drawingml/2006/main" xmlns:r="http://schemas.openxmlformats.org/officeDocument/2006/relationships">
   <a:themeElements>
     <a:clrScheme name="Default">
@@ -10103,283 +10543,4 @@
     </a:fmtScheme>
   </a:themeElements>
 </a:theme>
-</file>
-
-<file path=ppt/theme/theme2.xml><?xml version="1.0" encoding="utf-8"?>
-<a:theme xmlns:a="http://schemas.openxmlformats.org/drawingml/2006/main" xmlns:r="http://schemas.openxmlformats.org/officeDocument/2006/relationships" name="Luxe">
-  <a:themeElements>
-    <a:clrScheme name="Luxe">
-      <a:dk1>
-        <a:srgbClr val="000000"/>
-      </a:dk1>
-      <a:lt1>
-        <a:srgbClr val="FFFFFF"/>
-      </a:lt1>
-      <a:dk2>
-        <a:srgbClr val="B7B7B7"/>
-      </a:dk2>
-      <a:lt2>
-        <a:srgbClr val="CCA677"/>
-      </a:lt2>
-      <a:accent1>
-        <a:srgbClr val="5D4037"/>
-      </a:accent1>
-      <a:accent2>
-        <a:srgbClr val="455A64"/>
-      </a:accent2>
-      <a:accent3>
-        <a:srgbClr val="57BB8A"/>
-      </a:accent3>
-      <a:accent4>
-        <a:srgbClr val="78909C"/>
-      </a:accent4>
-      <a:accent5>
-        <a:srgbClr val="607D8B"/>
-      </a:accent5>
-      <a:accent6>
-        <a:srgbClr val="DCE755"/>
-      </a:accent6>
-      <a:hlink>
-        <a:srgbClr val="607D8B"/>
-      </a:hlink>
-      <a:folHlink>
-        <a:srgbClr val="607D8B"/>
-      </a:folHlink>
-    </a:clrScheme>
-    <a:fontScheme name="Office">
-      <a:majorFont>
-        <a:latin typeface="Arial"/>
-        <a:ea typeface=""/>
-        <a:cs typeface=""/>
-        <a:font script="Jpan" typeface="ＭＳ Ｐゴシック"/>
-        <a:font script="Hang" typeface="맑은 고딕"/>
-        <a:font script="Hans" typeface="宋体"/>
-        <a:font script="Hant" typeface="新細明體"/>
-        <a:font script="Arab" typeface="Times New Roman"/>
-        <a:font script="Hebr" typeface="Times New Roman"/>
-        <a:font script="Thai" typeface="Angsana New"/>
-        <a:font script="Ethi" typeface="Nyala"/>
-        <a:font script="Beng" typeface="Vrinda"/>
-        <a:font script="Gujr" typeface="Shruti"/>
-        <a:font script="Khmr" typeface="MoolBoran"/>
-        <a:font script="Knda" typeface="Tunga"/>
-        <a:font script="Guru" typeface="Raavi"/>
-        <a:font script="Cans" typeface="Euphemia"/>
-        <a:font script="Cher" typeface="Plantagenet Cherokee"/>
-        <a:font script="Yiii" typeface="Microsoft Yi Baiti"/>
-        <a:font script="Tibt" typeface="Microsoft Himalaya"/>
-        <a:font script="Thaa" typeface="MV Boli"/>
-        <a:font script="Deva" typeface="Mangal"/>
-        <a:font script="Telu" typeface="Gautami"/>
-        <a:font script="Taml" typeface="Latha"/>
-        <a:font script="Syrc" typeface="Estrangelo Edessa"/>
-        <a:font script="Orya" typeface="Kalinga"/>
-        <a:font script="Mlym" typeface="Kartika"/>
-        <a:font script="Laoo" typeface="DokChampa"/>
-        <a:font script="Sinh" typeface="Iskoola Pota"/>
-        <a:font script="Mong" typeface="Mongolian Baiti"/>
-        <a:font script="Viet" typeface="Times New Roman"/>
-        <a:font script="Uigh" typeface="Microsoft Uighur"/>
-        <a:font script="Geor" typeface="Sylfaen"/>
-      </a:majorFont>
-      <a:minorFont>
-        <a:latin typeface="Arial"/>
-        <a:ea typeface=""/>
-        <a:cs typeface=""/>
-        <a:font script="Jpan" typeface="ＭＳ Ｐゴシック"/>
-        <a:font script="Hang" typeface="맑은 고딕"/>
-        <a:font script="Hans" typeface="宋体"/>
-        <a:font script="Hant" typeface="新細明體"/>
-        <a:font script="Arab" typeface="Arial"/>
-        <a:font script="Hebr" typeface="Arial"/>
-        <a:font script="Thai" typeface="Cordia New"/>
-        <a:font script="Ethi" typeface="Nyala"/>
-        <a:font script="Beng" typeface="Vrinda"/>
-        <a:font script="Gujr" typeface="Shruti"/>
-        <a:font script="Khmr" typeface="DaunPenh"/>
-        <a:font script="Knda" typeface="Tunga"/>
-        <a:font script="Guru" typeface="Raavi"/>
-        <a:font script="Cans" typeface="Euphemia"/>
-        <a:font script="Cher" typeface="Plantagenet Cherokee"/>
-        <a:font script="Yiii" typeface="Microsoft Yi Baiti"/>
-        <a:font script="Tibt" typeface="Microsoft Himalaya"/>
-        <a:font script="Thaa" typeface="MV Boli"/>
-        <a:font script="Deva" typeface="Mangal"/>
-        <a:font script="Telu" typeface="Gautami"/>
-        <a:font script="Taml" typeface="Latha"/>
-        <a:font script="Syrc" typeface="Estrangelo Edessa"/>
-        <a:font script="Orya" typeface="Kalinga"/>
-        <a:font script="Mlym" typeface="Kartika"/>
-        <a:font script="Laoo" typeface="DokChampa"/>
-        <a:font script="Sinh" typeface="Iskoola Pota"/>
-        <a:font script="Mong" typeface="Mongolian Baiti"/>
-        <a:font script="Viet" typeface="Arial"/>
-        <a:font script="Uigh" typeface="Microsoft Uighur"/>
-        <a:font script="Geor" typeface="Sylfaen"/>
-      </a:minorFont>
-    </a:fontScheme>
-    <a:fmtScheme name="Office">
-      <a:fillStyleLst>
-        <a:solidFill>
-          <a:schemeClr val="phClr"/>
-        </a:solidFill>
-        <a:gradFill rotWithShape="1">
-          <a:gsLst>
-            <a:gs pos="0">
-              <a:schemeClr val="phClr">
-                <a:tint val="50000"/>
-                <a:satMod val="300000"/>
-              </a:schemeClr>
-            </a:gs>
-            <a:gs pos="35000">
-              <a:schemeClr val="phClr">
-                <a:tint val="37000"/>
-                <a:satMod val="300000"/>
-              </a:schemeClr>
-            </a:gs>
-            <a:gs pos="100000">
-              <a:schemeClr val="phClr">
-                <a:tint val="15000"/>
-                <a:satMod val="350000"/>
-              </a:schemeClr>
-            </a:gs>
-          </a:gsLst>
-          <a:lin ang="16200000" scaled="1"/>
-        </a:gradFill>
-        <a:gradFill rotWithShape="1">
-          <a:gsLst>
-            <a:gs pos="0">
-              <a:schemeClr val="phClr">
-                <a:tint val="100000"/>
-                <a:shade val="100000"/>
-                <a:satMod val="130000"/>
-              </a:schemeClr>
-            </a:gs>
-            <a:gs pos="100000">
-              <a:schemeClr val="phClr">
-                <a:tint val="50000"/>
-                <a:shade val="100000"/>
-                <a:satMod val="350000"/>
-              </a:schemeClr>
-            </a:gs>
-          </a:gsLst>
-          <a:lin ang="16200000" scaled="0"/>
-        </a:gradFill>
-      </a:fillStyleLst>
-      <a:lnStyleLst>
-        <a:ln w="9525" cap="flat" cmpd="sng" algn="ctr">
-          <a:solidFill>
-            <a:schemeClr val="phClr">
-              <a:shade val="95000"/>
-              <a:satMod val="105000"/>
-            </a:schemeClr>
-          </a:solidFill>
-          <a:prstDash val="solid"/>
-        </a:ln>
-        <a:ln w="25400" cap="flat" cmpd="sng" algn="ctr">
-          <a:solidFill>
-            <a:schemeClr val="phClr"/>
-          </a:solidFill>
-          <a:prstDash val="solid"/>
-        </a:ln>
-        <a:ln w="38100" cap="flat" cmpd="sng" algn="ctr">
-          <a:solidFill>
-            <a:schemeClr val="phClr"/>
-          </a:solidFill>
-          <a:prstDash val="solid"/>
-        </a:ln>
-      </a:lnStyleLst>
-      <a:effectStyleLst>
-        <a:effectStyle>
-          <a:effectLst>
-            <a:outerShdw blurRad="40000" dist="20000" dir="5400000" rotWithShape="0">
-              <a:srgbClr val="000000">
-                <a:alpha val="38000"/>
-              </a:srgbClr>
-            </a:outerShdw>
-          </a:effectLst>
-        </a:effectStyle>
-        <a:effectStyle>
-          <a:effectLst>
-            <a:outerShdw blurRad="40000" dist="23000" dir="5400000" rotWithShape="0">
-              <a:srgbClr val="000000">
-                <a:alpha val="35000"/>
-              </a:srgbClr>
-            </a:outerShdw>
-          </a:effectLst>
-        </a:effectStyle>
-        <a:effectStyle>
-          <a:effectLst>
-            <a:outerShdw blurRad="40000" dist="23000" dir="5400000" rotWithShape="0">
-              <a:srgbClr val="000000">
-                <a:alpha val="35000"/>
-              </a:srgbClr>
-            </a:outerShdw>
-          </a:effectLst>
-          <a:scene3d>
-            <a:camera prst="orthographicFront">
-              <a:rot lat="0" lon="0" rev="0"/>
-            </a:camera>
-            <a:lightRig rig="threePt" dir="t">
-              <a:rot lat="0" lon="0" rev="1200000"/>
-            </a:lightRig>
-          </a:scene3d>
-          <a:sp3d>
-            <a:bevelT w="63500" h="25400"/>
-          </a:sp3d>
-        </a:effectStyle>
-      </a:effectStyleLst>
-      <a:bgFillStyleLst>
-        <a:solidFill>
-          <a:schemeClr val="phClr"/>
-        </a:solidFill>
-        <a:gradFill rotWithShape="1">
-          <a:gsLst>
-            <a:gs pos="0">
-              <a:schemeClr val="phClr">
-                <a:tint val="40000"/>
-                <a:satMod val="350000"/>
-              </a:schemeClr>
-            </a:gs>
-            <a:gs pos="40000">
-              <a:schemeClr val="phClr">
-                <a:tint val="45000"/>
-                <a:shade val="99000"/>
-                <a:satMod val="350000"/>
-              </a:schemeClr>
-            </a:gs>
-            <a:gs pos="100000">
-              <a:schemeClr val="phClr">
-                <a:shade val="20000"/>
-                <a:satMod val="255000"/>
-              </a:schemeClr>
-            </a:gs>
-          </a:gsLst>
-          <a:path path="circle">
-            <a:fillToRect l="50000" t="-80000" r="50000" b="180000"/>
-          </a:path>
-        </a:gradFill>
-        <a:gradFill rotWithShape="1">
-          <a:gsLst>
-            <a:gs pos="0">
-              <a:schemeClr val="phClr">
-                <a:tint val="80000"/>
-                <a:satMod val="300000"/>
-              </a:schemeClr>
-            </a:gs>
-            <a:gs pos="100000">
-              <a:schemeClr val="phClr">
-                <a:shade val="30000"/>
-                <a:satMod val="200000"/>
-              </a:schemeClr>
-            </a:gs>
-          </a:gsLst>
-          <a:path path="circle">
-            <a:fillToRect l="50000" t="50000" r="50000" b="50000"/>
-          </a:path>
-        </a:gradFill>
-      </a:bgFillStyleLst>
-    </a:fmtScheme>
-  </a:themeElements>
-</a:theme>
 </file>
--- a/Group 3 Presentation.pptx
+++ b/Group 3 Presentation.pptx
@@ -1,47 +1,47 @@
 
 <file path=ppt/presentation.xml><?xml version="1.0" encoding="utf-8"?>
-<p:presentation xmlns:a="http://schemas.openxmlformats.org/drawingml/2006/main" xmlns:r="http://schemas.openxmlformats.org/officeDocument/2006/relationships" xmlns:mc="http://schemas.openxmlformats.org/markup-compatibility/2006" xmlns:mv="urn:schemas-microsoft-com:mac:vml" xmlns:p="http://schemas.openxmlformats.org/presentationml/2006/main" xmlns:c="http://schemas.openxmlformats.org/drawingml/2006/chart" xmlns:dgm="http://schemas.openxmlformats.org/drawingml/2006/diagram" xmlns:o="urn:schemas-microsoft-com:office:office" xmlns:v="urn:schemas-microsoft-com:vml" xmlns:pvml="urn:schemas-microsoft-com:office:powerpoint" xmlns:com="http://schemas.openxmlformats.org/drawingml/2006/compatibility" xmlns:p14="http://schemas.microsoft.com/office/powerpoint/2010/main" xmlns:p15="http://schemas.microsoft.com/office/powerpoint/2012/main" xmlns:ahyp="http://schemas.microsoft.com/office/drawing/2018/hyperlinkcolor" autoCompressPictures="0" embedTrueTypeFonts="1" strictFirstAndLastChars="0" saveSubsetFonts="1">
+<p:presentation xmlns:a="http://schemas.openxmlformats.org/drawingml/2006/main" xmlns:r="http://schemas.openxmlformats.org/officeDocument/2006/relationships" xmlns:p="http://schemas.openxmlformats.org/presentationml/2006/main" strictFirstAndLastChars="0" embedTrueTypeFonts="1" saveSubsetFonts="1" autoCompressPictures="0">
   <p:sldMasterIdLst>
-    <p:sldMasterId id="2147483659" r:id="rId4"/>
+    <p:sldMasterId id="2147483659" r:id="rId1"/>
   </p:sldMasterIdLst>
   <p:notesMasterIdLst>
-    <p:notesMasterId r:id="rId5"/>
+    <p:notesMasterId r:id="rId15"/>
   </p:notesMasterIdLst>
   <p:sldIdLst>
-    <p:sldId id="256" r:id="rId6"/>
-    <p:sldId id="257" r:id="rId7"/>
-    <p:sldId id="258" r:id="rId8"/>
-    <p:sldId id="259" r:id="rId9"/>
-    <p:sldId id="260" r:id="rId10"/>
-    <p:sldId id="261" r:id="rId11"/>
-    <p:sldId id="262" r:id="rId12"/>
-    <p:sldId id="263" r:id="rId13"/>
-    <p:sldId id="264" r:id="rId14"/>
-    <p:sldId id="265" r:id="rId15"/>
-    <p:sldId id="266" r:id="rId16"/>
-    <p:sldId id="267" r:id="rId17"/>
-    <p:sldId id="268" r:id="rId18"/>
+    <p:sldId id="256" r:id="rId2"/>
+    <p:sldId id="257" r:id="rId3"/>
+    <p:sldId id="258" r:id="rId4"/>
+    <p:sldId id="259" r:id="rId5"/>
+    <p:sldId id="260" r:id="rId6"/>
+    <p:sldId id="261" r:id="rId7"/>
+    <p:sldId id="262" r:id="rId8"/>
+    <p:sldId id="263" r:id="rId9"/>
+    <p:sldId id="264" r:id="rId10"/>
+    <p:sldId id="265" r:id="rId11"/>
+    <p:sldId id="266" r:id="rId12"/>
+    <p:sldId id="267" r:id="rId13"/>
+    <p:sldId id="268" r:id="rId14"/>
   </p:sldIdLst>
-  <p:sldSz cy="5143500" cx="9144000"/>
+  <p:sldSz cx="9144000" cy="5143500" type="screen16x9"/>
   <p:notesSz cx="6858000" cy="9144000"/>
   <p:embeddedFontLst>
     <p:embeddedFont>
-      <p:font typeface="Economica"/>
-      <p:regular r:id="rId19"/>
-      <p:bold r:id="rId20"/>
-      <p:italic r:id="rId21"/>
-      <p:boldItalic r:id="rId22"/>
+      <p:font typeface="Economica" panose="020B0604020202020204" charset="0"/>
+      <p:regular r:id="rId16"/>
+      <p:bold r:id="rId17"/>
+      <p:italic r:id="rId18"/>
+      <p:boldItalic r:id="rId19"/>
     </p:embeddedFont>
     <p:embeddedFont>
-      <p:font typeface="Open Sans"/>
-      <p:regular r:id="rId23"/>
-      <p:bold r:id="rId24"/>
-      <p:italic r:id="rId25"/>
-      <p:boldItalic r:id="rId26"/>
+      <p:font typeface="Open Sans" panose="020B0606030504020204" pitchFamily="34" charset="0"/>
+      <p:regular r:id="rId20"/>
+      <p:bold r:id="rId21"/>
+      <p:italic r:id="rId22"/>
+      <p:boldItalic r:id="rId23"/>
     </p:embeddedFont>
   </p:embeddedFontLst>
   <p:defaultTextStyle>
-    <a:defPPr lvl="0" marR="0" rtl="0" algn="l">
+    <a:defPPr marR="0" lvl="0" algn="l" rtl="0">
       <a:lnSpc>
         <a:spcPct val="100000"/>
       </a:lnSpc>
@@ -52,7 +52,7 @@
         <a:spcPts val="0"/>
       </a:spcAft>
     </a:defPPr>
-    <a:lvl1pPr lvl="0" marR="0" rtl="0" algn="l">
+    <a:lvl1pPr marR="0" lvl="0" algn="l" rtl="0">
       <a:lnSpc>
         <a:spcPct val="100000"/>
       </a:lnSpc>
@@ -66,7 +66,7 @@
         <a:srgbClr val="000000"/>
       </a:buClr>
       <a:buFont typeface="Arial"/>
-      <a:defRPr b="0" i="0" sz="1400" u="none" cap="none" strike="noStrike">
+      <a:defRPr sz="1400" b="0" i="0" u="none" strike="noStrike" cap="none">
         <a:solidFill>
           <a:srgbClr val="000000"/>
         </a:solidFill>
@@ -76,7 +76,7 @@
         <a:sym typeface="Arial"/>
       </a:defRPr>
     </a:lvl1pPr>
-    <a:lvl2pPr lvl="1" marR="0" rtl="0" algn="l">
+    <a:lvl2pPr marR="0" lvl="1" algn="l" rtl="0">
       <a:lnSpc>
         <a:spcPct val="100000"/>
       </a:lnSpc>
@@ -90,7 +90,7 @@
         <a:srgbClr val="000000"/>
       </a:buClr>
       <a:buFont typeface="Arial"/>
-      <a:defRPr b="0" i="0" sz="1400" u="none" cap="none" strike="noStrike">
+      <a:defRPr sz="1400" b="0" i="0" u="none" strike="noStrike" cap="none">
         <a:solidFill>
           <a:srgbClr val="000000"/>
         </a:solidFill>
@@ -100,7 +100,7 @@
         <a:sym typeface="Arial"/>
       </a:defRPr>
     </a:lvl2pPr>
-    <a:lvl3pPr lvl="2" marR="0" rtl="0" algn="l">
+    <a:lvl3pPr marR="0" lvl="2" algn="l" rtl="0">
       <a:lnSpc>
         <a:spcPct val="100000"/>
       </a:lnSpc>
@@ -114,7 +114,7 @@
         <a:srgbClr val="000000"/>
       </a:buClr>
       <a:buFont typeface="Arial"/>
-      <a:defRPr b="0" i="0" sz="1400" u="none" cap="none" strike="noStrike">
+      <a:defRPr sz="1400" b="0" i="0" u="none" strike="noStrike" cap="none">
         <a:solidFill>
           <a:srgbClr val="000000"/>
         </a:solidFill>
@@ -124,7 +124,7 @@
         <a:sym typeface="Arial"/>
       </a:defRPr>
     </a:lvl3pPr>
-    <a:lvl4pPr lvl="3" marR="0" rtl="0" algn="l">
+    <a:lvl4pPr marR="0" lvl="3" algn="l" rtl="0">
       <a:lnSpc>
         <a:spcPct val="100000"/>
       </a:lnSpc>
@@ -138,7 +138,7 @@
         <a:srgbClr val="000000"/>
       </a:buClr>
       <a:buFont typeface="Arial"/>
-      <a:defRPr b="0" i="0" sz="1400" u="none" cap="none" strike="noStrike">
+      <a:defRPr sz="1400" b="0" i="0" u="none" strike="noStrike" cap="none">
         <a:solidFill>
           <a:srgbClr val="000000"/>
         </a:solidFill>
@@ -148,7 +148,7 @@
         <a:sym typeface="Arial"/>
       </a:defRPr>
     </a:lvl4pPr>
-    <a:lvl5pPr lvl="4" marR="0" rtl="0" algn="l">
+    <a:lvl5pPr marR="0" lvl="4" algn="l" rtl="0">
       <a:lnSpc>
         <a:spcPct val="100000"/>
       </a:lnSpc>
@@ -162,7 +162,7 @@
         <a:srgbClr val="000000"/>
       </a:buClr>
       <a:buFont typeface="Arial"/>
-      <a:defRPr b="0" i="0" sz="1400" u="none" cap="none" strike="noStrike">
+      <a:defRPr sz="1400" b="0" i="0" u="none" strike="noStrike" cap="none">
         <a:solidFill>
           <a:srgbClr val="000000"/>
         </a:solidFill>
@@ -172,7 +172,7 @@
         <a:sym typeface="Arial"/>
       </a:defRPr>
     </a:lvl5pPr>
-    <a:lvl6pPr lvl="5" marR="0" rtl="0" algn="l">
+    <a:lvl6pPr marR="0" lvl="5" algn="l" rtl="0">
       <a:lnSpc>
         <a:spcPct val="100000"/>
       </a:lnSpc>
@@ -186,7 +186,7 @@
         <a:srgbClr val="000000"/>
       </a:buClr>
       <a:buFont typeface="Arial"/>
-      <a:defRPr b="0" i="0" sz="1400" u="none" cap="none" strike="noStrike">
+      <a:defRPr sz="1400" b="0" i="0" u="none" strike="noStrike" cap="none">
         <a:solidFill>
           <a:srgbClr val="000000"/>
         </a:solidFill>
@@ -196,7 +196,7 @@
         <a:sym typeface="Arial"/>
       </a:defRPr>
     </a:lvl6pPr>
-    <a:lvl7pPr lvl="6" marR="0" rtl="0" algn="l">
+    <a:lvl7pPr marR="0" lvl="6" algn="l" rtl="0">
       <a:lnSpc>
         <a:spcPct val="100000"/>
       </a:lnSpc>
@@ -210,7 +210,7 @@
         <a:srgbClr val="000000"/>
       </a:buClr>
       <a:buFont typeface="Arial"/>
-      <a:defRPr b="0" i="0" sz="1400" u="none" cap="none" strike="noStrike">
+      <a:defRPr sz="1400" b="0" i="0" u="none" strike="noStrike" cap="none">
         <a:solidFill>
           <a:srgbClr val="000000"/>
         </a:solidFill>
@@ -220,7 +220,7 @@
         <a:sym typeface="Arial"/>
       </a:defRPr>
     </a:lvl7pPr>
-    <a:lvl8pPr lvl="7" marR="0" rtl="0" algn="l">
+    <a:lvl8pPr marR="0" lvl="7" algn="l" rtl="0">
       <a:lnSpc>
         <a:spcPct val="100000"/>
       </a:lnSpc>
@@ -234,7 +234,7 @@
         <a:srgbClr val="000000"/>
       </a:buClr>
       <a:buFont typeface="Arial"/>
-      <a:defRPr b="0" i="0" sz="1400" u="none" cap="none" strike="noStrike">
+      <a:defRPr sz="1400" b="0" i="0" u="none" strike="noStrike" cap="none">
         <a:solidFill>
           <a:srgbClr val="000000"/>
         </a:solidFill>
@@ -244,7 +244,7 @@
         <a:sym typeface="Arial"/>
       </a:defRPr>
     </a:lvl8pPr>
-    <a:lvl9pPr lvl="8" marR="0" rtl="0" algn="l">
+    <a:lvl9pPr marR="0" lvl="8" algn="l" rtl="0">
       <a:lnSpc>
         <a:spcPct val="100000"/>
       </a:lnSpc>
@@ -258,7 +258,7 @@
         <a:srgbClr val="000000"/>
       </a:buClr>
       <a:buFont typeface="Arial"/>
-      <a:defRPr b="0" i="0" sz="1400" u="none" cap="none" strike="noStrike">
+      <a:defRPr sz="1400" b="0" i="0" u="none" strike="noStrike" cap="none">
         <a:solidFill>
           <a:srgbClr val="000000"/>
         </a:solidFill>
@@ -271,7 +271,7 @@
   </p:defaultTextStyle>
   <p:extLst>
     <p:ext uri="{EFAFB233-063F-42B5-8137-9DF3F51BA10A}">
-      <p15:sldGuideLst>
+      <p15:sldGuideLst xmlns:p15="http://schemas.microsoft.com/office/powerpoint/2012/main">
         <p15:guide id="1" orient="horz" pos="1620">
           <p15:clr>
             <a:srgbClr val="747775"/>
@@ -289,11 +289,16 @@
 </file>
 
 <file path=ppt/notesMasters/notesMaster1.xml><?xml version="1.0" encoding="utf-8"?>
-<p:notesMaster xmlns:a="http://schemas.openxmlformats.org/drawingml/2006/main" xmlns:r="http://schemas.openxmlformats.org/officeDocument/2006/relationships" xmlns:mc="http://schemas.openxmlformats.org/markup-compatibility/2006" xmlns:mv="urn:schemas-microsoft-com:mac:vml" xmlns:p="http://schemas.openxmlformats.org/presentationml/2006/main" xmlns:c="http://schemas.openxmlformats.org/drawingml/2006/chart" xmlns:dgm="http://schemas.openxmlformats.org/drawingml/2006/diagram" xmlns:o="urn:schemas-microsoft-com:office:office" xmlns:v="urn:schemas-microsoft-com:vml" xmlns:pvml="urn:schemas-microsoft-com:office:powerpoint" xmlns:com="http://schemas.openxmlformats.org/drawingml/2006/compatibility" xmlns:p14="http://schemas.microsoft.com/office/powerpoint/2010/main" xmlns:p15="http://schemas.microsoft.com/office/powerpoint/2012/main" xmlns:ahyp="http://schemas.microsoft.com/office/drawing/2018/hyperlinkcolor">
+<p:notesMaster xmlns:a="http://schemas.openxmlformats.org/drawingml/2006/main" xmlns:r="http://schemas.openxmlformats.org/officeDocument/2006/relationships" xmlns:p="http://schemas.openxmlformats.org/presentationml/2006/main">
   <p:cSld>
+    <p:bg>
+      <p:bgRef idx="1001">
+        <a:schemeClr val="bg1"/>
+      </p:bgRef>
+    </p:bg>
     <p:spTree>
       <p:nvGrpSpPr>
-        <p:cNvPr id="2" name="Shape 2"/>
+        <p:cNvPr id="1" name="Shape 2"/>
         <p:cNvGrpSpPr/>
         <p:nvPr/>
       </p:nvGrpSpPr>
@@ -308,9 +313,11 @@
       <p:sp>
         <p:nvSpPr>
           <p:cNvPr id="3" name="Google Shape;3;n"/>
-          <p:cNvSpPr/>
+          <p:cNvSpPr>
+            <a:spLocks noGrp="1" noRot="1" noChangeAspect="1"/>
+          </p:cNvSpPr>
           <p:nvPr>
-            <p:ph idx="2" type="sldImg"/>
+            <p:ph type="sldImg" idx="2"/>
           </p:nvPr>
         </p:nvSpPr>
         <p:spPr>
@@ -319,9 +326,13 @@
             <a:ext cx="6096075" cy="3429000"/>
           </a:xfrm>
           <a:custGeom>
-            <a:rect b="b" l="l" r="r" t="t"/>
+            <a:avLst/>
+            <a:gdLst/>
+            <a:ahLst/>
+            <a:cxnLst/>
+            <a:rect l="l" t="t" r="r" b="b"/>
             <a:pathLst>
-              <a:path extrusionOk="0" h="120000" w="120000">
+              <a:path w="120000" h="120000" extrusionOk="0">
                 <a:moveTo>
                   <a:pt x="0" y="0"/>
                 </a:moveTo>
@@ -339,23 +350,25 @@
             </a:pathLst>
           </a:custGeom>
           <a:noFill/>
-          <a:ln cap="flat" cmpd="sng" w="9525">
+          <a:ln w="9525" cap="flat" cmpd="sng">
             <a:solidFill>
               <a:srgbClr val="000000"/>
             </a:solidFill>
             <a:prstDash val="solid"/>
             <a:round/>
-            <a:headEnd len="sm" w="sm" type="none"/>
-            <a:tailEnd len="sm" w="sm" type="none"/>
+            <a:headEnd type="none" w="sm" len="sm"/>
+            <a:tailEnd type="none" w="sm" len="sm"/>
           </a:ln>
         </p:spPr>
       </p:sp>
       <p:sp>
         <p:nvSpPr>
           <p:cNvPr id="4" name="Google Shape;4;n"/>
-          <p:cNvSpPr txBox="1"/>
+          <p:cNvSpPr txBox="1">
+            <a:spLocks noGrp="1"/>
+          </p:cNvSpPr>
           <p:nvPr>
-            <p:ph idx="1" type="body"/>
+            <p:ph type="body" idx="1"/>
           </p:nvPr>
         </p:nvSpPr>
         <p:spPr>
@@ -372,11 +385,11 @@
           </a:ln>
         </p:spPr>
         <p:txBody>
-          <a:bodyPr anchorCtr="0" anchor="t" bIns="91425" lIns="91425" spcFirstLastPara="1" rIns="91425" wrap="square" tIns="91425">
+          <a:bodyPr spcFirstLastPara="1" wrap="square" lIns="91425" tIns="91425" rIns="91425" bIns="91425" anchor="t" anchorCtr="0">
             <a:noAutofit/>
           </a:bodyPr>
           <a:lstStyle>
-            <a:lvl1pPr indent="-298450" lvl="0" marL="457200">
+            <a:lvl1pPr marL="457200" lvl="0" indent="-298450">
               <a:spcBef>
                 <a:spcPts val="0"/>
               </a:spcBef>
@@ -387,7 +400,7 @@
               <a:buChar char="●"/>
               <a:defRPr sz="1100"/>
             </a:lvl1pPr>
-            <a:lvl2pPr indent="-298450" lvl="1" marL="914400">
+            <a:lvl2pPr marL="914400" lvl="1" indent="-298450">
               <a:spcBef>
                 <a:spcPts val="0"/>
               </a:spcBef>
@@ -398,7 +411,7 @@
               <a:buChar char="○"/>
               <a:defRPr sz="1100"/>
             </a:lvl2pPr>
-            <a:lvl3pPr indent="-298450" lvl="2" marL="1371600">
+            <a:lvl3pPr marL="1371600" lvl="2" indent="-298450">
               <a:spcBef>
                 <a:spcPts val="0"/>
               </a:spcBef>
@@ -409,7 +422,7 @@
               <a:buChar char="■"/>
               <a:defRPr sz="1100"/>
             </a:lvl3pPr>
-            <a:lvl4pPr indent="-298450" lvl="3" marL="1828800">
+            <a:lvl4pPr marL="1828800" lvl="3" indent="-298450">
               <a:spcBef>
                 <a:spcPts val="0"/>
               </a:spcBef>
@@ -420,7 +433,7 @@
               <a:buChar char="●"/>
               <a:defRPr sz="1100"/>
             </a:lvl4pPr>
-            <a:lvl5pPr indent="-298450" lvl="4" marL="2286000">
+            <a:lvl5pPr marL="2286000" lvl="4" indent="-298450">
               <a:spcBef>
                 <a:spcPts val="0"/>
               </a:spcBef>
@@ -431,7 +444,7 @@
               <a:buChar char="○"/>
               <a:defRPr sz="1100"/>
             </a:lvl5pPr>
-            <a:lvl6pPr indent="-298450" lvl="5" marL="2743200">
+            <a:lvl6pPr marL="2743200" lvl="5" indent="-298450">
               <a:spcBef>
                 <a:spcPts val="0"/>
               </a:spcBef>
@@ -442,7 +455,7 @@
               <a:buChar char="■"/>
               <a:defRPr sz="1100"/>
             </a:lvl6pPr>
-            <a:lvl7pPr indent="-298450" lvl="6" marL="3200400">
+            <a:lvl7pPr marL="3200400" lvl="6" indent="-298450">
               <a:spcBef>
                 <a:spcPts val="0"/>
               </a:spcBef>
@@ -453,7 +466,7 @@
               <a:buChar char="●"/>
               <a:defRPr sz="1100"/>
             </a:lvl7pPr>
-            <a:lvl8pPr indent="-298450" lvl="7" marL="3657600">
+            <a:lvl8pPr marL="3657600" lvl="7" indent="-298450">
               <a:spcBef>
                 <a:spcPts val="0"/>
               </a:spcBef>
@@ -464,7 +477,7 @@
               <a:buChar char="○"/>
               <a:defRPr sz="1100"/>
             </a:lvl8pPr>
-            <a:lvl9pPr indent="-298450" lvl="8" marL="4114800">
+            <a:lvl9pPr marL="4114800" lvl="8" indent="-298450">
               <a:spcBef>
                 <a:spcPts val="0"/>
               </a:spcBef>
@@ -476,14 +489,16 @@
               <a:defRPr sz="1100"/>
             </a:lvl9pPr>
           </a:lstStyle>
-          <a:p/>
+          <a:p>
+            <a:endParaRPr/>
+          </a:p>
         </p:txBody>
       </p:sp>
     </p:spTree>
   </p:cSld>
-  <p:clrMap accent1="accent1" accent2="accent2" accent3="accent3" accent4="accent4" accent5="accent5" accent6="accent6" bg1="lt1" bg2="dk2" tx1="dk1" tx2="lt2" folHlink="folHlink" hlink="hlink"/>
+  <p:clrMap bg1="lt1" tx1="dk1" bg2="dk2" tx2="lt2" accent1="accent1" accent2="accent2" accent3="accent3" accent4="accent4" accent5="accent5" accent6="accent6" hlink="hlink" folHlink="folHlink"/>
   <p:notesStyle>
-    <a:defPPr lvl="0" marR="0" rtl="0" algn="l">
+    <a:defPPr marR="0" lvl="0" algn="l" rtl="0">
       <a:lnSpc>
         <a:spcPct val="100000"/>
       </a:lnSpc>
@@ -494,7 +509,7 @@
         <a:spcPts val="0"/>
       </a:spcAft>
     </a:defPPr>
-    <a:lvl1pPr lvl="0" marR="0" rtl="0" algn="l">
+    <a:lvl1pPr marR="0" lvl="0" algn="l" rtl="0">
       <a:lnSpc>
         <a:spcPct val="100000"/>
       </a:lnSpc>
@@ -508,7 +523,7 @@
         <a:srgbClr val="000000"/>
       </a:buClr>
       <a:buFont typeface="Arial"/>
-      <a:defRPr b="0" i="0" sz="1400" u="none" cap="none" strike="noStrike">
+      <a:defRPr sz="1400" b="0" i="0" u="none" strike="noStrike" cap="none">
         <a:solidFill>
           <a:srgbClr val="000000"/>
         </a:solidFill>
@@ -518,7 +533,7 @@
         <a:sym typeface="Arial"/>
       </a:defRPr>
     </a:lvl1pPr>
-    <a:lvl2pPr lvl="1" marR="0" rtl="0" algn="l">
+    <a:lvl2pPr marR="0" lvl="1" algn="l" rtl="0">
       <a:lnSpc>
         <a:spcPct val="100000"/>
       </a:lnSpc>
@@ -532,7 +547,7 @@
         <a:srgbClr val="000000"/>
       </a:buClr>
       <a:buFont typeface="Arial"/>
-      <a:defRPr b="0" i="0" sz="1400" u="none" cap="none" strike="noStrike">
+      <a:defRPr sz="1400" b="0" i="0" u="none" strike="noStrike" cap="none">
         <a:solidFill>
           <a:srgbClr val="000000"/>
         </a:solidFill>
@@ -542,7 +557,7 @@
         <a:sym typeface="Arial"/>
       </a:defRPr>
     </a:lvl2pPr>
-    <a:lvl3pPr lvl="2" marR="0" rtl="0" algn="l">
+    <a:lvl3pPr marR="0" lvl="2" algn="l" rtl="0">
       <a:lnSpc>
         <a:spcPct val="100000"/>
       </a:lnSpc>
@@ -556,7 +571,7 @@
         <a:srgbClr val="000000"/>
       </a:buClr>
       <a:buFont typeface="Arial"/>
-      <a:defRPr b="0" i="0" sz="1400" u="none" cap="none" strike="noStrike">
+      <a:defRPr sz="1400" b="0" i="0" u="none" strike="noStrike" cap="none">
         <a:solidFill>
           <a:srgbClr val="000000"/>
         </a:solidFill>
@@ -566,7 +581,7 @@
         <a:sym typeface="Arial"/>
       </a:defRPr>
     </a:lvl3pPr>
-    <a:lvl4pPr lvl="3" marR="0" rtl="0" algn="l">
+    <a:lvl4pPr marR="0" lvl="3" algn="l" rtl="0">
       <a:lnSpc>
         <a:spcPct val="100000"/>
       </a:lnSpc>
@@ -580,7 +595,7 @@
         <a:srgbClr val="000000"/>
       </a:buClr>
       <a:buFont typeface="Arial"/>
-      <a:defRPr b="0" i="0" sz="1400" u="none" cap="none" strike="noStrike">
+      <a:defRPr sz="1400" b="0" i="0" u="none" strike="noStrike" cap="none">
         <a:solidFill>
           <a:srgbClr val="000000"/>
         </a:solidFill>
@@ -590,7 +605,7 @@
         <a:sym typeface="Arial"/>
       </a:defRPr>
     </a:lvl4pPr>
-    <a:lvl5pPr lvl="4" marR="0" rtl="0" algn="l">
+    <a:lvl5pPr marR="0" lvl="4" algn="l" rtl="0">
       <a:lnSpc>
         <a:spcPct val="100000"/>
       </a:lnSpc>
@@ -604,7 +619,7 @@
         <a:srgbClr val="000000"/>
       </a:buClr>
       <a:buFont typeface="Arial"/>
-      <a:defRPr b="0" i="0" sz="1400" u="none" cap="none" strike="noStrike">
+      <a:defRPr sz="1400" b="0" i="0" u="none" strike="noStrike" cap="none">
         <a:solidFill>
           <a:srgbClr val="000000"/>
         </a:solidFill>
@@ -614,7 +629,7 @@
         <a:sym typeface="Arial"/>
       </a:defRPr>
     </a:lvl5pPr>
-    <a:lvl6pPr lvl="5" marR="0" rtl="0" algn="l">
+    <a:lvl6pPr marR="0" lvl="5" algn="l" rtl="0">
       <a:lnSpc>
         <a:spcPct val="100000"/>
       </a:lnSpc>
@@ -628,7 +643,7 @@
         <a:srgbClr val="000000"/>
       </a:buClr>
       <a:buFont typeface="Arial"/>
-      <a:defRPr b="0" i="0" sz="1400" u="none" cap="none" strike="noStrike">
+      <a:defRPr sz="1400" b="0" i="0" u="none" strike="noStrike" cap="none">
         <a:solidFill>
           <a:srgbClr val="000000"/>
         </a:solidFill>
@@ -638,7 +653,7 @@
         <a:sym typeface="Arial"/>
       </a:defRPr>
     </a:lvl6pPr>
-    <a:lvl7pPr lvl="6" marR="0" rtl="0" algn="l">
+    <a:lvl7pPr marR="0" lvl="6" algn="l" rtl="0">
       <a:lnSpc>
         <a:spcPct val="100000"/>
       </a:lnSpc>
@@ -652,7 +667,7 @@
         <a:srgbClr val="000000"/>
       </a:buClr>
       <a:buFont typeface="Arial"/>
-      <a:defRPr b="0" i="0" sz="1400" u="none" cap="none" strike="noStrike">
+      <a:defRPr sz="1400" b="0" i="0" u="none" strike="noStrike" cap="none">
         <a:solidFill>
           <a:srgbClr val="000000"/>
         </a:solidFill>
@@ -662,7 +677,7 @@
         <a:sym typeface="Arial"/>
       </a:defRPr>
     </a:lvl7pPr>
-    <a:lvl8pPr lvl="7" marR="0" rtl="0" algn="l">
+    <a:lvl8pPr marR="0" lvl="7" algn="l" rtl="0">
       <a:lnSpc>
         <a:spcPct val="100000"/>
       </a:lnSpc>
@@ -676,7 +691,7 @@
         <a:srgbClr val="000000"/>
       </a:buClr>
       <a:buFont typeface="Arial"/>
-      <a:defRPr b="0" i="0" sz="1400" u="none" cap="none" strike="noStrike">
+      <a:defRPr sz="1400" b="0" i="0" u="none" strike="noStrike" cap="none">
         <a:solidFill>
           <a:srgbClr val="000000"/>
         </a:solidFill>
@@ -686,7 +701,7 @@
         <a:sym typeface="Arial"/>
       </a:defRPr>
     </a:lvl8pPr>
-    <a:lvl9pPr lvl="8" marR="0" rtl="0" algn="l">
+    <a:lvl9pPr marR="0" lvl="8" algn="l" rtl="0">
       <a:lnSpc>
         <a:spcPct val="100000"/>
       </a:lnSpc>
@@ -700,7 +715,7 @@
         <a:srgbClr val="000000"/>
       </a:buClr>
       <a:buFont typeface="Arial"/>
-      <a:defRPr b="0" i="0" sz="1400" u="none" cap="none" strike="noStrike">
+      <a:defRPr sz="1400" b="0" i="0" u="none" strike="noStrike" cap="none">
         <a:solidFill>
           <a:srgbClr val="000000"/>
         </a:solidFill>
@@ -715,11 +730,11 @@
 </file>
 
 <file path=ppt/notesSlides/notesSlide1.xml><?xml version="1.0" encoding="utf-8"?>
-<p:notes xmlns:a="http://schemas.openxmlformats.org/drawingml/2006/main" xmlns:r="http://schemas.openxmlformats.org/officeDocument/2006/relationships" xmlns:mc="http://schemas.openxmlformats.org/markup-compatibility/2006" xmlns:mv="urn:schemas-microsoft-com:mac:vml" xmlns:p="http://schemas.openxmlformats.org/presentationml/2006/main" xmlns:c="http://schemas.openxmlformats.org/drawingml/2006/chart" xmlns:dgm="http://schemas.openxmlformats.org/drawingml/2006/diagram" xmlns:o="urn:schemas-microsoft-com:office:office" xmlns:v="urn:schemas-microsoft-com:vml" xmlns:pvml="urn:schemas-microsoft-com:office:powerpoint" xmlns:com="http://schemas.openxmlformats.org/drawingml/2006/compatibility" xmlns:p14="http://schemas.microsoft.com/office/powerpoint/2010/main" xmlns:p15="http://schemas.microsoft.com/office/powerpoint/2012/main" xmlns:ahyp="http://schemas.microsoft.com/office/drawing/2018/hyperlinkcolor" showMasterPhAnim="0" showMasterSp="0">
+<p:notes xmlns:a="http://schemas.openxmlformats.org/drawingml/2006/main" xmlns:r="http://schemas.openxmlformats.org/officeDocument/2006/relationships" xmlns:p="http://schemas.openxmlformats.org/presentationml/2006/main" showMasterSp="0" showMasterPhAnim="0">
   <p:cSld>
     <p:spTree>
       <p:nvGrpSpPr>
-        <p:cNvPr id="58" name="Shape 58"/>
+        <p:cNvPr id="1" name="Shape 58"/>
         <p:cNvGrpSpPr/>
         <p:nvPr/>
       </p:nvGrpSpPr>
@@ -734,20 +749,26 @@
       <p:sp>
         <p:nvSpPr>
           <p:cNvPr id="59" name="Google Shape;59;p:notes"/>
-          <p:cNvSpPr/>
+          <p:cNvSpPr>
+            <a:spLocks noGrp="1" noRot="1" noChangeAspect="1"/>
+          </p:cNvSpPr>
           <p:nvPr>
-            <p:ph idx="2" type="sldImg"/>
+            <p:ph type="sldImg" idx="2"/>
           </p:nvPr>
         </p:nvSpPr>
         <p:spPr>
           <a:xfrm>
-            <a:off x="381300" y="685800"/>
-            <a:ext cx="6096075" cy="3429000"/>
+            <a:off x="381000" y="685800"/>
+            <a:ext cx="6096000" cy="3429000"/>
           </a:xfrm>
           <a:custGeom>
-            <a:rect b="b" l="l" r="r" t="t"/>
+            <a:avLst/>
+            <a:gdLst/>
+            <a:ahLst/>
+            <a:cxnLst/>
+            <a:rect l="l" t="t" r="r" b="b"/>
             <a:pathLst>
-              <a:path extrusionOk="0" h="120000" w="120000">
+              <a:path w="120000" h="120000" extrusionOk="0">
                 <a:moveTo>
                   <a:pt x="0" y="0"/>
                 </a:moveTo>
@@ -769,9 +790,11 @@
       <p:sp>
         <p:nvSpPr>
           <p:cNvPr id="60" name="Google Shape;60;p:notes"/>
-          <p:cNvSpPr txBox="1"/>
+          <p:cNvSpPr txBox="1">
+            <a:spLocks noGrp="1"/>
+          </p:cNvSpPr>
           <p:nvPr>
-            <p:ph idx="1" type="body"/>
+            <p:ph type="body" idx="1"/>
           </p:nvPr>
         </p:nvSpPr>
         <p:spPr>
@@ -784,12 +807,12 @@
           </a:prstGeom>
         </p:spPr>
         <p:txBody>
-          <a:bodyPr anchorCtr="0" anchor="t" bIns="91425" lIns="91425" spcFirstLastPara="1" rIns="91425" wrap="square" tIns="91425">
+          <a:bodyPr spcFirstLastPara="1" wrap="square" lIns="91425" tIns="91425" rIns="91425" bIns="91425" anchor="t" anchorCtr="0">
             <a:noAutofit/>
           </a:bodyPr>
           <a:lstStyle/>
           <a:p>
-            <a:pPr indent="0" lvl="0" marL="0" rtl="0" algn="l">
+            <a:pPr marL="0" lvl="0" indent="0" algn="l" rtl="0">
               <a:spcBef>
                 <a:spcPts val="0"/>
               </a:spcBef>
@@ -798,9 +821,6 @@
               </a:spcAft>
               <a:buNone/>
             </a:pPr>
-            <a:r>
-              <a:t/>
-            </a:r>
             <a:endParaRPr/>
           </a:p>
         </p:txBody>
@@ -814,11 +834,11 @@
 </file>
 
 <file path=ppt/notesSlides/notesSlide10.xml><?xml version="1.0" encoding="utf-8"?>
-<p:notes xmlns:a="http://schemas.openxmlformats.org/drawingml/2006/main" xmlns:r="http://schemas.openxmlformats.org/officeDocument/2006/relationships" xmlns:mc="http://schemas.openxmlformats.org/markup-compatibility/2006" xmlns:mv="urn:schemas-microsoft-com:mac:vml" xmlns:p="http://schemas.openxmlformats.org/presentationml/2006/main" xmlns:c="http://schemas.openxmlformats.org/drawingml/2006/chart" xmlns:dgm="http://schemas.openxmlformats.org/drawingml/2006/diagram" xmlns:o="urn:schemas-microsoft-com:office:office" xmlns:v="urn:schemas-microsoft-com:vml" xmlns:pvml="urn:schemas-microsoft-com:office:powerpoint" xmlns:com="http://schemas.openxmlformats.org/drawingml/2006/compatibility" xmlns:p14="http://schemas.microsoft.com/office/powerpoint/2010/main" xmlns:p15="http://schemas.microsoft.com/office/powerpoint/2012/main" xmlns:ahyp="http://schemas.microsoft.com/office/drawing/2018/hyperlinkcolor" showMasterPhAnim="0" showMasterSp="0">
+<p:notes xmlns:a="http://schemas.openxmlformats.org/drawingml/2006/main" xmlns:r="http://schemas.openxmlformats.org/officeDocument/2006/relationships" xmlns:p="http://schemas.openxmlformats.org/presentationml/2006/main" showMasterSp="0" showMasterPhAnim="0">
   <p:cSld>
     <p:spTree>
       <p:nvGrpSpPr>
-        <p:cNvPr id="128" name="Shape 128"/>
+        <p:cNvPr id="1" name="Shape 128"/>
         <p:cNvGrpSpPr/>
         <p:nvPr/>
       </p:nvGrpSpPr>
@@ -833,9 +853,11 @@
       <p:sp>
         <p:nvSpPr>
           <p:cNvPr id="129" name="Google Shape;129;g23c7225106c_0_6:notes"/>
-          <p:cNvSpPr/>
+          <p:cNvSpPr>
+            <a:spLocks noGrp="1" noRot="1" noChangeAspect="1"/>
+          </p:cNvSpPr>
           <p:nvPr>
-            <p:ph idx="2" type="sldImg"/>
+            <p:ph type="sldImg" idx="2"/>
           </p:nvPr>
         </p:nvSpPr>
         <p:spPr>
@@ -844,9 +866,13 @@
             <a:ext cx="6096000" cy="3429000"/>
           </a:xfrm>
           <a:custGeom>
-            <a:rect b="b" l="l" r="r" t="t"/>
+            <a:avLst/>
+            <a:gdLst/>
+            <a:ahLst/>
+            <a:cxnLst/>
+            <a:rect l="l" t="t" r="r" b="b"/>
             <a:pathLst>
-              <a:path extrusionOk="0" h="120000" w="120000">
+              <a:path w="120000" h="120000" extrusionOk="0">
                 <a:moveTo>
                   <a:pt x="0" y="0"/>
                 </a:moveTo>
@@ -868,9 +894,11 @@
       <p:sp>
         <p:nvSpPr>
           <p:cNvPr id="130" name="Google Shape;130;g23c7225106c_0_6:notes"/>
-          <p:cNvSpPr txBox="1"/>
+          <p:cNvSpPr txBox="1">
+            <a:spLocks noGrp="1"/>
+          </p:cNvSpPr>
           <p:nvPr>
-            <p:ph idx="1" type="body"/>
+            <p:ph type="body" idx="1"/>
           </p:nvPr>
         </p:nvSpPr>
         <p:spPr>
@@ -883,12 +911,12 @@
           </a:prstGeom>
         </p:spPr>
         <p:txBody>
-          <a:bodyPr anchorCtr="0" anchor="t" bIns="91425" lIns="91425" spcFirstLastPara="1" rIns="91425" wrap="square" tIns="91425">
+          <a:bodyPr spcFirstLastPara="1" wrap="square" lIns="91425" tIns="91425" rIns="91425" bIns="91425" anchor="t" anchorCtr="0">
             <a:noAutofit/>
           </a:bodyPr>
           <a:lstStyle/>
           <a:p>
-            <a:pPr indent="0" lvl="0" marL="0" rtl="0" algn="l">
+            <a:pPr marL="0" lvl="0" indent="0" algn="l" rtl="0">
               <a:spcBef>
                 <a:spcPts val="0"/>
               </a:spcBef>
@@ -897,9 +925,6 @@
               </a:spcAft>
               <a:buNone/>
             </a:pPr>
-            <a:r>
-              <a:t/>
-            </a:r>
             <a:endParaRPr/>
           </a:p>
         </p:txBody>
@@ -913,11 +938,11 @@
 </file>
 
 <file path=ppt/notesSlides/notesSlide11.xml><?xml version="1.0" encoding="utf-8"?>
-<p:notes xmlns:a="http://schemas.openxmlformats.org/drawingml/2006/main" xmlns:r="http://schemas.openxmlformats.org/officeDocument/2006/relationships" xmlns:mc="http://schemas.openxmlformats.org/markup-compatibility/2006" xmlns:mv="urn:schemas-microsoft-com:mac:vml" xmlns:p="http://schemas.openxmlformats.org/presentationml/2006/main" xmlns:c="http://schemas.openxmlformats.org/drawingml/2006/chart" xmlns:dgm="http://schemas.openxmlformats.org/drawingml/2006/diagram" xmlns:o="urn:schemas-microsoft-com:office:office" xmlns:v="urn:schemas-microsoft-com:vml" xmlns:pvml="urn:schemas-microsoft-com:office:powerpoint" xmlns:com="http://schemas.openxmlformats.org/drawingml/2006/compatibility" xmlns:p14="http://schemas.microsoft.com/office/powerpoint/2010/main" xmlns:p15="http://schemas.microsoft.com/office/powerpoint/2012/main" xmlns:ahyp="http://schemas.microsoft.com/office/drawing/2018/hyperlinkcolor" showMasterPhAnim="0" showMasterSp="0">
+<p:notes xmlns:a="http://schemas.openxmlformats.org/drawingml/2006/main" xmlns:r="http://schemas.openxmlformats.org/officeDocument/2006/relationships" xmlns:p="http://schemas.openxmlformats.org/presentationml/2006/main" showMasterSp="0" showMasterPhAnim="0">
   <p:cSld>
     <p:spTree>
       <p:nvGrpSpPr>
-        <p:cNvPr id="134" name="Shape 134"/>
+        <p:cNvPr id="1" name="Shape 134"/>
         <p:cNvGrpSpPr/>
         <p:nvPr/>
       </p:nvGrpSpPr>
@@ -932,9 +957,11 @@
       <p:sp>
         <p:nvSpPr>
           <p:cNvPr id="135" name="Google Shape;135;g23cdcc79f6c_4_12:notes"/>
-          <p:cNvSpPr/>
+          <p:cNvSpPr>
+            <a:spLocks noGrp="1" noRot="1" noChangeAspect="1"/>
+          </p:cNvSpPr>
           <p:nvPr>
-            <p:ph idx="2" type="sldImg"/>
+            <p:ph type="sldImg" idx="2"/>
           </p:nvPr>
         </p:nvSpPr>
         <p:spPr>
@@ -943,9 +970,13 @@
             <a:ext cx="6096000" cy="3429000"/>
           </a:xfrm>
           <a:custGeom>
-            <a:rect b="b" l="l" r="r" t="t"/>
+            <a:avLst/>
+            <a:gdLst/>
+            <a:ahLst/>
+            <a:cxnLst/>
+            <a:rect l="l" t="t" r="r" b="b"/>
             <a:pathLst>
-              <a:path extrusionOk="0" h="120000" w="120000">
+              <a:path w="120000" h="120000" extrusionOk="0">
                 <a:moveTo>
                   <a:pt x="0" y="0"/>
                 </a:moveTo>
@@ -967,9 +998,11 @@
       <p:sp>
         <p:nvSpPr>
           <p:cNvPr id="136" name="Google Shape;136;g23cdcc79f6c_4_12:notes"/>
-          <p:cNvSpPr txBox="1"/>
+          <p:cNvSpPr txBox="1">
+            <a:spLocks noGrp="1"/>
+          </p:cNvSpPr>
           <p:nvPr>
-            <p:ph idx="1" type="body"/>
+            <p:ph type="body" idx="1"/>
           </p:nvPr>
         </p:nvSpPr>
         <p:spPr>
@@ -982,12 +1015,12 @@
           </a:prstGeom>
         </p:spPr>
         <p:txBody>
-          <a:bodyPr anchorCtr="0" anchor="t" bIns="91425" lIns="91425" spcFirstLastPara="1" rIns="91425" wrap="square" tIns="91425">
+          <a:bodyPr spcFirstLastPara="1" wrap="square" lIns="91425" tIns="91425" rIns="91425" bIns="91425" anchor="t" anchorCtr="0">
             <a:noAutofit/>
           </a:bodyPr>
           <a:lstStyle/>
           <a:p>
-            <a:pPr indent="0" lvl="0" marL="0" rtl="0" algn="l">
+            <a:pPr marL="0" lvl="0" indent="0" algn="l" rtl="0">
               <a:spcBef>
                 <a:spcPts val="0"/>
               </a:spcBef>
@@ -996,9 +1029,6 @@
               </a:spcAft>
               <a:buNone/>
             </a:pPr>
-            <a:r>
-              <a:t/>
-            </a:r>
             <a:endParaRPr/>
           </a:p>
         </p:txBody>
@@ -1012,11 +1042,11 @@
 </file>
 
 <file path=ppt/notesSlides/notesSlide12.xml><?xml version="1.0" encoding="utf-8"?>
-<p:notes xmlns:a="http://schemas.openxmlformats.org/drawingml/2006/main" xmlns:r="http://schemas.openxmlformats.org/officeDocument/2006/relationships" xmlns:mc="http://schemas.openxmlformats.org/markup-compatibility/2006" xmlns:mv="urn:schemas-microsoft-com:mac:vml" xmlns:p="http://schemas.openxmlformats.org/presentationml/2006/main" xmlns:c="http://schemas.openxmlformats.org/drawingml/2006/chart" xmlns:dgm="http://schemas.openxmlformats.org/drawingml/2006/diagram" xmlns:o="urn:schemas-microsoft-com:office:office" xmlns:v="urn:schemas-microsoft-com:vml" xmlns:pvml="urn:schemas-microsoft-com:office:powerpoint" xmlns:com="http://schemas.openxmlformats.org/drawingml/2006/compatibility" xmlns:p14="http://schemas.microsoft.com/office/powerpoint/2010/main" xmlns:p15="http://schemas.microsoft.com/office/powerpoint/2012/main" xmlns:ahyp="http://schemas.microsoft.com/office/drawing/2018/hyperlinkcolor" showMasterPhAnim="0" showMasterSp="0">
+<p:notes xmlns:a="http://schemas.openxmlformats.org/drawingml/2006/main" xmlns:r="http://schemas.openxmlformats.org/officeDocument/2006/relationships" xmlns:p="http://schemas.openxmlformats.org/presentationml/2006/main" showMasterSp="0" showMasterPhAnim="0">
   <p:cSld>
     <p:spTree>
       <p:nvGrpSpPr>
-        <p:cNvPr id="140" name="Shape 140"/>
+        <p:cNvPr id="1" name="Shape 140"/>
         <p:cNvGrpSpPr/>
         <p:nvPr/>
       </p:nvGrpSpPr>
@@ -1031,9 +1061,11 @@
       <p:sp>
         <p:nvSpPr>
           <p:cNvPr id="141" name="Google Shape;141;g23c7225106c_0_0:notes"/>
-          <p:cNvSpPr/>
+          <p:cNvSpPr>
+            <a:spLocks noGrp="1" noRot="1" noChangeAspect="1"/>
+          </p:cNvSpPr>
           <p:nvPr>
-            <p:ph idx="2" type="sldImg"/>
+            <p:ph type="sldImg" idx="2"/>
           </p:nvPr>
         </p:nvSpPr>
         <p:spPr>
@@ -1042,9 +1074,13 @@
             <a:ext cx="6096000" cy="3429000"/>
           </a:xfrm>
           <a:custGeom>
-            <a:rect b="b" l="l" r="r" t="t"/>
+            <a:avLst/>
+            <a:gdLst/>
+            <a:ahLst/>
+            <a:cxnLst/>
+            <a:rect l="l" t="t" r="r" b="b"/>
             <a:pathLst>
-              <a:path extrusionOk="0" h="120000" w="120000">
+              <a:path w="120000" h="120000" extrusionOk="0">
                 <a:moveTo>
                   <a:pt x="0" y="0"/>
                 </a:moveTo>
@@ -1066,9 +1102,11 @@
       <p:sp>
         <p:nvSpPr>
           <p:cNvPr id="142" name="Google Shape;142;g23c7225106c_0_0:notes"/>
-          <p:cNvSpPr txBox="1"/>
+          <p:cNvSpPr txBox="1">
+            <a:spLocks noGrp="1"/>
+          </p:cNvSpPr>
           <p:nvPr>
-            <p:ph idx="1" type="body"/>
+            <p:ph type="body" idx="1"/>
           </p:nvPr>
         </p:nvSpPr>
         <p:spPr>
@@ -1081,12 +1119,12 @@
           </a:prstGeom>
         </p:spPr>
         <p:txBody>
-          <a:bodyPr anchorCtr="0" anchor="t" bIns="91425" lIns="91425" spcFirstLastPara="1" rIns="91425" wrap="square" tIns="91425">
+          <a:bodyPr spcFirstLastPara="1" wrap="square" lIns="91425" tIns="91425" rIns="91425" bIns="91425" anchor="t" anchorCtr="0">
             <a:noAutofit/>
           </a:bodyPr>
           <a:lstStyle/>
           <a:p>
-            <a:pPr indent="0" lvl="0" marL="0" rtl="0" algn="l">
+            <a:pPr marL="0" lvl="0" indent="0" algn="l" rtl="0">
               <a:spcBef>
                 <a:spcPts val="0"/>
               </a:spcBef>
@@ -1095,9 +1133,6 @@
               </a:spcAft>
               <a:buNone/>
             </a:pPr>
-            <a:r>
-              <a:t/>
-            </a:r>
             <a:endParaRPr/>
           </a:p>
         </p:txBody>
@@ -1111,11 +1146,11 @@
 </file>
 
 <file path=ppt/notesSlides/notesSlide13.xml><?xml version="1.0" encoding="utf-8"?>
-<p:notes xmlns:a="http://schemas.openxmlformats.org/drawingml/2006/main" xmlns:r="http://schemas.openxmlformats.org/officeDocument/2006/relationships" xmlns:mc="http://schemas.openxmlformats.org/markup-compatibility/2006" xmlns:mv="urn:schemas-microsoft-com:mac:vml" xmlns:p="http://schemas.openxmlformats.org/presentationml/2006/main" xmlns:c="http://schemas.openxmlformats.org/drawingml/2006/chart" xmlns:dgm="http://schemas.openxmlformats.org/drawingml/2006/diagram" xmlns:o="urn:schemas-microsoft-com:office:office" xmlns:v="urn:schemas-microsoft-com:vml" xmlns:pvml="urn:schemas-microsoft-com:office:powerpoint" xmlns:com="http://schemas.openxmlformats.org/drawingml/2006/compatibility" xmlns:p14="http://schemas.microsoft.com/office/powerpoint/2010/main" xmlns:p15="http://schemas.microsoft.com/office/powerpoint/2012/main" xmlns:ahyp="http://schemas.microsoft.com/office/drawing/2018/hyperlinkcolor" showMasterPhAnim="0" showMasterSp="0">
+<p:notes xmlns:a="http://schemas.openxmlformats.org/drawingml/2006/main" xmlns:r="http://schemas.openxmlformats.org/officeDocument/2006/relationships" xmlns:p="http://schemas.openxmlformats.org/presentationml/2006/main" showMasterSp="0" showMasterPhAnim="0">
   <p:cSld>
     <p:spTree>
       <p:nvGrpSpPr>
-        <p:cNvPr id="146" name="Shape 146"/>
+        <p:cNvPr id="1" name="Shape 146"/>
         <p:cNvGrpSpPr/>
         <p:nvPr/>
       </p:nvGrpSpPr>
@@ -1130,9 +1165,11 @@
       <p:sp>
         <p:nvSpPr>
           <p:cNvPr id="147" name="Google Shape;147;g23f26c6b3e3_0_5:notes"/>
-          <p:cNvSpPr/>
+          <p:cNvSpPr>
+            <a:spLocks noGrp="1" noRot="1" noChangeAspect="1"/>
+          </p:cNvSpPr>
           <p:nvPr>
-            <p:ph idx="2" type="sldImg"/>
+            <p:ph type="sldImg" idx="2"/>
           </p:nvPr>
         </p:nvSpPr>
         <p:spPr>
@@ -1141,9 +1178,13 @@
             <a:ext cx="6096000" cy="3429000"/>
           </a:xfrm>
           <a:custGeom>
-            <a:rect b="b" l="l" r="r" t="t"/>
+            <a:avLst/>
+            <a:gdLst/>
+            <a:ahLst/>
+            <a:cxnLst/>
+            <a:rect l="l" t="t" r="r" b="b"/>
             <a:pathLst>
-              <a:path extrusionOk="0" h="120000" w="120000">
+              <a:path w="120000" h="120000" extrusionOk="0">
                 <a:moveTo>
                   <a:pt x="0" y="0"/>
                 </a:moveTo>
@@ -1165,9 +1206,11 @@
       <p:sp>
         <p:nvSpPr>
           <p:cNvPr id="148" name="Google Shape;148;g23f26c6b3e3_0_5:notes"/>
-          <p:cNvSpPr txBox="1"/>
+          <p:cNvSpPr txBox="1">
+            <a:spLocks noGrp="1"/>
+          </p:cNvSpPr>
           <p:nvPr>
-            <p:ph idx="1" type="body"/>
+            <p:ph type="body" idx="1"/>
           </p:nvPr>
         </p:nvSpPr>
         <p:spPr>
@@ -1180,12 +1223,12 @@
           </a:prstGeom>
         </p:spPr>
         <p:txBody>
-          <a:bodyPr anchorCtr="0" anchor="t" bIns="91425" lIns="91425" spcFirstLastPara="1" rIns="91425" wrap="square" tIns="91425">
+          <a:bodyPr spcFirstLastPara="1" wrap="square" lIns="91425" tIns="91425" rIns="91425" bIns="91425" anchor="t" anchorCtr="0">
             <a:noAutofit/>
           </a:bodyPr>
           <a:lstStyle/>
           <a:p>
-            <a:pPr indent="0" lvl="0" marL="0" rtl="0" algn="l">
+            <a:pPr marL="0" lvl="0" indent="0" algn="l" rtl="0">
               <a:spcBef>
                 <a:spcPts val="0"/>
               </a:spcBef>
@@ -1194,9 +1237,6 @@
               </a:spcAft>
               <a:buNone/>
             </a:pPr>
-            <a:r>
-              <a:t/>
-            </a:r>
             <a:endParaRPr/>
           </a:p>
         </p:txBody>
@@ -1210,11 +1250,11 @@
 </file>
 
 <file path=ppt/notesSlides/notesSlide2.xml><?xml version="1.0" encoding="utf-8"?>
-<p:notes xmlns:a="http://schemas.openxmlformats.org/drawingml/2006/main" xmlns:r="http://schemas.openxmlformats.org/officeDocument/2006/relationships" xmlns:mc="http://schemas.openxmlformats.org/markup-compatibility/2006" xmlns:mv="urn:schemas-microsoft-com:mac:vml" xmlns:p="http://schemas.openxmlformats.org/presentationml/2006/main" xmlns:c="http://schemas.openxmlformats.org/drawingml/2006/chart" xmlns:dgm="http://schemas.openxmlformats.org/drawingml/2006/diagram" xmlns:o="urn:schemas-microsoft-com:office:office" xmlns:v="urn:schemas-microsoft-com:vml" xmlns:pvml="urn:schemas-microsoft-com:office:powerpoint" xmlns:com="http://schemas.openxmlformats.org/drawingml/2006/compatibility" xmlns:p14="http://schemas.microsoft.com/office/powerpoint/2010/main" xmlns:p15="http://schemas.microsoft.com/office/powerpoint/2012/main" xmlns:ahyp="http://schemas.microsoft.com/office/drawing/2018/hyperlinkcolor" showMasterPhAnim="0" showMasterSp="0">
+<p:notes xmlns:a="http://schemas.openxmlformats.org/drawingml/2006/main" xmlns:r="http://schemas.openxmlformats.org/officeDocument/2006/relationships" xmlns:p="http://schemas.openxmlformats.org/presentationml/2006/main" showMasterSp="0" showMasterPhAnim="0">
   <p:cSld>
     <p:spTree>
       <p:nvGrpSpPr>
-        <p:cNvPr id="66" name="Shape 66"/>
+        <p:cNvPr id="1" name="Shape 66"/>
         <p:cNvGrpSpPr/>
         <p:nvPr/>
       </p:nvGrpSpPr>
@@ -1229,20 +1269,26 @@
       <p:sp>
         <p:nvSpPr>
           <p:cNvPr id="67" name="Google Shape;67;g23c7225106c_0_14:notes"/>
-          <p:cNvSpPr/>
+          <p:cNvSpPr>
+            <a:spLocks noGrp="1" noRot="1" noChangeAspect="1"/>
+          </p:cNvSpPr>
           <p:nvPr>
-            <p:ph idx="2" type="sldImg"/>
+            <p:ph type="sldImg" idx="2"/>
           </p:nvPr>
         </p:nvSpPr>
         <p:spPr>
           <a:xfrm>
-            <a:off x="381300" y="685800"/>
+            <a:off x="381000" y="685800"/>
             <a:ext cx="6096000" cy="3429000"/>
           </a:xfrm>
           <a:custGeom>
-            <a:rect b="b" l="l" r="r" t="t"/>
+            <a:avLst/>
+            <a:gdLst/>
+            <a:ahLst/>
+            <a:cxnLst/>
+            <a:rect l="l" t="t" r="r" b="b"/>
             <a:pathLst>
-              <a:path extrusionOk="0" h="120000" w="120000">
+              <a:path w="120000" h="120000" extrusionOk="0">
                 <a:moveTo>
                   <a:pt x="0" y="0"/>
                 </a:moveTo>
@@ -1264,9 +1310,11 @@
       <p:sp>
         <p:nvSpPr>
           <p:cNvPr id="68" name="Google Shape;68;g23c7225106c_0_14:notes"/>
-          <p:cNvSpPr txBox="1"/>
+          <p:cNvSpPr txBox="1">
+            <a:spLocks noGrp="1"/>
+          </p:cNvSpPr>
           <p:nvPr>
-            <p:ph idx="1" type="body"/>
+            <p:ph type="body" idx="1"/>
           </p:nvPr>
         </p:nvSpPr>
         <p:spPr>
@@ -1279,12 +1327,12 @@
           </a:prstGeom>
         </p:spPr>
         <p:txBody>
-          <a:bodyPr anchorCtr="0" anchor="t" bIns="91425" lIns="91425" spcFirstLastPara="1" rIns="91425" wrap="square" tIns="91425">
+          <a:bodyPr spcFirstLastPara="1" wrap="square" lIns="91425" tIns="91425" rIns="91425" bIns="91425" anchor="t" anchorCtr="0">
             <a:noAutofit/>
           </a:bodyPr>
           <a:lstStyle/>
           <a:p>
-            <a:pPr indent="0" lvl="0" marL="0" rtl="0" algn="l">
+            <a:pPr marL="0" lvl="0" indent="0" algn="l" rtl="0">
               <a:spcBef>
                 <a:spcPts val="0"/>
               </a:spcBef>
@@ -1293,9 +1341,6 @@
               </a:spcAft>
               <a:buNone/>
             </a:pPr>
-            <a:r>
-              <a:t/>
-            </a:r>
             <a:endParaRPr/>
           </a:p>
         </p:txBody>
@@ -1309,11 +1354,11 @@
 </file>
 
 <file path=ppt/notesSlides/notesSlide3.xml><?xml version="1.0" encoding="utf-8"?>
-<p:notes xmlns:a="http://schemas.openxmlformats.org/drawingml/2006/main" xmlns:r="http://schemas.openxmlformats.org/officeDocument/2006/relationships" xmlns:mc="http://schemas.openxmlformats.org/markup-compatibility/2006" xmlns:mv="urn:schemas-microsoft-com:mac:vml" xmlns:p="http://schemas.openxmlformats.org/presentationml/2006/main" xmlns:c="http://schemas.openxmlformats.org/drawingml/2006/chart" xmlns:dgm="http://schemas.openxmlformats.org/drawingml/2006/diagram" xmlns:o="urn:schemas-microsoft-com:office:office" xmlns:v="urn:schemas-microsoft-com:vml" xmlns:pvml="urn:schemas-microsoft-com:office:powerpoint" xmlns:com="http://schemas.openxmlformats.org/drawingml/2006/compatibility" xmlns:p14="http://schemas.microsoft.com/office/powerpoint/2010/main" xmlns:p15="http://schemas.microsoft.com/office/powerpoint/2012/main" xmlns:ahyp="http://schemas.microsoft.com/office/drawing/2018/hyperlinkcolor" showMasterPhAnim="0" showMasterSp="0">
+<p:notes xmlns:a="http://schemas.openxmlformats.org/drawingml/2006/main" xmlns:r="http://schemas.openxmlformats.org/officeDocument/2006/relationships" xmlns:p="http://schemas.openxmlformats.org/presentationml/2006/main" showMasterSp="0" showMasterPhAnim="0">
   <p:cSld>
     <p:spTree>
       <p:nvGrpSpPr>
-        <p:cNvPr id="72" name="Shape 72"/>
+        <p:cNvPr id="1" name="Shape 72"/>
         <p:cNvGrpSpPr/>
         <p:nvPr/>
       </p:nvGrpSpPr>
@@ -1328,20 +1373,26 @@
       <p:sp>
         <p:nvSpPr>
           <p:cNvPr id="73" name="Google Shape;73;g23cdcc79f6c_4_7:notes"/>
-          <p:cNvSpPr/>
+          <p:cNvSpPr>
+            <a:spLocks noGrp="1" noRot="1" noChangeAspect="1"/>
+          </p:cNvSpPr>
           <p:nvPr>
-            <p:ph idx="2" type="sldImg"/>
+            <p:ph type="sldImg" idx="2"/>
           </p:nvPr>
         </p:nvSpPr>
         <p:spPr>
           <a:xfrm>
-            <a:off x="381300" y="685800"/>
+            <a:off x="381000" y="685800"/>
             <a:ext cx="6096000" cy="3429000"/>
           </a:xfrm>
           <a:custGeom>
-            <a:rect b="b" l="l" r="r" t="t"/>
+            <a:avLst/>
+            <a:gdLst/>
+            <a:ahLst/>
+            <a:cxnLst/>
+            <a:rect l="l" t="t" r="r" b="b"/>
             <a:pathLst>
-              <a:path extrusionOk="0" h="120000" w="120000">
+              <a:path w="120000" h="120000" extrusionOk="0">
                 <a:moveTo>
                   <a:pt x="0" y="0"/>
                 </a:moveTo>
@@ -1363,9 +1414,11 @@
       <p:sp>
         <p:nvSpPr>
           <p:cNvPr id="74" name="Google Shape;74;g23cdcc79f6c_4_7:notes"/>
-          <p:cNvSpPr txBox="1"/>
+          <p:cNvSpPr txBox="1">
+            <a:spLocks noGrp="1"/>
+          </p:cNvSpPr>
           <p:nvPr>
-            <p:ph idx="1" type="body"/>
+            <p:ph type="body" idx="1"/>
           </p:nvPr>
         </p:nvSpPr>
         <p:spPr>
@@ -1378,12 +1431,12 @@
           </a:prstGeom>
         </p:spPr>
         <p:txBody>
-          <a:bodyPr anchorCtr="0" anchor="t" bIns="91425" lIns="91425" spcFirstLastPara="1" rIns="91425" wrap="square" tIns="91425">
+          <a:bodyPr spcFirstLastPara="1" wrap="square" lIns="91425" tIns="91425" rIns="91425" bIns="91425" anchor="t" anchorCtr="0">
             <a:noAutofit/>
           </a:bodyPr>
           <a:lstStyle/>
           <a:p>
-            <a:pPr indent="0" lvl="0" marL="0" rtl="0" algn="l">
+            <a:pPr marL="0" lvl="0" indent="0" algn="l" rtl="0">
               <a:spcBef>
                 <a:spcPts val="0"/>
               </a:spcBef>
@@ -1392,9 +1445,6 @@
               </a:spcAft>
               <a:buNone/>
             </a:pPr>
-            <a:r>
-              <a:t/>
-            </a:r>
             <a:endParaRPr/>
           </a:p>
         </p:txBody>
@@ -1408,11 +1458,11 @@
 </file>
 
 <file path=ppt/notesSlides/notesSlide4.xml><?xml version="1.0" encoding="utf-8"?>
-<p:notes xmlns:a="http://schemas.openxmlformats.org/drawingml/2006/main" xmlns:r="http://schemas.openxmlformats.org/officeDocument/2006/relationships" xmlns:mc="http://schemas.openxmlformats.org/markup-compatibility/2006" xmlns:mv="urn:schemas-microsoft-com:mac:vml" xmlns:p="http://schemas.openxmlformats.org/presentationml/2006/main" xmlns:c="http://schemas.openxmlformats.org/drawingml/2006/chart" xmlns:dgm="http://schemas.openxmlformats.org/drawingml/2006/diagram" xmlns:o="urn:schemas-microsoft-com:office:office" xmlns:v="urn:schemas-microsoft-com:vml" xmlns:pvml="urn:schemas-microsoft-com:office:powerpoint" xmlns:com="http://schemas.openxmlformats.org/drawingml/2006/compatibility" xmlns:p14="http://schemas.microsoft.com/office/powerpoint/2010/main" xmlns:p15="http://schemas.microsoft.com/office/powerpoint/2012/main" xmlns:ahyp="http://schemas.microsoft.com/office/drawing/2018/hyperlinkcolor" showMasterPhAnim="0" showMasterSp="0">
+<p:notes xmlns:a="http://schemas.openxmlformats.org/drawingml/2006/main" xmlns:r="http://schemas.openxmlformats.org/officeDocument/2006/relationships" xmlns:p="http://schemas.openxmlformats.org/presentationml/2006/main" showMasterSp="0" showMasterPhAnim="0">
   <p:cSld>
     <p:spTree>
       <p:nvGrpSpPr>
-        <p:cNvPr id="79" name="Shape 79"/>
+        <p:cNvPr id="1" name="Shape 79"/>
         <p:cNvGrpSpPr/>
         <p:nvPr/>
       </p:nvGrpSpPr>
@@ -1427,9 +1477,11 @@
       <p:sp>
         <p:nvSpPr>
           <p:cNvPr id="80" name="Google Shape;80;g23dcbe42b84_0_3:notes"/>
-          <p:cNvSpPr/>
+          <p:cNvSpPr>
+            <a:spLocks noGrp="1" noRot="1" noChangeAspect="1"/>
+          </p:cNvSpPr>
           <p:nvPr>
-            <p:ph idx="2" type="sldImg"/>
+            <p:ph type="sldImg" idx="2"/>
           </p:nvPr>
         </p:nvSpPr>
         <p:spPr>
@@ -1438,9 +1490,13 @@
             <a:ext cx="6096000" cy="3429000"/>
           </a:xfrm>
           <a:custGeom>
-            <a:rect b="b" l="l" r="r" t="t"/>
+            <a:avLst/>
+            <a:gdLst/>
+            <a:ahLst/>
+            <a:cxnLst/>
+            <a:rect l="l" t="t" r="r" b="b"/>
             <a:pathLst>
-              <a:path extrusionOk="0" h="120000" w="120000">
+              <a:path w="120000" h="120000" extrusionOk="0">
                 <a:moveTo>
                   <a:pt x="0" y="0"/>
                 </a:moveTo>
@@ -1462,9 +1518,11 @@
       <p:sp>
         <p:nvSpPr>
           <p:cNvPr id="81" name="Google Shape;81;g23dcbe42b84_0_3:notes"/>
-          <p:cNvSpPr txBox="1"/>
+          <p:cNvSpPr txBox="1">
+            <a:spLocks noGrp="1"/>
+          </p:cNvSpPr>
           <p:nvPr>
-            <p:ph idx="1" type="body"/>
+            <p:ph type="body" idx="1"/>
           </p:nvPr>
         </p:nvSpPr>
         <p:spPr>
@@ -1477,12 +1535,12 @@
           </a:prstGeom>
         </p:spPr>
         <p:txBody>
-          <a:bodyPr anchorCtr="0" anchor="t" bIns="91425" lIns="91425" spcFirstLastPara="1" rIns="91425" wrap="square" tIns="91425">
+          <a:bodyPr spcFirstLastPara="1" wrap="square" lIns="91425" tIns="91425" rIns="91425" bIns="91425" anchor="t" anchorCtr="0">
             <a:noAutofit/>
           </a:bodyPr>
           <a:lstStyle/>
           <a:p>
-            <a:pPr indent="0" lvl="0" marL="0" rtl="0" algn="l">
+            <a:pPr marL="0" lvl="0" indent="0" algn="l" rtl="0">
               <a:spcBef>
                 <a:spcPts val="0"/>
               </a:spcBef>
@@ -1491,9 +1549,6 @@
               </a:spcAft>
               <a:buNone/>
             </a:pPr>
-            <a:r>
-              <a:t/>
-            </a:r>
             <a:endParaRPr/>
           </a:p>
         </p:txBody>
@@ -1507,11 +1562,11 @@
 </file>
 
 <file path=ppt/notesSlides/notesSlide5.xml><?xml version="1.0" encoding="utf-8"?>
-<p:notes xmlns:a="http://schemas.openxmlformats.org/drawingml/2006/main" xmlns:r="http://schemas.openxmlformats.org/officeDocument/2006/relationships" xmlns:mc="http://schemas.openxmlformats.org/markup-compatibility/2006" xmlns:mv="urn:schemas-microsoft-com:mac:vml" xmlns:p="http://schemas.openxmlformats.org/presentationml/2006/main" xmlns:c="http://schemas.openxmlformats.org/drawingml/2006/chart" xmlns:dgm="http://schemas.openxmlformats.org/drawingml/2006/diagram" xmlns:o="urn:schemas-microsoft-com:office:office" xmlns:v="urn:schemas-microsoft-com:vml" xmlns:pvml="urn:schemas-microsoft-com:office:powerpoint" xmlns:com="http://schemas.openxmlformats.org/drawingml/2006/compatibility" xmlns:p14="http://schemas.microsoft.com/office/powerpoint/2010/main" xmlns:p15="http://schemas.microsoft.com/office/powerpoint/2012/main" xmlns:ahyp="http://schemas.microsoft.com/office/drawing/2018/hyperlinkcolor" showMasterPhAnim="0" showMasterSp="0">
+<p:notes xmlns:a="http://schemas.openxmlformats.org/drawingml/2006/main" xmlns:r="http://schemas.openxmlformats.org/officeDocument/2006/relationships" xmlns:p="http://schemas.openxmlformats.org/presentationml/2006/main" showMasterSp="0" showMasterPhAnim="0">
   <p:cSld>
     <p:spTree>
       <p:nvGrpSpPr>
-        <p:cNvPr id="88" name="Shape 88"/>
+        <p:cNvPr id="1" name="Shape 88"/>
         <p:cNvGrpSpPr/>
         <p:nvPr/>
       </p:nvGrpSpPr>
@@ -1526,9 +1581,11 @@
       <p:sp>
         <p:nvSpPr>
           <p:cNvPr id="89" name="Google Shape;89;g23dcbe42b84_0_11:notes"/>
-          <p:cNvSpPr/>
+          <p:cNvSpPr>
+            <a:spLocks noGrp="1" noRot="1" noChangeAspect="1"/>
+          </p:cNvSpPr>
           <p:nvPr>
-            <p:ph idx="2" type="sldImg"/>
+            <p:ph type="sldImg" idx="2"/>
           </p:nvPr>
         </p:nvSpPr>
         <p:spPr>
@@ -1537,9 +1594,13 @@
             <a:ext cx="6096000" cy="3429000"/>
           </a:xfrm>
           <a:custGeom>
-            <a:rect b="b" l="l" r="r" t="t"/>
+            <a:avLst/>
+            <a:gdLst/>
+            <a:ahLst/>
+            <a:cxnLst/>
+            <a:rect l="l" t="t" r="r" b="b"/>
             <a:pathLst>
-              <a:path extrusionOk="0" h="120000" w="120000">
+              <a:path w="120000" h="120000" extrusionOk="0">
                 <a:moveTo>
                   <a:pt x="0" y="0"/>
                 </a:moveTo>
@@ -1561,9 +1622,11 @@
       <p:sp>
         <p:nvSpPr>
           <p:cNvPr id="90" name="Google Shape;90;g23dcbe42b84_0_11:notes"/>
-          <p:cNvSpPr txBox="1"/>
+          <p:cNvSpPr txBox="1">
+            <a:spLocks noGrp="1"/>
+          </p:cNvSpPr>
           <p:nvPr>
-            <p:ph idx="1" type="body"/>
+            <p:ph type="body" idx="1"/>
           </p:nvPr>
         </p:nvSpPr>
         <p:spPr>
@@ -1576,12 +1639,12 @@
           </a:prstGeom>
         </p:spPr>
         <p:txBody>
-          <a:bodyPr anchorCtr="0" anchor="t" bIns="91425" lIns="91425" spcFirstLastPara="1" rIns="91425" wrap="square" tIns="91425">
+          <a:bodyPr spcFirstLastPara="1" wrap="square" lIns="91425" tIns="91425" rIns="91425" bIns="91425" anchor="t" anchorCtr="0">
             <a:noAutofit/>
           </a:bodyPr>
           <a:lstStyle/>
           <a:p>
-            <a:pPr indent="0" lvl="0" marL="0" rtl="0" algn="l">
+            <a:pPr marL="0" lvl="0" indent="0" algn="l" rtl="0">
               <a:spcBef>
                 <a:spcPts val="0"/>
               </a:spcBef>
@@ -1590,9 +1653,6 @@
               </a:spcAft>
               <a:buNone/>
             </a:pPr>
-            <a:r>
-              <a:t/>
-            </a:r>
             <a:endParaRPr/>
           </a:p>
         </p:txBody>
@@ -1606,11 +1666,11 @@
 </file>
 
 <file path=ppt/notesSlides/notesSlide6.xml><?xml version="1.0" encoding="utf-8"?>
-<p:notes xmlns:a="http://schemas.openxmlformats.org/drawingml/2006/main" xmlns:r="http://schemas.openxmlformats.org/officeDocument/2006/relationships" xmlns:mc="http://schemas.openxmlformats.org/markup-compatibility/2006" xmlns:mv="urn:schemas-microsoft-com:mac:vml" xmlns:p="http://schemas.openxmlformats.org/presentationml/2006/main" xmlns:c="http://schemas.openxmlformats.org/drawingml/2006/chart" xmlns:dgm="http://schemas.openxmlformats.org/drawingml/2006/diagram" xmlns:o="urn:schemas-microsoft-com:office:office" xmlns:v="urn:schemas-microsoft-com:vml" xmlns:pvml="urn:schemas-microsoft-com:office:powerpoint" xmlns:com="http://schemas.openxmlformats.org/drawingml/2006/compatibility" xmlns:p14="http://schemas.microsoft.com/office/powerpoint/2010/main" xmlns:p15="http://schemas.microsoft.com/office/powerpoint/2012/main" xmlns:ahyp="http://schemas.microsoft.com/office/drawing/2018/hyperlinkcolor" showMasterPhAnim="0" showMasterSp="0">
+<p:notes xmlns:a="http://schemas.openxmlformats.org/drawingml/2006/main" xmlns:r="http://schemas.openxmlformats.org/officeDocument/2006/relationships" xmlns:p="http://schemas.openxmlformats.org/presentationml/2006/main" showMasterSp="0" showMasterPhAnim="0">
   <p:cSld>
     <p:spTree>
       <p:nvGrpSpPr>
-        <p:cNvPr id="97" name="Shape 97"/>
+        <p:cNvPr id="1" name="Shape 97"/>
         <p:cNvGrpSpPr/>
         <p:nvPr/>
       </p:nvGrpSpPr>
@@ -1625,20 +1685,26 @@
       <p:sp>
         <p:nvSpPr>
           <p:cNvPr id="98" name="Google Shape;98;g23dcbe42b84_3_0:notes"/>
-          <p:cNvSpPr/>
+          <p:cNvSpPr>
+            <a:spLocks noGrp="1" noRot="1" noChangeAspect="1"/>
+          </p:cNvSpPr>
           <p:nvPr>
-            <p:ph idx="2" type="sldImg"/>
+            <p:ph type="sldImg" idx="2"/>
           </p:nvPr>
         </p:nvSpPr>
         <p:spPr>
           <a:xfrm>
-            <a:off x="381300" y="685800"/>
+            <a:off x="381000" y="685800"/>
             <a:ext cx="6096000" cy="3429000"/>
           </a:xfrm>
           <a:custGeom>
-            <a:rect b="b" l="l" r="r" t="t"/>
+            <a:avLst/>
+            <a:gdLst/>
+            <a:ahLst/>
+            <a:cxnLst/>
+            <a:rect l="l" t="t" r="r" b="b"/>
             <a:pathLst>
-              <a:path extrusionOk="0" h="120000" w="120000">
+              <a:path w="120000" h="120000" extrusionOk="0">
                 <a:moveTo>
                   <a:pt x="0" y="0"/>
                 </a:moveTo>
@@ -1660,9 +1726,11 @@
       <p:sp>
         <p:nvSpPr>
           <p:cNvPr id="99" name="Google Shape;99;g23dcbe42b84_3_0:notes"/>
-          <p:cNvSpPr txBox="1"/>
+          <p:cNvSpPr txBox="1">
+            <a:spLocks noGrp="1"/>
+          </p:cNvSpPr>
           <p:nvPr>
-            <p:ph idx="1" type="body"/>
+            <p:ph type="body" idx="1"/>
           </p:nvPr>
         </p:nvSpPr>
         <p:spPr>
@@ -1675,12 +1743,12 @@
           </a:prstGeom>
         </p:spPr>
         <p:txBody>
-          <a:bodyPr anchorCtr="0" anchor="t" bIns="91425" lIns="91425" spcFirstLastPara="1" rIns="91425" wrap="square" tIns="91425">
+          <a:bodyPr spcFirstLastPara="1" wrap="square" lIns="91425" tIns="91425" rIns="91425" bIns="91425" anchor="t" anchorCtr="0">
             <a:noAutofit/>
           </a:bodyPr>
           <a:lstStyle/>
           <a:p>
-            <a:pPr indent="0" lvl="0" marL="0" rtl="0" algn="l">
+            <a:pPr marL="0" lvl="0" indent="0" algn="l" rtl="0">
               <a:spcBef>
                 <a:spcPts val="0"/>
               </a:spcBef>
@@ -1689,9 +1757,6 @@
               </a:spcAft>
               <a:buNone/>
             </a:pPr>
-            <a:r>
-              <a:t/>
-            </a:r>
             <a:endParaRPr/>
           </a:p>
         </p:txBody>
@@ -1705,11 +1770,11 @@
 </file>
 
 <file path=ppt/notesSlides/notesSlide7.xml><?xml version="1.0" encoding="utf-8"?>
-<p:notes xmlns:a="http://schemas.openxmlformats.org/drawingml/2006/main" xmlns:r="http://schemas.openxmlformats.org/officeDocument/2006/relationships" xmlns:mc="http://schemas.openxmlformats.org/markup-compatibility/2006" xmlns:mv="urn:schemas-microsoft-com:mac:vml" xmlns:p="http://schemas.openxmlformats.org/presentationml/2006/main" xmlns:c="http://schemas.openxmlformats.org/drawingml/2006/chart" xmlns:dgm="http://schemas.openxmlformats.org/drawingml/2006/diagram" xmlns:o="urn:schemas-microsoft-com:office:office" xmlns:v="urn:schemas-microsoft-com:vml" xmlns:pvml="urn:schemas-microsoft-com:office:powerpoint" xmlns:com="http://schemas.openxmlformats.org/drawingml/2006/compatibility" xmlns:p14="http://schemas.microsoft.com/office/powerpoint/2010/main" xmlns:p15="http://schemas.microsoft.com/office/powerpoint/2012/main" xmlns:ahyp="http://schemas.microsoft.com/office/drawing/2018/hyperlinkcolor" showMasterPhAnim="0" showMasterSp="0">
+<p:notes xmlns:a="http://schemas.openxmlformats.org/drawingml/2006/main" xmlns:r="http://schemas.openxmlformats.org/officeDocument/2006/relationships" xmlns:p="http://schemas.openxmlformats.org/presentationml/2006/main" showMasterSp="0" showMasterPhAnim="0">
   <p:cSld>
     <p:spTree>
       <p:nvGrpSpPr>
-        <p:cNvPr id="105" name="Shape 105"/>
+        <p:cNvPr id="1" name="Shape 105"/>
         <p:cNvGrpSpPr/>
         <p:nvPr/>
       </p:nvGrpSpPr>
@@ -1724,20 +1789,26 @@
       <p:sp>
         <p:nvSpPr>
           <p:cNvPr id="106" name="Google Shape;106;g23dcbe42b84_3_13:notes"/>
-          <p:cNvSpPr/>
+          <p:cNvSpPr>
+            <a:spLocks noGrp="1" noRot="1" noChangeAspect="1"/>
+          </p:cNvSpPr>
           <p:nvPr>
-            <p:ph idx="2" type="sldImg"/>
+            <p:ph type="sldImg" idx="2"/>
           </p:nvPr>
         </p:nvSpPr>
         <p:spPr>
           <a:xfrm>
-            <a:off x="381300" y="685800"/>
+            <a:off x="381000" y="685800"/>
             <a:ext cx="6096000" cy="3429000"/>
           </a:xfrm>
           <a:custGeom>
-            <a:rect b="b" l="l" r="r" t="t"/>
+            <a:avLst/>
+            <a:gdLst/>
+            <a:ahLst/>
+            <a:cxnLst/>
+            <a:rect l="l" t="t" r="r" b="b"/>
             <a:pathLst>
-              <a:path extrusionOk="0" h="120000" w="120000">
+              <a:path w="120000" h="120000" extrusionOk="0">
                 <a:moveTo>
                   <a:pt x="0" y="0"/>
                 </a:moveTo>
@@ -1759,9 +1830,11 @@
       <p:sp>
         <p:nvSpPr>
           <p:cNvPr id="107" name="Google Shape;107;g23dcbe42b84_3_13:notes"/>
-          <p:cNvSpPr txBox="1"/>
+          <p:cNvSpPr txBox="1">
+            <a:spLocks noGrp="1"/>
+          </p:cNvSpPr>
           <p:nvPr>
-            <p:ph idx="1" type="body"/>
+            <p:ph type="body" idx="1"/>
           </p:nvPr>
         </p:nvSpPr>
         <p:spPr>
@@ -1774,12 +1847,12 @@
           </a:prstGeom>
         </p:spPr>
         <p:txBody>
-          <a:bodyPr anchorCtr="0" anchor="t" bIns="91425" lIns="91425" spcFirstLastPara="1" rIns="91425" wrap="square" tIns="91425">
+          <a:bodyPr spcFirstLastPara="1" wrap="square" lIns="91425" tIns="91425" rIns="91425" bIns="91425" anchor="t" anchorCtr="0">
             <a:noAutofit/>
           </a:bodyPr>
           <a:lstStyle/>
           <a:p>
-            <a:pPr indent="0" lvl="0" marL="0" rtl="0" algn="l">
+            <a:pPr marL="0" lvl="0" indent="0" algn="l" rtl="0">
               <a:spcBef>
                 <a:spcPts val="0"/>
               </a:spcBef>
@@ -1788,9 +1861,6 @@
               </a:spcAft>
               <a:buNone/>
             </a:pPr>
-            <a:r>
-              <a:t/>
-            </a:r>
             <a:endParaRPr/>
           </a:p>
         </p:txBody>
@@ -1804,11 +1874,11 @@
 </file>
 
 <file path=ppt/notesSlides/notesSlide8.xml><?xml version="1.0" encoding="utf-8"?>
-<p:notes xmlns:a="http://schemas.openxmlformats.org/drawingml/2006/main" xmlns:r="http://schemas.openxmlformats.org/officeDocument/2006/relationships" xmlns:mc="http://schemas.openxmlformats.org/markup-compatibility/2006" xmlns:mv="urn:schemas-microsoft-com:mac:vml" xmlns:p="http://schemas.openxmlformats.org/presentationml/2006/main" xmlns:c="http://schemas.openxmlformats.org/drawingml/2006/chart" xmlns:dgm="http://schemas.openxmlformats.org/drawingml/2006/diagram" xmlns:o="urn:schemas-microsoft-com:office:office" xmlns:v="urn:schemas-microsoft-com:vml" xmlns:pvml="urn:schemas-microsoft-com:office:powerpoint" xmlns:com="http://schemas.openxmlformats.org/drawingml/2006/compatibility" xmlns:p14="http://schemas.microsoft.com/office/powerpoint/2010/main" xmlns:p15="http://schemas.microsoft.com/office/powerpoint/2012/main" xmlns:ahyp="http://schemas.microsoft.com/office/drawing/2018/hyperlinkcolor" showMasterPhAnim="0" showMasterSp="0">
+<p:notes xmlns:a="http://schemas.openxmlformats.org/drawingml/2006/main" xmlns:r="http://schemas.openxmlformats.org/officeDocument/2006/relationships" xmlns:p="http://schemas.openxmlformats.org/presentationml/2006/main" showMasterSp="0" showMasterPhAnim="0">
   <p:cSld>
     <p:spTree>
       <p:nvGrpSpPr>
-        <p:cNvPr id="113" name="Shape 113"/>
+        <p:cNvPr id="1" name="Shape 113"/>
         <p:cNvGrpSpPr/>
         <p:nvPr/>
       </p:nvGrpSpPr>
@@ -1823,20 +1893,26 @@
       <p:sp>
         <p:nvSpPr>
           <p:cNvPr id="114" name="Google Shape;114;g23cdcc79f6c_4_418:notes"/>
-          <p:cNvSpPr/>
+          <p:cNvSpPr>
+            <a:spLocks noGrp="1" noRot="1" noChangeAspect="1"/>
+          </p:cNvSpPr>
           <p:nvPr>
-            <p:ph idx="2" type="sldImg"/>
+            <p:ph type="sldImg" idx="2"/>
           </p:nvPr>
         </p:nvSpPr>
         <p:spPr>
           <a:xfrm>
-            <a:off x="381300" y="685800"/>
+            <a:off x="381000" y="685800"/>
             <a:ext cx="6096000" cy="3429000"/>
           </a:xfrm>
           <a:custGeom>
-            <a:rect b="b" l="l" r="r" t="t"/>
+            <a:avLst/>
+            <a:gdLst/>
+            <a:ahLst/>
+            <a:cxnLst/>
+            <a:rect l="l" t="t" r="r" b="b"/>
             <a:pathLst>
-              <a:path extrusionOk="0" h="120000" w="120000">
+              <a:path w="120000" h="120000" extrusionOk="0">
                 <a:moveTo>
                   <a:pt x="0" y="0"/>
                 </a:moveTo>
@@ -1858,9 +1934,11 @@
       <p:sp>
         <p:nvSpPr>
           <p:cNvPr id="115" name="Google Shape;115;g23cdcc79f6c_4_418:notes"/>
-          <p:cNvSpPr txBox="1"/>
+          <p:cNvSpPr txBox="1">
+            <a:spLocks noGrp="1"/>
+          </p:cNvSpPr>
           <p:nvPr>
-            <p:ph idx="1" type="body"/>
+            <p:ph type="body" idx="1"/>
           </p:nvPr>
         </p:nvSpPr>
         <p:spPr>
@@ -1873,12 +1951,12 @@
           </a:prstGeom>
         </p:spPr>
         <p:txBody>
-          <a:bodyPr anchorCtr="0" anchor="t" bIns="91425" lIns="91425" spcFirstLastPara="1" rIns="91425" wrap="square" tIns="91425">
+          <a:bodyPr spcFirstLastPara="1" wrap="square" lIns="91425" tIns="91425" rIns="91425" bIns="91425" anchor="t" anchorCtr="0">
             <a:noAutofit/>
           </a:bodyPr>
           <a:lstStyle/>
           <a:p>
-            <a:pPr indent="0" lvl="0" marL="0" rtl="0" algn="l">
+            <a:pPr marL="0" lvl="0" indent="0" algn="l" rtl="0">
               <a:spcBef>
                 <a:spcPts val="0"/>
               </a:spcBef>
@@ -1887,9 +1965,6 @@
               </a:spcAft>
               <a:buNone/>
             </a:pPr>
-            <a:r>
-              <a:t/>
-            </a:r>
             <a:endParaRPr/>
           </a:p>
         </p:txBody>
@@ -1903,11 +1978,11 @@
 </file>
 
 <file path=ppt/notesSlides/notesSlide9.xml><?xml version="1.0" encoding="utf-8"?>
-<p:notes xmlns:a="http://schemas.openxmlformats.org/drawingml/2006/main" xmlns:r="http://schemas.openxmlformats.org/officeDocument/2006/relationships" xmlns:mc="http://schemas.openxmlformats.org/markup-compatibility/2006" xmlns:mv="urn:schemas-microsoft-com:mac:vml" xmlns:p="http://schemas.openxmlformats.org/presentationml/2006/main" xmlns:c="http://schemas.openxmlformats.org/drawingml/2006/chart" xmlns:dgm="http://schemas.openxmlformats.org/drawingml/2006/diagram" xmlns:o="urn:schemas-microsoft-com:office:office" xmlns:v="urn:schemas-microsoft-com:vml" xmlns:pvml="urn:schemas-microsoft-com:office:powerpoint" xmlns:com="http://schemas.openxmlformats.org/drawingml/2006/compatibility" xmlns:p14="http://schemas.microsoft.com/office/powerpoint/2010/main" xmlns:p15="http://schemas.microsoft.com/office/powerpoint/2012/main" xmlns:ahyp="http://schemas.microsoft.com/office/drawing/2018/hyperlinkcolor" showMasterPhAnim="0" showMasterSp="0">
+<p:notes xmlns:a="http://schemas.openxmlformats.org/drawingml/2006/main" xmlns:r="http://schemas.openxmlformats.org/officeDocument/2006/relationships" xmlns:p="http://schemas.openxmlformats.org/presentationml/2006/main" showMasterSp="0" showMasterPhAnim="0">
   <p:cSld>
     <p:spTree>
       <p:nvGrpSpPr>
-        <p:cNvPr id="122" name="Shape 122"/>
+        <p:cNvPr id="1" name="Shape 122"/>
         <p:cNvGrpSpPr/>
         <p:nvPr/>
       </p:nvGrpSpPr>
@@ -1922,20 +1997,26 @@
       <p:sp>
         <p:nvSpPr>
           <p:cNvPr id="123" name="Google Shape;123;g23cdcc79f6c_4_2:notes"/>
-          <p:cNvSpPr/>
+          <p:cNvSpPr>
+            <a:spLocks noGrp="1" noRot="1" noChangeAspect="1"/>
+          </p:cNvSpPr>
           <p:nvPr>
-            <p:ph idx="2" type="sldImg"/>
+            <p:ph type="sldImg" idx="2"/>
           </p:nvPr>
         </p:nvSpPr>
         <p:spPr>
           <a:xfrm>
-            <a:off x="381300" y="685800"/>
+            <a:off x="381000" y="685800"/>
             <a:ext cx="6096000" cy="3429000"/>
           </a:xfrm>
           <a:custGeom>
-            <a:rect b="b" l="l" r="r" t="t"/>
+            <a:avLst/>
+            <a:gdLst/>
+            <a:ahLst/>
+            <a:cxnLst/>
+            <a:rect l="l" t="t" r="r" b="b"/>
             <a:pathLst>
-              <a:path extrusionOk="0" h="120000" w="120000">
+              <a:path w="120000" h="120000" extrusionOk="0">
                 <a:moveTo>
                   <a:pt x="0" y="0"/>
                 </a:moveTo>
@@ -1957,9 +2038,11 @@
       <p:sp>
         <p:nvSpPr>
           <p:cNvPr id="124" name="Google Shape;124;g23cdcc79f6c_4_2:notes"/>
-          <p:cNvSpPr txBox="1"/>
+          <p:cNvSpPr txBox="1">
+            <a:spLocks noGrp="1"/>
+          </p:cNvSpPr>
           <p:nvPr>
-            <p:ph idx="1" type="body"/>
+            <p:ph type="body" idx="1"/>
           </p:nvPr>
         </p:nvSpPr>
         <p:spPr>
@@ -1972,12 +2055,12 @@
           </a:prstGeom>
         </p:spPr>
         <p:txBody>
-          <a:bodyPr anchorCtr="0" anchor="t" bIns="91425" lIns="91425" spcFirstLastPara="1" rIns="91425" wrap="square" tIns="91425">
+          <a:bodyPr spcFirstLastPara="1" wrap="square" lIns="91425" tIns="91425" rIns="91425" bIns="91425" anchor="t" anchorCtr="0">
             <a:noAutofit/>
           </a:bodyPr>
           <a:lstStyle/>
           <a:p>
-            <a:pPr indent="0" lvl="0" marL="0" rtl="0" algn="l">
+            <a:pPr marL="0" lvl="0" indent="0" algn="l" rtl="0">
               <a:spcBef>
                 <a:spcPts val="0"/>
               </a:spcBef>
@@ -1986,9 +2069,6 @@
               </a:spcAft>
               <a:buNone/>
             </a:pPr>
-            <a:r>
-              <a:t/>
-            </a:r>
             <a:endParaRPr/>
           </a:p>
         </p:txBody>
@@ -2002,11 +2082,11 @@
 </file>
 
 <file path=ppt/slideLayouts/slideLayout1.xml><?xml version="1.0" encoding="utf-8"?>
-<p:sldLayout xmlns:a="http://schemas.openxmlformats.org/drawingml/2006/main" xmlns:r="http://schemas.openxmlformats.org/officeDocument/2006/relationships" xmlns:mc="http://schemas.openxmlformats.org/markup-compatibility/2006" xmlns:mv="urn:schemas-microsoft-com:mac:vml" xmlns:p="http://schemas.openxmlformats.org/presentationml/2006/main" xmlns:c="http://schemas.openxmlformats.org/drawingml/2006/chart" xmlns:dgm="http://schemas.openxmlformats.org/drawingml/2006/diagram" xmlns:o="urn:schemas-microsoft-com:office:office" xmlns:v="urn:schemas-microsoft-com:vml" xmlns:pvml="urn:schemas-microsoft-com:office:powerpoint" xmlns:com="http://schemas.openxmlformats.org/drawingml/2006/compatibility" xmlns:p14="http://schemas.microsoft.com/office/powerpoint/2010/main" xmlns:p15="http://schemas.microsoft.com/office/powerpoint/2012/main" xmlns:ahyp="http://schemas.microsoft.com/office/drawing/2018/hyperlinkcolor" matchingName="Title slide" type="title">
+<p:sldLayout xmlns:a="http://schemas.openxmlformats.org/drawingml/2006/main" xmlns:r="http://schemas.openxmlformats.org/officeDocument/2006/relationships" xmlns:p="http://schemas.openxmlformats.org/presentationml/2006/main" matchingName="Title slide" type="title">
   <p:cSld name="TITLE">
     <p:spTree>
       <p:nvGrpSpPr>
-        <p:cNvPr id="9" name="Shape 9"/>
+        <p:cNvPr id="1" name="Shape 9"/>
         <p:cNvGrpSpPr/>
         <p:nvPr/>
       </p:nvGrpSpPr>
@@ -2030,9 +2110,13 @@
             <a:ext cx="1081625" cy="1124950"/>
           </a:xfrm>
           <a:custGeom>
-            <a:rect b="b" l="l" r="r" t="t"/>
+            <a:avLst/>
+            <a:gdLst/>
+            <a:ahLst/>
+            <a:cxnLst/>
+            <a:rect l="l" t="t" r="r" b="b"/>
             <a:pathLst>
-              <a:path extrusionOk="0" h="44998" w="43265">
+              <a:path w="43265" h="44998" extrusionOk="0">
                 <a:moveTo>
                   <a:pt x="0" y="44998"/>
                 </a:moveTo>
@@ -2046,14 +2130,14 @@
             </a:pathLst>
           </a:custGeom>
           <a:noFill/>
-          <a:ln cap="flat" cmpd="sng" w="28575">
+          <a:ln w="28575" cap="flat" cmpd="sng">
             <a:solidFill>
               <a:schemeClr val="lt2"/>
             </a:solidFill>
             <a:prstDash val="solid"/>
             <a:miter lim="8000"/>
-            <a:headEnd len="sm" w="sm" type="none"/>
-            <a:tailEnd len="sm" w="sm" type="none"/>
+            <a:headEnd type="none" w="sm" len="sm"/>
+            <a:tailEnd type="none" w="sm" len="sm"/>
           </a:ln>
         </p:spPr>
       </p:sp>
@@ -2069,9 +2153,13 @@
             <a:ext cx="1081625" cy="1124950"/>
           </a:xfrm>
           <a:custGeom>
-            <a:rect b="b" l="l" r="r" t="t"/>
+            <a:avLst/>
+            <a:gdLst/>
+            <a:ahLst/>
+            <a:cxnLst/>
+            <a:rect l="l" t="t" r="r" b="b"/>
             <a:pathLst>
-              <a:path extrusionOk="0" h="44998" w="43265">
+              <a:path w="43265" h="44998" extrusionOk="0">
                 <a:moveTo>
                   <a:pt x="0" y="44998"/>
                 </a:moveTo>
@@ -2085,21 +2173,23 @@
             </a:pathLst>
           </a:custGeom>
           <a:noFill/>
-          <a:ln cap="flat" cmpd="sng" w="28575">
+          <a:ln w="28575" cap="flat" cmpd="sng">
             <a:solidFill>
               <a:schemeClr val="lt2"/>
             </a:solidFill>
             <a:prstDash val="solid"/>
             <a:miter lim="8000"/>
-            <a:headEnd len="sm" w="sm" type="none"/>
-            <a:tailEnd len="sm" w="sm" type="none"/>
+            <a:headEnd type="none" w="sm" len="sm"/>
+            <a:tailEnd type="none" w="sm" len="sm"/>
           </a:ln>
         </p:spPr>
       </p:sp>
       <p:sp>
         <p:nvSpPr>
           <p:cNvPr id="12" name="Google Shape;12;p2"/>
-          <p:cNvSpPr txBox="1"/>
+          <p:cNvSpPr txBox="1">
+            <a:spLocks noGrp="1"/>
+          </p:cNvSpPr>
           <p:nvPr>
             <p:ph type="ctrTitle"/>
           </p:nvPr>
@@ -2114,7 +2204,7 @@
           </a:prstGeom>
         </p:spPr>
         <p:txBody>
-          <a:bodyPr anchorCtr="0" anchor="b" bIns="91425" lIns="91425" spcFirstLastPara="1" rIns="91425" wrap="square" tIns="91425">
+          <a:bodyPr spcFirstLastPara="1" wrap="square" lIns="91425" tIns="91425" rIns="91425" bIns="91425" anchor="b" anchorCtr="0">
             <a:normAutofit/>
           </a:bodyPr>
           <a:lstStyle>
@@ -2218,15 +2308,19 @@
               <a:defRPr/>
             </a:lvl9pPr>
           </a:lstStyle>
-          <a:p/>
+          <a:p>
+            <a:endParaRPr/>
+          </a:p>
         </p:txBody>
       </p:sp>
       <p:sp>
         <p:nvSpPr>
           <p:cNvPr id="13" name="Google Shape;13;p2"/>
-          <p:cNvSpPr txBox="1"/>
+          <p:cNvSpPr txBox="1">
+            <a:spLocks noGrp="1"/>
+          </p:cNvSpPr>
           <p:nvPr>
-            <p:ph idx="1" type="subTitle"/>
+            <p:ph type="subTitle" idx="1"/>
           </p:nvPr>
         </p:nvSpPr>
         <p:spPr>
@@ -2239,7 +2333,7 @@
           </a:prstGeom>
         </p:spPr>
         <p:txBody>
-          <a:bodyPr anchorCtr="0" anchor="t" bIns="91425" lIns="91425" spcFirstLastPara="1" rIns="91425" wrap="square" tIns="91425">
+          <a:bodyPr spcFirstLastPara="1" wrap="square" lIns="91425" tIns="91425" rIns="91425" bIns="91425" anchor="t" anchorCtr="0">
             <a:normAutofit/>
           </a:bodyPr>
           <a:lstStyle>
@@ -2424,15 +2518,19 @@
               </a:defRPr>
             </a:lvl9pPr>
           </a:lstStyle>
-          <a:p/>
+          <a:p>
+            <a:endParaRPr/>
+          </a:p>
         </p:txBody>
       </p:sp>
       <p:sp>
         <p:nvSpPr>
           <p:cNvPr id="14" name="Google Shape;14;p2"/>
-          <p:cNvSpPr txBox="1"/>
+          <p:cNvSpPr txBox="1">
+            <a:spLocks noGrp="1"/>
+          </p:cNvSpPr>
           <p:nvPr>
-            <p:ph idx="12" type="sldNum"/>
+            <p:ph type="sldNum" idx="12"/>
           </p:nvPr>
         </p:nvSpPr>
         <p:spPr>
@@ -2445,7 +2543,7 @@
           </a:prstGeom>
         </p:spPr>
         <p:txBody>
-          <a:bodyPr anchorCtr="0" anchor="ctr" bIns="91425" lIns="91425" spcFirstLastPara="1" rIns="91425" wrap="square" tIns="91425">
+          <a:bodyPr spcFirstLastPara="1" wrap="square" lIns="91425" tIns="91425" rIns="91425" bIns="91425" anchor="ctr" anchorCtr="0">
             <a:normAutofit/>
           </a:bodyPr>
           <a:lstStyle>
@@ -2487,7 +2585,7 @@
             </a:lvl9pPr>
           </a:lstStyle>
           <a:p>
-            <a:pPr indent="0" lvl="0" marL="0" rtl="0" algn="r">
+            <a:pPr marL="0" lvl="0" indent="0" algn="r" rtl="0">
               <a:spcBef>
                 <a:spcPts val="0"/>
               </a:spcBef>
@@ -2513,11 +2611,11 @@
 </file>
 
 <file path=ppt/slideLayouts/slideLayout10.xml><?xml version="1.0" encoding="utf-8"?>
-<p:sldLayout xmlns:a="http://schemas.openxmlformats.org/drawingml/2006/main" xmlns:r="http://schemas.openxmlformats.org/officeDocument/2006/relationships" xmlns:mc="http://schemas.openxmlformats.org/markup-compatibility/2006" xmlns:mv="urn:schemas-microsoft-com:mac:vml" xmlns:p="http://schemas.openxmlformats.org/presentationml/2006/main" xmlns:c="http://schemas.openxmlformats.org/drawingml/2006/chart" xmlns:dgm="http://schemas.openxmlformats.org/drawingml/2006/diagram" xmlns:o="urn:schemas-microsoft-com:office:office" xmlns:v="urn:schemas-microsoft-com:vml" xmlns:pvml="urn:schemas-microsoft-com:office:powerpoint" xmlns:com="http://schemas.openxmlformats.org/drawingml/2006/compatibility" xmlns:p14="http://schemas.microsoft.com/office/powerpoint/2010/main" xmlns:p15="http://schemas.microsoft.com/office/powerpoint/2012/main" xmlns:ahyp="http://schemas.microsoft.com/office/drawing/2018/hyperlinkcolor" matchingName="Big number">
+<p:sldLayout xmlns:a="http://schemas.openxmlformats.org/drawingml/2006/main" xmlns:r="http://schemas.openxmlformats.org/officeDocument/2006/relationships" xmlns:p="http://schemas.openxmlformats.org/presentationml/2006/main" matchingName="Big number">
   <p:cSld name="BIG_NUMBER">
     <p:spTree>
       <p:nvGrpSpPr>
-        <p:cNvPr id="51" name="Shape 51"/>
+        <p:cNvPr id="1" name="Shape 51"/>
         <p:cNvGrpSpPr/>
         <p:nvPr/>
       </p:nvGrpSpPr>
@@ -2551,12 +2649,12 @@
           </a:ln>
         </p:spPr>
         <p:txBody>
-          <a:bodyPr anchorCtr="0" anchor="ctr" bIns="91425" lIns="91425" spcFirstLastPara="1" rIns="91425" wrap="square" tIns="91425">
+          <a:bodyPr spcFirstLastPara="1" wrap="square" lIns="91425" tIns="91425" rIns="91425" bIns="91425" anchor="ctr" anchorCtr="0">
             <a:noAutofit/>
           </a:bodyPr>
           <a:lstStyle/>
           <a:p>
-            <a:pPr indent="0" lvl="0" marL="0" rtl="0" algn="l">
+            <a:pPr marL="0" lvl="0" indent="0" algn="l" rtl="0">
               <a:spcBef>
                 <a:spcPts val="0"/>
               </a:spcBef>
@@ -2565,9 +2663,6 @@
               </a:spcAft>
               <a:buNone/>
             </a:pPr>
-            <a:r>
-              <a:t/>
-            </a:r>
             <a:endParaRPr/>
           </a:p>
         </p:txBody>
@@ -2575,9 +2670,11 @@
       <p:sp>
         <p:nvSpPr>
           <p:cNvPr id="53" name="Google Shape;53;p11"/>
-          <p:cNvSpPr txBox="1"/>
+          <p:cNvSpPr txBox="1">
+            <a:spLocks noGrp="1"/>
+          </p:cNvSpPr>
           <p:nvPr>
-            <p:ph hasCustomPrompt="1" type="title"/>
+            <p:ph type="title" hasCustomPrompt="1"/>
           </p:nvPr>
         </p:nvSpPr>
         <p:spPr>
@@ -2590,7 +2687,7 @@
           </a:prstGeom>
         </p:spPr>
         <p:txBody>
-          <a:bodyPr anchorCtr="0" anchor="ctr" bIns="91425" lIns="91425" spcFirstLastPara="1" rIns="91425" wrap="square" tIns="91425">
+          <a:bodyPr spcFirstLastPara="1" wrap="square" lIns="91425" tIns="91425" rIns="91425" bIns="91425" anchor="ctr" anchorCtr="0">
             <a:normAutofit/>
           </a:bodyPr>
           <a:lstStyle>
@@ -2767,9 +2864,11 @@
       <p:sp>
         <p:nvSpPr>
           <p:cNvPr id="54" name="Google Shape;54;p11"/>
-          <p:cNvSpPr txBox="1"/>
+          <p:cNvSpPr txBox="1">
+            <a:spLocks noGrp="1"/>
+          </p:cNvSpPr>
           <p:nvPr>
-            <p:ph idx="1" type="body"/>
+            <p:ph type="body" idx="1"/>
           </p:nvPr>
         </p:nvSpPr>
         <p:spPr>
@@ -2782,11 +2881,11 @@
           </a:prstGeom>
         </p:spPr>
         <p:txBody>
-          <a:bodyPr anchorCtr="0" anchor="t" bIns="91425" lIns="91425" spcFirstLastPara="1" rIns="91425" wrap="square" tIns="91425">
+          <a:bodyPr spcFirstLastPara="1" wrap="square" lIns="91425" tIns="91425" rIns="91425" bIns="91425" anchor="t" anchorCtr="0">
             <a:normAutofit/>
           </a:bodyPr>
           <a:lstStyle>
-            <a:lvl1pPr indent="-342900" lvl="0" marL="457200" algn="ctr">
+            <a:lvl1pPr marL="457200" lvl="0" indent="-342900" algn="ctr">
               <a:spcBef>
                 <a:spcPts val="0"/>
               </a:spcBef>
@@ -2797,7 +2896,7 @@
               <a:buChar char="●"/>
               <a:defRPr/>
             </a:lvl1pPr>
-            <a:lvl2pPr indent="-317500" lvl="1" marL="914400" algn="ctr">
+            <a:lvl2pPr marL="914400" lvl="1" indent="-317500" algn="ctr">
               <a:spcBef>
                 <a:spcPts val="0"/>
               </a:spcBef>
@@ -2808,7 +2907,7 @@
               <a:buChar char="○"/>
               <a:defRPr/>
             </a:lvl2pPr>
-            <a:lvl3pPr indent="-317500" lvl="2" marL="1371600" algn="ctr">
+            <a:lvl3pPr marL="1371600" lvl="2" indent="-317500" algn="ctr">
               <a:spcBef>
                 <a:spcPts val="0"/>
               </a:spcBef>
@@ -2819,7 +2918,7 @@
               <a:buChar char="■"/>
               <a:defRPr/>
             </a:lvl3pPr>
-            <a:lvl4pPr indent="-317500" lvl="3" marL="1828800" algn="ctr">
+            <a:lvl4pPr marL="1828800" lvl="3" indent="-317500" algn="ctr">
               <a:spcBef>
                 <a:spcPts val="0"/>
               </a:spcBef>
@@ -2830,7 +2929,7 @@
               <a:buChar char="●"/>
               <a:defRPr/>
             </a:lvl4pPr>
-            <a:lvl5pPr indent="-317500" lvl="4" marL="2286000" algn="ctr">
+            <a:lvl5pPr marL="2286000" lvl="4" indent="-317500" algn="ctr">
               <a:spcBef>
                 <a:spcPts val="0"/>
               </a:spcBef>
@@ -2841,7 +2940,7 @@
               <a:buChar char="○"/>
               <a:defRPr/>
             </a:lvl5pPr>
-            <a:lvl6pPr indent="-317500" lvl="5" marL="2743200" algn="ctr">
+            <a:lvl6pPr marL="2743200" lvl="5" indent="-317500" algn="ctr">
               <a:spcBef>
                 <a:spcPts val="0"/>
               </a:spcBef>
@@ -2852,7 +2951,7 @@
               <a:buChar char="■"/>
               <a:defRPr/>
             </a:lvl6pPr>
-            <a:lvl7pPr indent="-317500" lvl="6" marL="3200400" algn="ctr">
+            <a:lvl7pPr marL="3200400" lvl="6" indent="-317500" algn="ctr">
               <a:spcBef>
                 <a:spcPts val="0"/>
               </a:spcBef>
@@ -2863,7 +2962,7 @@
               <a:buChar char="●"/>
               <a:defRPr/>
             </a:lvl7pPr>
-            <a:lvl8pPr indent="-317500" lvl="7" marL="3657600" algn="ctr">
+            <a:lvl8pPr marL="3657600" lvl="7" indent="-317500" algn="ctr">
               <a:spcBef>
                 <a:spcPts val="0"/>
               </a:spcBef>
@@ -2874,7 +2973,7 @@
               <a:buChar char="○"/>
               <a:defRPr/>
             </a:lvl8pPr>
-            <a:lvl9pPr indent="-317500" lvl="8" marL="4114800" algn="ctr">
+            <a:lvl9pPr marL="4114800" lvl="8" indent="-317500" algn="ctr">
               <a:spcBef>
                 <a:spcPts val="0"/>
               </a:spcBef>
@@ -2886,15 +2985,19 @@
               <a:defRPr/>
             </a:lvl9pPr>
           </a:lstStyle>
-          <a:p/>
+          <a:p>
+            <a:endParaRPr/>
+          </a:p>
         </p:txBody>
       </p:sp>
       <p:sp>
         <p:nvSpPr>
           <p:cNvPr id="55" name="Google Shape;55;p11"/>
-          <p:cNvSpPr txBox="1"/>
+          <p:cNvSpPr txBox="1">
+            <a:spLocks noGrp="1"/>
+          </p:cNvSpPr>
           <p:nvPr>
-            <p:ph idx="12" type="sldNum"/>
+            <p:ph type="sldNum" idx="12"/>
           </p:nvPr>
         </p:nvSpPr>
         <p:spPr>
@@ -2907,7 +3010,7 @@
           </a:prstGeom>
         </p:spPr>
         <p:txBody>
-          <a:bodyPr anchorCtr="0" anchor="ctr" bIns="91425" lIns="91425" spcFirstLastPara="1" rIns="91425" wrap="square" tIns="91425">
+          <a:bodyPr spcFirstLastPara="1" wrap="square" lIns="91425" tIns="91425" rIns="91425" bIns="91425" anchor="ctr" anchorCtr="0">
             <a:normAutofit/>
           </a:bodyPr>
           <a:lstStyle>
@@ -2949,7 +3052,7 @@
             </a:lvl9pPr>
           </a:lstStyle>
           <a:p>
-            <a:pPr indent="0" lvl="0" marL="0" rtl="0" algn="r">
+            <a:pPr marL="0" lvl="0" indent="0" algn="r" rtl="0">
               <a:spcBef>
                 <a:spcPts val="0"/>
               </a:spcBef>
@@ -2975,11 +3078,11 @@
 </file>
 
 <file path=ppt/slideLayouts/slideLayout11.xml><?xml version="1.0" encoding="utf-8"?>
-<p:sldLayout xmlns:a="http://schemas.openxmlformats.org/drawingml/2006/main" xmlns:r="http://schemas.openxmlformats.org/officeDocument/2006/relationships" xmlns:mc="http://schemas.openxmlformats.org/markup-compatibility/2006" xmlns:mv="urn:schemas-microsoft-com:mac:vml" xmlns:p="http://schemas.openxmlformats.org/presentationml/2006/main" xmlns:c="http://schemas.openxmlformats.org/drawingml/2006/chart" xmlns:dgm="http://schemas.openxmlformats.org/drawingml/2006/diagram" xmlns:o="urn:schemas-microsoft-com:office:office" xmlns:v="urn:schemas-microsoft-com:vml" xmlns:pvml="urn:schemas-microsoft-com:office:powerpoint" xmlns:com="http://schemas.openxmlformats.org/drawingml/2006/compatibility" xmlns:p14="http://schemas.microsoft.com/office/powerpoint/2010/main" xmlns:p15="http://schemas.microsoft.com/office/powerpoint/2012/main" xmlns:ahyp="http://schemas.microsoft.com/office/drawing/2018/hyperlinkcolor" matchingName="Blank" type="blank">
+<p:sldLayout xmlns:a="http://schemas.openxmlformats.org/drawingml/2006/main" xmlns:r="http://schemas.openxmlformats.org/officeDocument/2006/relationships" xmlns:p="http://schemas.openxmlformats.org/presentationml/2006/main" matchingName="Blank" type="blank">
   <p:cSld name="BLANK">
     <p:spTree>
       <p:nvGrpSpPr>
-        <p:cNvPr id="56" name="Shape 56"/>
+        <p:cNvPr id="1" name="Shape 56"/>
         <p:cNvGrpSpPr/>
         <p:nvPr/>
       </p:nvGrpSpPr>
@@ -2994,9 +3097,11 @@
       <p:sp>
         <p:nvSpPr>
           <p:cNvPr id="57" name="Google Shape;57;p12"/>
-          <p:cNvSpPr txBox="1"/>
+          <p:cNvSpPr txBox="1">
+            <a:spLocks noGrp="1"/>
+          </p:cNvSpPr>
           <p:nvPr>
-            <p:ph idx="12" type="sldNum"/>
+            <p:ph type="sldNum" idx="12"/>
           </p:nvPr>
         </p:nvSpPr>
         <p:spPr>
@@ -3009,7 +3114,7 @@
           </a:prstGeom>
         </p:spPr>
         <p:txBody>
-          <a:bodyPr anchorCtr="0" anchor="ctr" bIns="91425" lIns="91425" spcFirstLastPara="1" rIns="91425" wrap="square" tIns="91425">
+          <a:bodyPr spcFirstLastPara="1" wrap="square" lIns="91425" tIns="91425" rIns="91425" bIns="91425" anchor="ctr" anchorCtr="0">
             <a:normAutofit/>
           </a:bodyPr>
           <a:lstStyle>
@@ -3051,7 +3156,7 @@
             </a:lvl9pPr>
           </a:lstStyle>
           <a:p>
-            <a:pPr indent="0" lvl="0" marL="0" rtl="0" algn="r">
+            <a:pPr marL="0" lvl="0" indent="0" algn="r" rtl="0">
               <a:spcBef>
                 <a:spcPts val="0"/>
               </a:spcBef>
@@ -3077,11 +3182,11 @@
 </file>
 
 <file path=ppt/slideLayouts/slideLayout2.xml><?xml version="1.0" encoding="utf-8"?>
-<p:sldLayout xmlns:a="http://schemas.openxmlformats.org/drawingml/2006/main" xmlns:r="http://schemas.openxmlformats.org/officeDocument/2006/relationships" xmlns:mc="http://schemas.openxmlformats.org/markup-compatibility/2006" xmlns:mv="urn:schemas-microsoft-com:mac:vml" xmlns:p="http://schemas.openxmlformats.org/presentationml/2006/main" xmlns:c="http://schemas.openxmlformats.org/drawingml/2006/chart" xmlns:dgm="http://schemas.openxmlformats.org/drawingml/2006/diagram" xmlns:o="urn:schemas-microsoft-com:office:office" xmlns:v="urn:schemas-microsoft-com:vml" xmlns:pvml="urn:schemas-microsoft-com:office:powerpoint" xmlns:com="http://schemas.openxmlformats.org/drawingml/2006/compatibility" xmlns:p14="http://schemas.microsoft.com/office/powerpoint/2010/main" xmlns:p15="http://schemas.microsoft.com/office/powerpoint/2012/main" xmlns:ahyp="http://schemas.microsoft.com/office/drawing/2018/hyperlinkcolor" matchingName="Section header" type="secHead">
+<p:sldLayout xmlns:a="http://schemas.openxmlformats.org/drawingml/2006/main" xmlns:r="http://schemas.openxmlformats.org/officeDocument/2006/relationships" xmlns:p="http://schemas.openxmlformats.org/presentationml/2006/main" matchingName="Section header" type="secHead">
   <p:cSld name="SECTION_HEADER">
     <p:spTree>
       <p:nvGrpSpPr>
-        <p:cNvPr id="15" name="Shape 15"/>
+        <p:cNvPr id="1" name="Shape 15"/>
         <p:cNvGrpSpPr/>
         <p:nvPr/>
       </p:nvGrpSpPr>
@@ -3105,9 +3210,13 @@
             <a:ext cx="1081625" cy="1124950"/>
           </a:xfrm>
           <a:custGeom>
-            <a:rect b="b" l="l" r="r" t="t"/>
+            <a:avLst/>
+            <a:gdLst/>
+            <a:ahLst/>
+            <a:cxnLst/>
+            <a:rect l="l" t="t" r="r" b="b"/>
             <a:pathLst>
-              <a:path extrusionOk="0" h="44998" w="43265">
+              <a:path w="43265" h="44998" extrusionOk="0">
                 <a:moveTo>
                   <a:pt x="0" y="44998"/>
                 </a:moveTo>
@@ -3121,14 +3230,14 @@
             </a:pathLst>
           </a:custGeom>
           <a:noFill/>
-          <a:ln cap="flat" cmpd="sng" w="28575">
+          <a:ln w="28575" cap="flat" cmpd="sng">
             <a:solidFill>
               <a:schemeClr val="lt2"/>
             </a:solidFill>
             <a:prstDash val="solid"/>
             <a:miter lim="8000"/>
-            <a:headEnd len="sm" w="sm" type="none"/>
-            <a:tailEnd len="sm" w="sm" type="none"/>
+            <a:headEnd type="none" w="sm" len="sm"/>
+            <a:tailEnd type="none" w="sm" len="sm"/>
           </a:ln>
         </p:spPr>
       </p:sp>
@@ -3139,14 +3248,18 @@
           <p:nvPr/>
         </p:nvSpPr>
         <p:spPr>
-          <a:xfrm flipH="1" rot="10800000">
+          <a:xfrm rot="10800000" flipH="1">
             <a:off x="466425" y="3558325"/>
             <a:ext cx="1081625" cy="1124950"/>
           </a:xfrm>
           <a:custGeom>
-            <a:rect b="b" l="l" r="r" t="t"/>
+            <a:avLst/>
+            <a:gdLst/>
+            <a:ahLst/>
+            <a:cxnLst/>
+            <a:rect l="l" t="t" r="r" b="b"/>
             <a:pathLst>
-              <a:path extrusionOk="0" h="44998" w="43265">
+              <a:path w="43265" h="44998" extrusionOk="0">
                 <a:moveTo>
                   <a:pt x="0" y="44998"/>
                 </a:moveTo>
@@ -3160,21 +3273,23 @@
             </a:pathLst>
           </a:custGeom>
           <a:noFill/>
-          <a:ln cap="flat" cmpd="sng" w="28575">
+          <a:ln w="28575" cap="flat" cmpd="sng">
             <a:solidFill>
               <a:schemeClr val="lt2"/>
             </a:solidFill>
             <a:prstDash val="solid"/>
             <a:miter lim="8000"/>
-            <a:headEnd len="sm" w="sm" type="none"/>
-            <a:tailEnd len="sm" w="sm" type="none"/>
+            <a:headEnd type="none" w="sm" len="sm"/>
+            <a:tailEnd type="none" w="sm" len="sm"/>
           </a:ln>
         </p:spPr>
       </p:sp>
       <p:sp>
         <p:nvSpPr>
           <p:cNvPr id="18" name="Google Shape;18;p3"/>
-          <p:cNvSpPr txBox="1"/>
+          <p:cNvSpPr txBox="1">
+            <a:spLocks noGrp="1"/>
+          </p:cNvSpPr>
           <p:nvPr>
             <p:ph type="title"/>
           </p:nvPr>
@@ -3189,7 +3304,7 @@
           </a:prstGeom>
         </p:spPr>
         <p:txBody>
-          <a:bodyPr anchorCtr="0" anchor="ctr" bIns="91425" lIns="91425" spcFirstLastPara="1" rIns="91425" wrap="square" tIns="91425">
+          <a:bodyPr spcFirstLastPara="1" wrap="square" lIns="91425" tIns="91425" rIns="91425" bIns="91425" anchor="ctr" anchorCtr="0">
             <a:normAutofit/>
           </a:bodyPr>
           <a:lstStyle>
@@ -3293,15 +3408,19 @@
               <a:defRPr/>
             </a:lvl9pPr>
           </a:lstStyle>
-          <a:p/>
+          <a:p>
+            <a:endParaRPr/>
+          </a:p>
         </p:txBody>
       </p:sp>
       <p:sp>
         <p:nvSpPr>
           <p:cNvPr id="19" name="Google Shape;19;p3"/>
-          <p:cNvSpPr txBox="1"/>
+          <p:cNvSpPr txBox="1">
+            <a:spLocks noGrp="1"/>
+          </p:cNvSpPr>
           <p:nvPr>
-            <p:ph idx="12" type="sldNum"/>
+            <p:ph type="sldNum" idx="12"/>
           </p:nvPr>
         </p:nvSpPr>
         <p:spPr>
@@ -3314,7 +3433,7 @@
           </a:prstGeom>
         </p:spPr>
         <p:txBody>
-          <a:bodyPr anchorCtr="0" anchor="ctr" bIns="91425" lIns="91425" spcFirstLastPara="1" rIns="91425" wrap="square" tIns="91425">
+          <a:bodyPr spcFirstLastPara="1" wrap="square" lIns="91425" tIns="91425" rIns="91425" bIns="91425" anchor="ctr" anchorCtr="0">
             <a:normAutofit/>
           </a:bodyPr>
           <a:lstStyle>
@@ -3356,7 +3475,7 @@
             </a:lvl9pPr>
           </a:lstStyle>
           <a:p>
-            <a:pPr indent="0" lvl="0" marL="0" rtl="0" algn="r">
+            <a:pPr marL="0" lvl="0" indent="0" algn="r" rtl="0">
               <a:spcBef>
                 <a:spcPts val="0"/>
               </a:spcBef>
@@ -3382,11 +3501,11 @@
 </file>
 
 <file path=ppt/slideLayouts/slideLayout3.xml><?xml version="1.0" encoding="utf-8"?>
-<p:sldLayout xmlns:a="http://schemas.openxmlformats.org/drawingml/2006/main" xmlns:r="http://schemas.openxmlformats.org/officeDocument/2006/relationships" xmlns:mc="http://schemas.openxmlformats.org/markup-compatibility/2006" xmlns:mv="urn:schemas-microsoft-com:mac:vml" xmlns:p="http://schemas.openxmlformats.org/presentationml/2006/main" xmlns:c="http://schemas.openxmlformats.org/drawingml/2006/chart" xmlns:dgm="http://schemas.openxmlformats.org/drawingml/2006/diagram" xmlns:o="urn:schemas-microsoft-com:office:office" xmlns:v="urn:schemas-microsoft-com:vml" xmlns:pvml="urn:schemas-microsoft-com:office:powerpoint" xmlns:com="http://schemas.openxmlformats.org/drawingml/2006/compatibility" xmlns:p14="http://schemas.microsoft.com/office/powerpoint/2010/main" xmlns:p15="http://schemas.microsoft.com/office/powerpoint/2012/main" xmlns:ahyp="http://schemas.microsoft.com/office/drawing/2018/hyperlinkcolor" matchingName="Title and body" type="tx">
+<p:sldLayout xmlns:a="http://schemas.openxmlformats.org/drawingml/2006/main" xmlns:r="http://schemas.openxmlformats.org/officeDocument/2006/relationships" xmlns:p="http://schemas.openxmlformats.org/presentationml/2006/main" matchingName="Title and body" type="tx">
   <p:cSld name="TITLE_AND_BODY">
     <p:spTree>
       <p:nvGrpSpPr>
-        <p:cNvPr id="20" name="Shape 20"/>
+        <p:cNvPr id="1" name="Shape 20"/>
         <p:cNvGrpSpPr/>
         <p:nvPr/>
       </p:nvGrpSpPr>
@@ -3420,12 +3539,12 @@
           </a:ln>
         </p:spPr>
         <p:txBody>
-          <a:bodyPr anchorCtr="0" anchor="ctr" bIns="91425" lIns="91425" spcFirstLastPara="1" rIns="91425" wrap="square" tIns="91425">
+          <a:bodyPr spcFirstLastPara="1" wrap="square" lIns="91425" tIns="91425" rIns="91425" bIns="91425" anchor="ctr" anchorCtr="0">
             <a:noAutofit/>
           </a:bodyPr>
           <a:lstStyle/>
           <a:p>
-            <a:pPr indent="0" lvl="0" marL="0" rtl="0" algn="l">
+            <a:pPr marL="0" lvl="0" indent="0" algn="l" rtl="0">
               <a:spcBef>
                 <a:spcPts val="0"/>
               </a:spcBef>
@@ -3434,9 +3553,6 @@
               </a:spcAft>
               <a:buNone/>
             </a:pPr>
-            <a:r>
-              <a:t/>
-            </a:r>
             <a:endParaRPr/>
           </a:p>
         </p:txBody>
@@ -3444,7 +3560,9 @@
       <p:sp>
         <p:nvSpPr>
           <p:cNvPr id="22" name="Google Shape;22;p4"/>
-          <p:cNvSpPr txBox="1"/>
+          <p:cNvSpPr txBox="1">
+            <a:spLocks noGrp="1"/>
+          </p:cNvSpPr>
           <p:nvPr>
             <p:ph type="title"/>
           </p:nvPr>
@@ -3459,7 +3577,7 @@
           </a:prstGeom>
         </p:spPr>
         <p:txBody>
-          <a:bodyPr anchorCtr="0" anchor="b" bIns="91425" lIns="91425" spcFirstLastPara="1" rIns="91425" wrap="square" tIns="91425">
+          <a:bodyPr spcFirstLastPara="1" wrap="square" lIns="91425" tIns="91425" rIns="91425" bIns="91425" anchor="b" anchorCtr="0">
             <a:normAutofit/>
           </a:bodyPr>
           <a:lstStyle>
@@ -3563,15 +3681,19 @@
               <a:defRPr/>
             </a:lvl9pPr>
           </a:lstStyle>
-          <a:p/>
+          <a:p>
+            <a:endParaRPr/>
+          </a:p>
         </p:txBody>
       </p:sp>
       <p:sp>
         <p:nvSpPr>
           <p:cNvPr id="23" name="Google Shape;23;p4"/>
-          <p:cNvSpPr txBox="1"/>
+          <p:cNvSpPr txBox="1">
+            <a:spLocks noGrp="1"/>
+          </p:cNvSpPr>
           <p:nvPr>
-            <p:ph idx="1" type="body"/>
+            <p:ph type="body" idx="1"/>
           </p:nvPr>
         </p:nvSpPr>
         <p:spPr>
@@ -3584,11 +3706,11 @@
           </a:prstGeom>
         </p:spPr>
         <p:txBody>
-          <a:bodyPr anchorCtr="0" anchor="t" bIns="91425" lIns="91425" spcFirstLastPara="1" rIns="91425" wrap="square" tIns="91425">
+          <a:bodyPr spcFirstLastPara="1" wrap="square" lIns="91425" tIns="91425" rIns="91425" bIns="91425" anchor="t" anchorCtr="0">
             <a:normAutofit/>
           </a:bodyPr>
           <a:lstStyle>
-            <a:lvl1pPr indent="-342900" lvl="0" marL="457200">
+            <a:lvl1pPr marL="457200" lvl="0" indent="-342900">
               <a:spcBef>
                 <a:spcPts val="0"/>
               </a:spcBef>
@@ -3599,7 +3721,7 @@
               <a:buChar char="●"/>
               <a:defRPr/>
             </a:lvl1pPr>
-            <a:lvl2pPr indent="-317500" lvl="1" marL="914400">
+            <a:lvl2pPr marL="914400" lvl="1" indent="-317500">
               <a:spcBef>
                 <a:spcPts val="0"/>
               </a:spcBef>
@@ -3610,7 +3732,7 @@
               <a:buChar char="○"/>
               <a:defRPr/>
             </a:lvl2pPr>
-            <a:lvl3pPr indent="-317500" lvl="2" marL="1371600">
+            <a:lvl3pPr marL="1371600" lvl="2" indent="-317500">
               <a:spcBef>
                 <a:spcPts val="0"/>
               </a:spcBef>
@@ -3621,7 +3743,7 @@
               <a:buChar char="■"/>
               <a:defRPr/>
             </a:lvl3pPr>
-            <a:lvl4pPr indent="-317500" lvl="3" marL="1828800">
+            <a:lvl4pPr marL="1828800" lvl="3" indent="-317500">
               <a:spcBef>
                 <a:spcPts val="0"/>
               </a:spcBef>
@@ -3632,7 +3754,7 @@
               <a:buChar char="●"/>
               <a:defRPr/>
             </a:lvl4pPr>
-            <a:lvl5pPr indent="-317500" lvl="4" marL="2286000">
+            <a:lvl5pPr marL="2286000" lvl="4" indent="-317500">
               <a:spcBef>
                 <a:spcPts val="0"/>
               </a:spcBef>
@@ -3643,7 +3765,7 @@
               <a:buChar char="○"/>
               <a:defRPr/>
             </a:lvl5pPr>
-            <a:lvl6pPr indent="-317500" lvl="5" marL="2743200">
+            <a:lvl6pPr marL="2743200" lvl="5" indent="-317500">
               <a:spcBef>
                 <a:spcPts val="0"/>
               </a:spcBef>
@@ -3654,7 +3776,7 @@
               <a:buChar char="■"/>
               <a:defRPr/>
             </a:lvl6pPr>
-            <a:lvl7pPr indent="-317500" lvl="6" marL="3200400">
+            <a:lvl7pPr marL="3200400" lvl="6" indent="-317500">
               <a:spcBef>
                 <a:spcPts val="0"/>
               </a:spcBef>
@@ -3665,7 +3787,7 @@
               <a:buChar char="●"/>
               <a:defRPr/>
             </a:lvl7pPr>
-            <a:lvl8pPr indent="-317500" lvl="7" marL="3657600">
+            <a:lvl8pPr marL="3657600" lvl="7" indent="-317500">
               <a:spcBef>
                 <a:spcPts val="0"/>
               </a:spcBef>
@@ -3676,7 +3798,7 @@
               <a:buChar char="○"/>
               <a:defRPr/>
             </a:lvl8pPr>
-            <a:lvl9pPr indent="-317500" lvl="8" marL="4114800">
+            <a:lvl9pPr marL="4114800" lvl="8" indent="-317500">
               <a:spcBef>
                 <a:spcPts val="0"/>
               </a:spcBef>
@@ -3688,15 +3810,19 @@
               <a:defRPr/>
             </a:lvl9pPr>
           </a:lstStyle>
-          <a:p/>
+          <a:p>
+            <a:endParaRPr/>
+          </a:p>
         </p:txBody>
       </p:sp>
       <p:sp>
         <p:nvSpPr>
           <p:cNvPr id="24" name="Google Shape;24;p4"/>
-          <p:cNvSpPr txBox="1"/>
+          <p:cNvSpPr txBox="1">
+            <a:spLocks noGrp="1"/>
+          </p:cNvSpPr>
           <p:nvPr>
-            <p:ph idx="12" type="sldNum"/>
+            <p:ph type="sldNum" idx="12"/>
           </p:nvPr>
         </p:nvSpPr>
         <p:spPr>
@@ -3709,7 +3835,7 @@
           </a:prstGeom>
         </p:spPr>
         <p:txBody>
-          <a:bodyPr anchorCtr="0" anchor="ctr" bIns="91425" lIns="91425" spcFirstLastPara="1" rIns="91425" wrap="square" tIns="91425">
+          <a:bodyPr spcFirstLastPara="1" wrap="square" lIns="91425" tIns="91425" rIns="91425" bIns="91425" anchor="ctr" anchorCtr="0">
             <a:normAutofit/>
           </a:bodyPr>
           <a:lstStyle>
@@ -3751,7 +3877,7 @@
             </a:lvl9pPr>
           </a:lstStyle>
           <a:p>
-            <a:pPr indent="0" lvl="0" marL="0" rtl="0" algn="r">
+            <a:pPr marL="0" lvl="0" indent="0" algn="r" rtl="0">
               <a:spcBef>
                 <a:spcPts val="0"/>
               </a:spcBef>
@@ -3777,11 +3903,11 @@
 </file>
 
 <file path=ppt/slideLayouts/slideLayout4.xml><?xml version="1.0" encoding="utf-8"?>
-<p:sldLayout xmlns:a="http://schemas.openxmlformats.org/drawingml/2006/main" xmlns:r="http://schemas.openxmlformats.org/officeDocument/2006/relationships" xmlns:mc="http://schemas.openxmlformats.org/markup-compatibility/2006" xmlns:mv="urn:schemas-microsoft-com:mac:vml" xmlns:p="http://schemas.openxmlformats.org/presentationml/2006/main" xmlns:c="http://schemas.openxmlformats.org/drawingml/2006/chart" xmlns:dgm="http://schemas.openxmlformats.org/drawingml/2006/diagram" xmlns:o="urn:schemas-microsoft-com:office:office" xmlns:v="urn:schemas-microsoft-com:vml" xmlns:pvml="urn:schemas-microsoft-com:office:powerpoint" xmlns:com="http://schemas.openxmlformats.org/drawingml/2006/compatibility" xmlns:p14="http://schemas.microsoft.com/office/powerpoint/2010/main" xmlns:p15="http://schemas.microsoft.com/office/powerpoint/2012/main" xmlns:ahyp="http://schemas.microsoft.com/office/drawing/2018/hyperlinkcolor" matchingName="Title and two columns" type="twoColTx">
+<p:sldLayout xmlns:a="http://schemas.openxmlformats.org/drawingml/2006/main" xmlns:r="http://schemas.openxmlformats.org/officeDocument/2006/relationships" xmlns:p="http://schemas.openxmlformats.org/presentationml/2006/main" matchingName="Title and two columns" type="twoColTx">
   <p:cSld name="TITLE_AND_TWO_COLUMNS">
     <p:spTree>
       <p:nvGrpSpPr>
-        <p:cNvPr id="25" name="Shape 25"/>
+        <p:cNvPr id="1" name="Shape 25"/>
         <p:cNvGrpSpPr/>
         <p:nvPr/>
       </p:nvGrpSpPr>
@@ -3796,7 +3922,9 @@
       <p:sp>
         <p:nvSpPr>
           <p:cNvPr id="26" name="Google Shape;26;p5"/>
-          <p:cNvSpPr txBox="1"/>
+          <p:cNvSpPr txBox="1">
+            <a:spLocks noGrp="1"/>
+          </p:cNvSpPr>
           <p:nvPr>
             <p:ph type="title"/>
           </p:nvPr>
@@ -3811,7 +3939,7 @@
           </a:prstGeom>
         </p:spPr>
         <p:txBody>
-          <a:bodyPr anchorCtr="0" anchor="b" bIns="91425" lIns="91425" spcFirstLastPara="1" rIns="91425" wrap="square" tIns="91425">
+          <a:bodyPr spcFirstLastPara="1" wrap="square" lIns="91425" tIns="91425" rIns="91425" bIns="91425" anchor="b" anchorCtr="0">
             <a:normAutofit/>
           </a:bodyPr>
           <a:lstStyle>
@@ -3915,15 +4043,19 @@
               <a:defRPr/>
             </a:lvl9pPr>
           </a:lstStyle>
-          <a:p/>
+          <a:p>
+            <a:endParaRPr/>
+          </a:p>
         </p:txBody>
       </p:sp>
       <p:sp>
         <p:nvSpPr>
           <p:cNvPr id="27" name="Google Shape;27;p5"/>
-          <p:cNvSpPr txBox="1"/>
+          <p:cNvSpPr txBox="1">
+            <a:spLocks noGrp="1"/>
+          </p:cNvSpPr>
           <p:nvPr>
-            <p:ph idx="1" type="body"/>
+            <p:ph type="body" idx="1"/>
           </p:nvPr>
         </p:nvSpPr>
         <p:spPr>
@@ -3936,11 +4068,11 @@
           </a:prstGeom>
         </p:spPr>
         <p:txBody>
-          <a:bodyPr anchorCtr="0" anchor="t" bIns="91425" lIns="91425" spcFirstLastPara="1" rIns="91425" wrap="square" tIns="91425">
+          <a:bodyPr spcFirstLastPara="1" wrap="square" lIns="91425" tIns="91425" rIns="91425" bIns="91425" anchor="t" anchorCtr="0">
             <a:normAutofit/>
           </a:bodyPr>
           <a:lstStyle>
-            <a:lvl1pPr indent="-317500" lvl="0" marL="457200">
+            <a:lvl1pPr marL="457200" lvl="0" indent="-317500">
               <a:spcBef>
                 <a:spcPts val="0"/>
               </a:spcBef>
@@ -3951,7 +4083,7 @@
               <a:buChar char="●"/>
               <a:defRPr sz="1400"/>
             </a:lvl1pPr>
-            <a:lvl2pPr indent="-304800" lvl="1" marL="914400">
+            <a:lvl2pPr marL="914400" lvl="1" indent="-304800">
               <a:spcBef>
                 <a:spcPts val="0"/>
               </a:spcBef>
@@ -3962,7 +4094,7 @@
               <a:buChar char="○"/>
               <a:defRPr sz="1200"/>
             </a:lvl2pPr>
-            <a:lvl3pPr indent="-304800" lvl="2" marL="1371600">
+            <a:lvl3pPr marL="1371600" lvl="2" indent="-304800">
               <a:spcBef>
                 <a:spcPts val="0"/>
               </a:spcBef>
@@ -3973,7 +4105,7 @@
               <a:buChar char="■"/>
               <a:defRPr sz="1200"/>
             </a:lvl3pPr>
-            <a:lvl4pPr indent="-304800" lvl="3" marL="1828800">
+            <a:lvl4pPr marL="1828800" lvl="3" indent="-304800">
               <a:spcBef>
                 <a:spcPts val="0"/>
               </a:spcBef>
@@ -3984,7 +4116,7 @@
               <a:buChar char="●"/>
               <a:defRPr sz="1200"/>
             </a:lvl4pPr>
-            <a:lvl5pPr indent="-304800" lvl="4" marL="2286000">
+            <a:lvl5pPr marL="2286000" lvl="4" indent="-304800">
               <a:spcBef>
                 <a:spcPts val="0"/>
               </a:spcBef>
@@ -3995,7 +4127,7 @@
               <a:buChar char="○"/>
               <a:defRPr sz="1200"/>
             </a:lvl5pPr>
-            <a:lvl6pPr indent="-304800" lvl="5" marL="2743200">
+            <a:lvl6pPr marL="2743200" lvl="5" indent="-304800">
               <a:spcBef>
                 <a:spcPts val="0"/>
               </a:spcBef>
@@ -4006,7 +4138,7 @@
               <a:buChar char="■"/>
               <a:defRPr sz="1200"/>
             </a:lvl6pPr>
-            <a:lvl7pPr indent="-304800" lvl="6" marL="3200400">
+            <a:lvl7pPr marL="3200400" lvl="6" indent="-304800">
               <a:spcBef>
                 <a:spcPts val="0"/>
               </a:spcBef>
@@ -4017,7 +4149,7 @@
               <a:buChar char="●"/>
               <a:defRPr sz="1200"/>
             </a:lvl7pPr>
-            <a:lvl8pPr indent="-304800" lvl="7" marL="3657600">
+            <a:lvl8pPr marL="3657600" lvl="7" indent="-304800">
               <a:spcBef>
                 <a:spcPts val="0"/>
               </a:spcBef>
@@ -4028,7 +4160,7 @@
               <a:buChar char="○"/>
               <a:defRPr sz="1200"/>
             </a:lvl8pPr>
-            <a:lvl9pPr indent="-304800" lvl="8" marL="4114800">
+            <a:lvl9pPr marL="4114800" lvl="8" indent="-304800">
               <a:spcBef>
                 <a:spcPts val="0"/>
               </a:spcBef>
@@ -4040,15 +4172,19 @@
               <a:defRPr sz="1200"/>
             </a:lvl9pPr>
           </a:lstStyle>
-          <a:p/>
+          <a:p>
+            <a:endParaRPr/>
+          </a:p>
         </p:txBody>
       </p:sp>
       <p:sp>
         <p:nvSpPr>
           <p:cNvPr id="28" name="Google Shape;28;p5"/>
-          <p:cNvSpPr txBox="1"/>
+          <p:cNvSpPr txBox="1">
+            <a:spLocks noGrp="1"/>
+          </p:cNvSpPr>
           <p:nvPr>
-            <p:ph idx="2" type="body"/>
+            <p:ph type="body" idx="2"/>
           </p:nvPr>
         </p:nvSpPr>
         <p:spPr>
@@ -4061,11 +4197,11 @@
           </a:prstGeom>
         </p:spPr>
         <p:txBody>
-          <a:bodyPr anchorCtr="0" anchor="t" bIns="91425" lIns="91425" spcFirstLastPara="1" rIns="91425" wrap="square" tIns="91425">
+          <a:bodyPr spcFirstLastPara="1" wrap="square" lIns="91425" tIns="91425" rIns="91425" bIns="91425" anchor="t" anchorCtr="0">
             <a:normAutofit/>
           </a:bodyPr>
           <a:lstStyle>
-            <a:lvl1pPr indent="-317500" lvl="0" marL="457200">
+            <a:lvl1pPr marL="457200" lvl="0" indent="-317500">
               <a:spcBef>
                 <a:spcPts val="0"/>
               </a:spcBef>
@@ -4076,7 +4212,7 @@
               <a:buChar char="●"/>
               <a:defRPr sz="1400"/>
             </a:lvl1pPr>
-            <a:lvl2pPr indent="-304800" lvl="1" marL="914400">
+            <a:lvl2pPr marL="914400" lvl="1" indent="-304800">
               <a:spcBef>
                 <a:spcPts val="0"/>
               </a:spcBef>
@@ -4087,7 +4223,7 @@
               <a:buChar char="○"/>
               <a:defRPr sz="1200"/>
             </a:lvl2pPr>
-            <a:lvl3pPr indent="-304800" lvl="2" marL="1371600">
+            <a:lvl3pPr marL="1371600" lvl="2" indent="-304800">
               <a:spcBef>
                 <a:spcPts val="0"/>
               </a:spcBef>
@@ -4098,7 +4234,7 @@
               <a:buChar char="■"/>
               <a:defRPr sz="1200"/>
             </a:lvl3pPr>
-            <a:lvl4pPr indent="-304800" lvl="3" marL="1828800">
+            <a:lvl4pPr marL="1828800" lvl="3" indent="-304800">
               <a:spcBef>
                 <a:spcPts val="0"/>
               </a:spcBef>
@@ -4109,7 +4245,7 @@
               <a:buChar char="●"/>
               <a:defRPr sz="1200"/>
             </a:lvl4pPr>
-            <a:lvl5pPr indent="-304800" lvl="4" marL="2286000">
+            <a:lvl5pPr marL="2286000" lvl="4" indent="-304800">
               <a:spcBef>
                 <a:spcPts val="0"/>
               </a:spcBef>
@@ -4120,7 +4256,7 @@
               <a:buChar char="○"/>
               <a:defRPr sz="1200"/>
             </a:lvl5pPr>
-            <a:lvl6pPr indent="-304800" lvl="5" marL="2743200">
+            <a:lvl6pPr marL="2743200" lvl="5" indent="-304800">
               <a:spcBef>
                 <a:spcPts val="0"/>
               </a:spcBef>
@@ -4131,7 +4267,7 @@
               <a:buChar char="■"/>
               <a:defRPr sz="1200"/>
             </a:lvl6pPr>
-            <a:lvl7pPr indent="-304800" lvl="6" marL="3200400">
+            <a:lvl7pPr marL="3200400" lvl="6" indent="-304800">
               <a:spcBef>
                 <a:spcPts val="0"/>
               </a:spcBef>
@@ -4142,7 +4278,7 @@
               <a:buChar char="●"/>
               <a:defRPr sz="1200"/>
             </a:lvl7pPr>
-            <a:lvl8pPr indent="-304800" lvl="7" marL="3657600">
+            <a:lvl8pPr marL="3657600" lvl="7" indent="-304800">
               <a:spcBef>
                 <a:spcPts val="0"/>
               </a:spcBef>
@@ -4153,7 +4289,7 @@
               <a:buChar char="○"/>
               <a:defRPr sz="1200"/>
             </a:lvl8pPr>
-            <a:lvl9pPr indent="-304800" lvl="8" marL="4114800">
+            <a:lvl9pPr marL="4114800" lvl="8" indent="-304800">
               <a:spcBef>
                 <a:spcPts val="0"/>
               </a:spcBef>
@@ -4165,15 +4301,19 @@
               <a:defRPr sz="1200"/>
             </a:lvl9pPr>
           </a:lstStyle>
-          <a:p/>
+          <a:p>
+            <a:endParaRPr/>
+          </a:p>
         </p:txBody>
       </p:sp>
       <p:sp>
         <p:nvSpPr>
           <p:cNvPr id="29" name="Google Shape;29;p5"/>
-          <p:cNvSpPr txBox="1"/>
+          <p:cNvSpPr txBox="1">
+            <a:spLocks noGrp="1"/>
+          </p:cNvSpPr>
           <p:nvPr>
-            <p:ph idx="12" type="sldNum"/>
+            <p:ph type="sldNum" idx="12"/>
           </p:nvPr>
         </p:nvSpPr>
         <p:spPr>
@@ -4186,7 +4326,7 @@
           </a:prstGeom>
         </p:spPr>
         <p:txBody>
-          <a:bodyPr anchorCtr="0" anchor="ctr" bIns="91425" lIns="91425" spcFirstLastPara="1" rIns="91425" wrap="square" tIns="91425">
+          <a:bodyPr spcFirstLastPara="1" wrap="square" lIns="91425" tIns="91425" rIns="91425" bIns="91425" anchor="ctr" anchorCtr="0">
             <a:normAutofit/>
           </a:bodyPr>
           <a:lstStyle>
@@ -4228,7 +4368,7 @@
             </a:lvl9pPr>
           </a:lstStyle>
           <a:p>
-            <a:pPr indent="0" lvl="0" marL="0" rtl="0" algn="r">
+            <a:pPr marL="0" lvl="0" indent="0" algn="r" rtl="0">
               <a:spcBef>
                 <a:spcPts val="0"/>
               </a:spcBef>
@@ -4254,11 +4394,11 @@
 </file>
 
 <file path=ppt/slideLayouts/slideLayout5.xml><?xml version="1.0" encoding="utf-8"?>
-<p:sldLayout xmlns:a="http://schemas.openxmlformats.org/drawingml/2006/main" xmlns:r="http://schemas.openxmlformats.org/officeDocument/2006/relationships" xmlns:mc="http://schemas.openxmlformats.org/markup-compatibility/2006" xmlns:mv="urn:schemas-microsoft-com:mac:vml" xmlns:p="http://schemas.openxmlformats.org/presentationml/2006/main" xmlns:c="http://schemas.openxmlformats.org/drawingml/2006/chart" xmlns:dgm="http://schemas.openxmlformats.org/drawingml/2006/diagram" xmlns:o="urn:schemas-microsoft-com:office:office" xmlns:v="urn:schemas-microsoft-com:vml" xmlns:pvml="urn:schemas-microsoft-com:office:powerpoint" xmlns:com="http://schemas.openxmlformats.org/drawingml/2006/compatibility" xmlns:p14="http://schemas.microsoft.com/office/powerpoint/2010/main" xmlns:p15="http://schemas.microsoft.com/office/powerpoint/2012/main" xmlns:ahyp="http://schemas.microsoft.com/office/drawing/2018/hyperlinkcolor" matchingName="Title only" type="titleOnly">
+<p:sldLayout xmlns:a="http://schemas.openxmlformats.org/drawingml/2006/main" xmlns:r="http://schemas.openxmlformats.org/officeDocument/2006/relationships" xmlns:p="http://schemas.openxmlformats.org/presentationml/2006/main" matchingName="Title only" type="titleOnly">
   <p:cSld name="TITLE_ONLY">
     <p:spTree>
       <p:nvGrpSpPr>
-        <p:cNvPr id="30" name="Shape 30"/>
+        <p:cNvPr id="1" name="Shape 30"/>
         <p:cNvGrpSpPr/>
         <p:nvPr/>
       </p:nvGrpSpPr>
@@ -4273,7 +4413,9 @@
       <p:sp>
         <p:nvSpPr>
           <p:cNvPr id="31" name="Google Shape;31;p6"/>
-          <p:cNvSpPr txBox="1"/>
+          <p:cNvSpPr txBox="1">
+            <a:spLocks noGrp="1"/>
+          </p:cNvSpPr>
           <p:nvPr>
             <p:ph type="title"/>
           </p:nvPr>
@@ -4288,7 +4430,7 @@
           </a:prstGeom>
         </p:spPr>
         <p:txBody>
-          <a:bodyPr anchorCtr="0" anchor="b" bIns="91425" lIns="91425" spcFirstLastPara="1" rIns="91425" wrap="square" tIns="91425">
+          <a:bodyPr spcFirstLastPara="1" wrap="square" lIns="91425" tIns="91425" rIns="91425" bIns="91425" anchor="b" anchorCtr="0">
             <a:normAutofit/>
           </a:bodyPr>
           <a:lstStyle>
@@ -4392,15 +4534,19 @@
               <a:defRPr/>
             </a:lvl9pPr>
           </a:lstStyle>
-          <a:p/>
+          <a:p>
+            <a:endParaRPr/>
+          </a:p>
         </p:txBody>
       </p:sp>
       <p:sp>
         <p:nvSpPr>
           <p:cNvPr id="32" name="Google Shape;32;p6"/>
-          <p:cNvSpPr txBox="1"/>
+          <p:cNvSpPr txBox="1">
+            <a:spLocks noGrp="1"/>
+          </p:cNvSpPr>
           <p:nvPr>
-            <p:ph idx="12" type="sldNum"/>
+            <p:ph type="sldNum" idx="12"/>
           </p:nvPr>
         </p:nvSpPr>
         <p:spPr>
@@ -4413,7 +4559,7 @@
           </a:prstGeom>
         </p:spPr>
         <p:txBody>
-          <a:bodyPr anchorCtr="0" anchor="ctr" bIns="91425" lIns="91425" spcFirstLastPara="1" rIns="91425" wrap="square" tIns="91425">
+          <a:bodyPr spcFirstLastPara="1" wrap="square" lIns="91425" tIns="91425" rIns="91425" bIns="91425" anchor="ctr" anchorCtr="0">
             <a:normAutofit/>
           </a:bodyPr>
           <a:lstStyle>
@@ -4455,7 +4601,7 @@
             </a:lvl9pPr>
           </a:lstStyle>
           <a:p>
-            <a:pPr indent="0" lvl="0" marL="0" rtl="0" algn="r">
+            <a:pPr marL="0" lvl="0" indent="0" algn="r" rtl="0">
               <a:spcBef>
                 <a:spcPts val="0"/>
               </a:spcBef>
@@ -4481,11 +4627,11 @@
 </file>
 
 <file path=ppt/slideLayouts/slideLayout6.xml><?xml version="1.0" encoding="utf-8"?>
-<p:sldLayout xmlns:a="http://schemas.openxmlformats.org/drawingml/2006/main" xmlns:r="http://schemas.openxmlformats.org/officeDocument/2006/relationships" xmlns:mc="http://schemas.openxmlformats.org/markup-compatibility/2006" xmlns:mv="urn:schemas-microsoft-com:mac:vml" xmlns:p="http://schemas.openxmlformats.org/presentationml/2006/main" xmlns:c="http://schemas.openxmlformats.org/drawingml/2006/chart" xmlns:dgm="http://schemas.openxmlformats.org/drawingml/2006/diagram" xmlns:o="urn:schemas-microsoft-com:office:office" xmlns:v="urn:schemas-microsoft-com:vml" xmlns:pvml="urn:schemas-microsoft-com:office:powerpoint" xmlns:com="http://schemas.openxmlformats.org/drawingml/2006/compatibility" xmlns:p14="http://schemas.microsoft.com/office/powerpoint/2010/main" xmlns:p15="http://schemas.microsoft.com/office/powerpoint/2012/main" xmlns:ahyp="http://schemas.microsoft.com/office/drawing/2018/hyperlinkcolor" matchingName="One column text">
+<p:sldLayout xmlns:a="http://schemas.openxmlformats.org/drawingml/2006/main" xmlns:r="http://schemas.openxmlformats.org/officeDocument/2006/relationships" xmlns:p="http://schemas.openxmlformats.org/presentationml/2006/main" matchingName="One column text">
   <p:cSld name="ONE_COLUMN_TEXT">
     <p:spTree>
       <p:nvGrpSpPr>
-        <p:cNvPr id="33" name="Shape 33"/>
+        <p:cNvPr id="1" name="Shape 33"/>
         <p:cNvGrpSpPr/>
         <p:nvPr/>
       </p:nvGrpSpPr>
@@ -4500,7 +4646,9 @@
       <p:sp>
         <p:nvSpPr>
           <p:cNvPr id="34" name="Google Shape;34;p7"/>
-          <p:cNvSpPr txBox="1"/>
+          <p:cNvSpPr txBox="1">
+            <a:spLocks noGrp="1"/>
+          </p:cNvSpPr>
           <p:nvPr>
             <p:ph type="title"/>
           </p:nvPr>
@@ -4515,7 +4663,7 @@
           </a:prstGeom>
         </p:spPr>
         <p:txBody>
-          <a:bodyPr anchorCtr="0" anchor="b" bIns="91425" lIns="91425" spcFirstLastPara="1" rIns="91425" wrap="square" tIns="91425">
+          <a:bodyPr spcFirstLastPara="1" wrap="square" lIns="91425" tIns="91425" rIns="91425" bIns="91425" anchor="b" anchorCtr="0">
             <a:normAutofit/>
           </a:bodyPr>
           <a:lstStyle>
@@ -4619,15 +4767,19 @@
               <a:defRPr sz="3000"/>
             </a:lvl9pPr>
           </a:lstStyle>
-          <a:p/>
+          <a:p>
+            <a:endParaRPr/>
+          </a:p>
         </p:txBody>
       </p:sp>
       <p:sp>
         <p:nvSpPr>
           <p:cNvPr id="35" name="Google Shape;35;p7"/>
-          <p:cNvSpPr txBox="1"/>
+          <p:cNvSpPr txBox="1">
+            <a:spLocks noGrp="1"/>
+          </p:cNvSpPr>
           <p:nvPr>
-            <p:ph idx="1" type="body"/>
+            <p:ph type="body" idx="1"/>
           </p:nvPr>
         </p:nvSpPr>
         <p:spPr>
@@ -4640,11 +4792,11 @@
           </a:prstGeom>
         </p:spPr>
         <p:txBody>
-          <a:bodyPr anchorCtr="0" anchor="t" bIns="91425" lIns="91425" spcFirstLastPara="1" rIns="91425" wrap="square" tIns="91425">
+          <a:bodyPr spcFirstLastPara="1" wrap="square" lIns="91425" tIns="91425" rIns="91425" bIns="91425" anchor="t" anchorCtr="0">
             <a:normAutofit/>
           </a:bodyPr>
           <a:lstStyle>
-            <a:lvl1pPr indent="-304800" lvl="0" marL="457200">
+            <a:lvl1pPr marL="457200" lvl="0" indent="-304800">
               <a:spcBef>
                 <a:spcPts val="0"/>
               </a:spcBef>
@@ -4655,7 +4807,7 @@
               <a:buChar char="●"/>
               <a:defRPr sz="1200"/>
             </a:lvl1pPr>
-            <a:lvl2pPr indent="-304800" lvl="1" marL="914400">
+            <a:lvl2pPr marL="914400" lvl="1" indent="-304800">
               <a:spcBef>
                 <a:spcPts val="0"/>
               </a:spcBef>
@@ -4666,7 +4818,7 @@
               <a:buChar char="○"/>
               <a:defRPr sz="1200"/>
             </a:lvl2pPr>
-            <a:lvl3pPr indent="-304800" lvl="2" marL="1371600">
+            <a:lvl3pPr marL="1371600" lvl="2" indent="-304800">
               <a:spcBef>
                 <a:spcPts val="0"/>
               </a:spcBef>
@@ -4677,7 +4829,7 @@
               <a:buChar char="■"/>
               <a:defRPr sz="1200"/>
             </a:lvl3pPr>
-            <a:lvl4pPr indent="-304800" lvl="3" marL="1828800">
+            <a:lvl4pPr marL="1828800" lvl="3" indent="-304800">
               <a:spcBef>
                 <a:spcPts val="0"/>
               </a:spcBef>
@@ -4688,7 +4840,7 @@
               <a:buChar char="●"/>
               <a:defRPr sz="1200"/>
             </a:lvl4pPr>
-            <a:lvl5pPr indent="-304800" lvl="4" marL="2286000">
+            <a:lvl5pPr marL="2286000" lvl="4" indent="-304800">
               <a:spcBef>
                 <a:spcPts val="0"/>
               </a:spcBef>
@@ -4699,7 +4851,7 @@
               <a:buChar char="○"/>
               <a:defRPr sz="1200"/>
             </a:lvl5pPr>
-            <a:lvl6pPr indent="-304800" lvl="5" marL="2743200">
+            <a:lvl6pPr marL="2743200" lvl="5" indent="-304800">
               <a:spcBef>
                 <a:spcPts val="0"/>
               </a:spcBef>
@@ -4710,7 +4862,7 @@
               <a:buChar char="■"/>
               <a:defRPr sz="1200"/>
             </a:lvl6pPr>
-            <a:lvl7pPr indent="-304800" lvl="6" marL="3200400">
+            <a:lvl7pPr marL="3200400" lvl="6" indent="-304800">
               <a:spcBef>
                 <a:spcPts val="0"/>
               </a:spcBef>
@@ -4721,7 +4873,7 @@
               <a:buChar char="●"/>
               <a:defRPr sz="1200"/>
             </a:lvl7pPr>
-            <a:lvl8pPr indent="-304800" lvl="7" marL="3657600">
+            <a:lvl8pPr marL="3657600" lvl="7" indent="-304800">
               <a:spcBef>
                 <a:spcPts val="0"/>
               </a:spcBef>
@@ -4732,7 +4884,7 @@
               <a:buChar char="○"/>
               <a:defRPr sz="1200"/>
             </a:lvl8pPr>
-            <a:lvl9pPr indent="-304800" lvl="8" marL="4114800">
+            <a:lvl9pPr marL="4114800" lvl="8" indent="-304800">
               <a:spcBef>
                 <a:spcPts val="0"/>
               </a:spcBef>
@@ -4744,15 +4896,19 @@
               <a:defRPr sz="1200"/>
             </a:lvl9pPr>
           </a:lstStyle>
-          <a:p/>
+          <a:p>
+            <a:endParaRPr/>
+          </a:p>
         </p:txBody>
       </p:sp>
       <p:sp>
         <p:nvSpPr>
           <p:cNvPr id="36" name="Google Shape;36;p7"/>
-          <p:cNvSpPr txBox="1"/>
+          <p:cNvSpPr txBox="1">
+            <a:spLocks noGrp="1"/>
+          </p:cNvSpPr>
           <p:nvPr>
-            <p:ph idx="12" type="sldNum"/>
+            <p:ph type="sldNum" idx="12"/>
           </p:nvPr>
         </p:nvSpPr>
         <p:spPr>
@@ -4765,7 +4921,7 @@
           </a:prstGeom>
         </p:spPr>
         <p:txBody>
-          <a:bodyPr anchorCtr="0" anchor="ctr" bIns="91425" lIns="91425" spcFirstLastPara="1" rIns="91425" wrap="square" tIns="91425">
+          <a:bodyPr spcFirstLastPara="1" wrap="square" lIns="91425" tIns="91425" rIns="91425" bIns="91425" anchor="ctr" anchorCtr="0">
             <a:normAutofit/>
           </a:bodyPr>
           <a:lstStyle>
@@ -4807,7 +4963,7 @@
             </a:lvl9pPr>
           </a:lstStyle>
           <a:p>
-            <a:pPr indent="0" lvl="0" marL="0" rtl="0" algn="r">
+            <a:pPr marL="0" lvl="0" indent="0" algn="r" rtl="0">
               <a:spcBef>
                 <a:spcPts val="0"/>
               </a:spcBef>
@@ -4833,11 +4989,11 @@
 </file>
 
 <file path=ppt/slideLayouts/slideLayout7.xml><?xml version="1.0" encoding="utf-8"?>
-<p:sldLayout xmlns:a="http://schemas.openxmlformats.org/drawingml/2006/main" xmlns:r="http://schemas.openxmlformats.org/officeDocument/2006/relationships" xmlns:mc="http://schemas.openxmlformats.org/markup-compatibility/2006" xmlns:mv="urn:schemas-microsoft-com:mac:vml" xmlns:p="http://schemas.openxmlformats.org/presentationml/2006/main" xmlns:c="http://schemas.openxmlformats.org/drawingml/2006/chart" xmlns:dgm="http://schemas.openxmlformats.org/drawingml/2006/diagram" xmlns:o="urn:schemas-microsoft-com:office:office" xmlns:v="urn:schemas-microsoft-com:vml" xmlns:pvml="urn:schemas-microsoft-com:office:powerpoint" xmlns:com="http://schemas.openxmlformats.org/drawingml/2006/compatibility" xmlns:p14="http://schemas.microsoft.com/office/powerpoint/2010/main" xmlns:p15="http://schemas.microsoft.com/office/powerpoint/2012/main" xmlns:ahyp="http://schemas.microsoft.com/office/drawing/2018/hyperlinkcolor" matchingName="Main point">
+<p:sldLayout xmlns:a="http://schemas.openxmlformats.org/drawingml/2006/main" xmlns:r="http://schemas.openxmlformats.org/officeDocument/2006/relationships" xmlns:p="http://schemas.openxmlformats.org/presentationml/2006/main" matchingName="Main point">
   <p:cSld name="MAIN_POINT">
     <p:spTree>
       <p:nvGrpSpPr>
-        <p:cNvPr id="37" name="Shape 37"/>
+        <p:cNvPr id="1" name="Shape 37"/>
         <p:cNvGrpSpPr/>
         <p:nvPr/>
       </p:nvGrpSpPr>
@@ -4871,12 +5027,12 @@
           </a:ln>
         </p:spPr>
         <p:txBody>
-          <a:bodyPr anchorCtr="0" anchor="ctr" bIns="91425" lIns="91425" spcFirstLastPara="1" rIns="91425" wrap="square" tIns="91425">
+          <a:bodyPr spcFirstLastPara="1" wrap="square" lIns="91425" tIns="91425" rIns="91425" bIns="91425" anchor="ctr" anchorCtr="0">
             <a:noAutofit/>
           </a:bodyPr>
           <a:lstStyle/>
           <a:p>
-            <a:pPr indent="0" lvl="0" marL="0" rtl="0" algn="l">
+            <a:pPr marL="0" lvl="0" indent="0" algn="l" rtl="0">
               <a:spcBef>
                 <a:spcPts val="0"/>
               </a:spcBef>
@@ -4885,9 +5041,6 @@
               </a:spcAft>
               <a:buNone/>
             </a:pPr>
-            <a:r>
-              <a:t/>
-            </a:r>
             <a:endParaRPr/>
           </a:p>
         </p:txBody>
@@ -4895,7 +5048,9 @@
       <p:sp>
         <p:nvSpPr>
           <p:cNvPr id="39" name="Google Shape;39;p8"/>
-          <p:cNvSpPr txBox="1"/>
+          <p:cNvSpPr txBox="1">
+            <a:spLocks noGrp="1"/>
+          </p:cNvSpPr>
           <p:nvPr>
             <p:ph type="title"/>
           </p:nvPr>
@@ -4910,7 +5065,7 @@
           </a:prstGeom>
         </p:spPr>
         <p:txBody>
-          <a:bodyPr anchorCtr="0" anchor="ctr" bIns="91425" lIns="91425" spcFirstLastPara="1" rIns="91425" wrap="square" tIns="91425">
+          <a:bodyPr spcFirstLastPara="1" wrap="square" lIns="91425" tIns="91425" rIns="91425" bIns="91425" anchor="ctr" anchorCtr="0">
             <a:normAutofit/>
           </a:bodyPr>
           <a:lstStyle>
@@ -5014,15 +5169,19 @@
               <a:defRPr sz="4800"/>
             </a:lvl9pPr>
           </a:lstStyle>
-          <a:p/>
+          <a:p>
+            <a:endParaRPr/>
+          </a:p>
         </p:txBody>
       </p:sp>
       <p:sp>
         <p:nvSpPr>
           <p:cNvPr id="40" name="Google Shape;40;p8"/>
-          <p:cNvSpPr txBox="1"/>
+          <p:cNvSpPr txBox="1">
+            <a:spLocks noGrp="1"/>
+          </p:cNvSpPr>
           <p:nvPr>
-            <p:ph idx="12" type="sldNum"/>
+            <p:ph type="sldNum" idx="12"/>
           </p:nvPr>
         </p:nvSpPr>
         <p:spPr>
@@ -5035,7 +5194,7 @@
           </a:prstGeom>
         </p:spPr>
         <p:txBody>
-          <a:bodyPr anchorCtr="0" anchor="ctr" bIns="91425" lIns="91425" spcFirstLastPara="1" rIns="91425" wrap="square" tIns="91425">
+          <a:bodyPr spcFirstLastPara="1" wrap="square" lIns="91425" tIns="91425" rIns="91425" bIns="91425" anchor="ctr" anchorCtr="0">
             <a:normAutofit/>
           </a:bodyPr>
           <a:lstStyle>
@@ -5077,7 +5236,7 @@
             </a:lvl9pPr>
           </a:lstStyle>
           <a:p>
-            <a:pPr indent="0" lvl="0" marL="0" rtl="0" algn="r">
+            <a:pPr marL="0" lvl="0" indent="0" algn="r" rtl="0">
               <a:spcBef>
                 <a:spcPts val="0"/>
               </a:spcBef>
@@ -5103,11 +5262,11 @@
 </file>
 
 <file path=ppt/slideLayouts/slideLayout8.xml><?xml version="1.0" encoding="utf-8"?>
-<p:sldLayout xmlns:a="http://schemas.openxmlformats.org/drawingml/2006/main" xmlns:r="http://schemas.openxmlformats.org/officeDocument/2006/relationships" xmlns:mc="http://schemas.openxmlformats.org/markup-compatibility/2006" xmlns:mv="urn:schemas-microsoft-com:mac:vml" xmlns:p="http://schemas.openxmlformats.org/presentationml/2006/main" xmlns:c="http://schemas.openxmlformats.org/drawingml/2006/chart" xmlns:dgm="http://schemas.openxmlformats.org/drawingml/2006/diagram" xmlns:o="urn:schemas-microsoft-com:office:office" xmlns:v="urn:schemas-microsoft-com:vml" xmlns:pvml="urn:schemas-microsoft-com:office:powerpoint" xmlns:com="http://schemas.openxmlformats.org/drawingml/2006/compatibility" xmlns:p14="http://schemas.microsoft.com/office/powerpoint/2010/main" xmlns:p15="http://schemas.microsoft.com/office/powerpoint/2012/main" xmlns:ahyp="http://schemas.microsoft.com/office/drawing/2018/hyperlinkcolor" matchingName="Section title and description">
+<p:sldLayout xmlns:a="http://schemas.openxmlformats.org/drawingml/2006/main" xmlns:r="http://schemas.openxmlformats.org/officeDocument/2006/relationships" xmlns:p="http://schemas.openxmlformats.org/presentationml/2006/main" matchingName="Section title and description">
   <p:cSld name="SECTION_TITLE_AND_DESCRIPTION">
     <p:spTree>
       <p:nvGrpSpPr>
-        <p:cNvPr id="41" name="Shape 41"/>
+        <p:cNvPr id="1" name="Shape 41"/>
         <p:cNvGrpSpPr/>
         <p:nvPr/>
       </p:nvGrpSpPr>
@@ -5141,12 +5300,12 @@
           </a:ln>
         </p:spPr>
         <p:txBody>
-          <a:bodyPr anchorCtr="0" anchor="ctr" bIns="91425" lIns="91425" spcFirstLastPara="1" rIns="91425" wrap="square" tIns="91425">
+          <a:bodyPr spcFirstLastPara="1" wrap="square" lIns="91425" tIns="91425" rIns="91425" bIns="91425" anchor="ctr" anchorCtr="0">
             <a:noAutofit/>
           </a:bodyPr>
           <a:lstStyle/>
           <a:p>
-            <a:pPr indent="0" lvl="0" marL="0" rtl="0" algn="l">
+            <a:pPr marL="0" lvl="0" indent="0" algn="l" rtl="0">
               <a:spcBef>
                 <a:spcPts val="0"/>
               </a:spcBef>
@@ -5155,9 +5314,6 @@
               </a:spcAft>
               <a:buNone/>
             </a:pPr>
-            <a:r>
-              <a:t/>
-            </a:r>
             <a:endParaRPr/>
           </a:p>
         </p:txBody>
@@ -5177,21 +5333,23 @@
             <a:avLst/>
           </a:prstGeom>
           <a:noFill/>
-          <a:ln cap="flat" cmpd="sng" w="19050">
+          <a:ln w="19050" cap="flat" cmpd="sng">
             <a:solidFill>
               <a:schemeClr val="lt1"/>
             </a:solidFill>
             <a:prstDash val="solid"/>
             <a:round/>
-            <a:headEnd len="sm" w="sm" type="none"/>
-            <a:tailEnd len="sm" w="sm" type="none"/>
+            <a:headEnd type="none" w="sm" len="sm"/>
+            <a:tailEnd type="none" w="sm" len="sm"/>
           </a:ln>
         </p:spPr>
       </p:cxnSp>
       <p:sp>
         <p:nvSpPr>
           <p:cNvPr id="44" name="Google Shape;44;p9"/>
-          <p:cNvSpPr txBox="1"/>
+          <p:cNvSpPr txBox="1">
+            <a:spLocks noGrp="1"/>
+          </p:cNvSpPr>
           <p:nvPr>
             <p:ph type="title"/>
           </p:nvPr>
@@ -5206,7 +5364,7 @@
           </a:prstGeom>
         </p:spPr>
         <p:txBody>
-          <a:bodyPr anchorCtr="0" anchor="b" bIns="91425" lIns="91425" spcFirstLastPara="1" rIns="91425" wrap="square" tIns="91425">
+          <a:bodyPr spcFirstLastPara="1" wrap="square" lIns="91425" tIns="91425" rIns="91425" bIns="91425" anchor="b" anchorCtr="0">
             <a:normAutofit/>
           </a:bodyPr>
           <a:lstStyle>
@@ -5373,15 +5531,19 @@
               </a:defRPr>
             </a:lvl9pPr>
           </a:lstStyle>
-          <a:p/>
+          <a:p>
+            <a:endParaRPr/>
+          </a:p>
         </p:txBody>
       </p:sp>
       <p:sp>
         <p:nvSpPr>
           <p:cNvPr id="45" name="Google Shape;45;p9"/>
-          <p:cNvSpPr txBox="1"/>
+          <p:cNvSpPr txBox="1">
+            <a:spLocks noGrp="1"/>
+          </p:cNvSpPr>
           <p:nvPr>
-            <p:ph idx="1" type="subTitle"/>
+            <p:ph type="subTitle" idx="1"/>
           </p:nvPr>
         </p:nvSpPr>
         <p:spPr>
@@ -5394,7 +5556,7 @@
           </a:prstGeom>
         </p:spPr>
         <p:txBody>
-          <a:bodyPr anchorCtr="0" anchor="t" bIns="91425" lIns="91425" spcFirstLastPara="1" rIns="91425" wrap="square" tIns="91425">
+          <a:bodyPr spcFirstLastPara="1" wrap="square" lIns="91425" tIns="91425" rIns="91425" bIns="91425" anchor="t" anchorCtr="0">
             <a:normAutofit/>
           </a:bodyPr>
           <a:lstStyle>
@@ -5579,15 +5741,19 @@
               </a:defRPr>
             </a:lvl9pPr>
           </a:lstStyle>
-          <a:p/>
+          <a:p>
+            <a:endParaRPr/>
+          </a:p>
         </p:txBody>
       </p:sp>
       <p:sp>
         <p:nvSpPr>
           <p:cNvPr id="46" name="Google Shape;46;p9"/>
-          <p:cNvSpPr txBox="1"/>
+          <p:cNvSpPr txBox="1">
+            <a:spLocks noGrp="1"/>
+          </p:cNvSpPr>
           <p:nvPr>
-            <p:ph idx="2" type="body"/>
+            <p:ph type="body" idx="2"/>
           </p:nvPr>
         </p:nvSpPr>
         <p:spPr>
@@ -5600,11 +5766,11 @@
           </a:prstGeom>
         </p:spPr>
         <p:txBody>
-          <a:bodyPr anchorCtr="0" anchor="ctr" bIns="91425" lIns="91425" spcFirstLastPara="1" rIns="91425" wrap="square" tIns="91425">
+          <a:bodyPr spcFirstLastPara="1" wrap="square" lIns="91425" tIns="91425" rIns="91425" bIns="91425" anchor="ctr" anchorCtr="0">
             <a:normAutofit/>
           </a:bodyPr>
           <a:lstStyle>
-            <a:lvl1pPr indent="-342900" lvl="0" marL="457200">
+            <a:lvl1pPr marL="457200" lvl="0" indent="-342900">
               <a:spcBef>
                 <a:spcPts val="0"/>
               </a:spcBef>
@@ -5622,7 +5788,7 @@
                 </a:solidFill>
               </a:defRPr>
             </a:lvl1pPr>
-            <a:lvl2pPr indent="-317500" lvl="1" marL="914400">
+            <a:lvl2pPr marL="914400" lvl="1" indent="-317500">
               <a:spcBef>
                 <a:spcPts val="0"/>
               </a:spcBef>
@@ -5640,7 +5806,7 @@
                 </a:solidFill>
               </a:defRPr>
             </a:lvl2pPr>
-            <a:lvl3pPr indent="-317500" lvl="2" marL="1371600">
+            <a:lvl3pPr marL="1371600" lvl="2" indent="-317500">
               <a:spcBef>
                 <a:spcPts val="0"/>
               </a:spcBef>
@@ -5658,7 +5824,7 @@
                 </a:solidFill>
               </a:defRPr>
             </a:lvl3pPr>
-            <a:lvl4pPr indent="-317500" lvl="3" marL="1828800">
+            <a:lvl4pPr marL="1828800" lvl="3" indent="-317500">
               <a:spcBef>
                 <a:spcPts val="0"/>
               </a:spcBef>
@@ -5676,7 +5842,7 @@
                 </a:solidFill>
               </a:defRPr>
             </a:lvl4pPr>
-            <a:lvl5pPr indent="-317500" lvl="4" marL="2286000">
+            <a:lvl5pPr marL="2286000" lvl="4" indent="-317500">
               <a:spcBef>
                 <a:spcPts val="0"/>
               </a:spcBef>
@@ -5694,7 +5860,7 @@
                 </a:solidFill>
               </a:defRPr>
             </a:lvl5pPr>
-            <a:lvl6pPr indent="-317500" lvl="5" marL="2743200">
+            <a:lvl6pPr marL="2743200" lvl="5" indent="-317500">
               <a:spcBef>
                 <a:spcPts val="0"/>
               </a:spcBef>
@@ -5712,7 +5878,7 @@
                 </a:solidFill>
               </a:defRPr>
             </a:lvl6pPr>
-            <a:lvl7pPr indent="-317500" lvl="6" marL="3200400">
+            <a:lvl7pPr marL="3200400" lvl="6" indent="-317500">
               <a:spcBef>
                 <a:spcPts val="0"/>
               </a:spcBef>
@@ -5730,7 +5896,7 @@
                 </a:solidFill>
               </a:defRPr>
             </a:lvl7pPr>
-            <a:lvl8pPr indent="-317500" lvl="7" marL="3657600">
+            <a:lvl8pPr marL="3657600" lvl="7" indent="-317500">
               <a:spcBef>
                 <a:spcPts val="0"/>
               </a:spcBef>
@@ -5748,7 +5914,7 @@
                 </a:solidFill>
               </a:defRPr>
             </a:lvl8pPr>
-            <a:lvl9pPr indent="-317500" lvl="8" marL="4114800">
+            <a:lvl9pPr marL="4114800" lvl="8" indent="-317500">
               <a:spcBef>
                 <a:spcPts val="0"/>
               </a:spcBef>
@@ -5767,15 +5933,19 @@
               </a:defRPr>
             </a:lvl9pPr>
           </a:lstStyle>
-          <a:p/>
+          <a:p>
+            <a:endParaRPr/>
+          </a:p>
         </p:txBody>
       </p:sp>
       <p:sp>
         <p:nvSpPr>
           <p:cNvPr id="47" name="Google Shape;47;p9"/>
-          <p:cNvSpPr txBox="1"/>
+          <p:cNvSpPr txBox="1">
+            <a:spLocks noGrp="1"/>
+          </p:cNvSpPr>
           <p:nvPr>
-            <p:ph idx="12" type="sldNum"/>
+            <p:ph type="sldNum" idx="12"/>
           </p:nvPr>
         </p:nvSpPr>
         <p:spPr>
@@ -5788,7 +5958,7 @@
           </a:prstGeom>
         </p:spPr>
         <p:txBody>
-          <a:bodyPr anchorCtr="0" anchor="ctr" bIns="91425" lIns="91425" spcFirstLastPara="1" rIns="91425" wrap="square" tIns="91425">
+          <a:bodyPr spcFirstLastPara="1" wrap="square" lIns="91425" tIns="91425" rIns="91425" bIns="91425" anchor="ctr" anchorCtr="0">
             <a:normAutofit/>
           </a:bodyPr>
           <a:lstStyle>
@@ -5866,7 +6036,7 @@
             </a:lvl9pPr>
           </a:lstStyle>
           <a:p>
-            <a:pPr indent="0" lvl="0" marL="0" rtl="0" algn="r">
+            <a:pPr marL="0" lvl="0" indent="0" algn="r" rtl="0">
               <a:spcBef>
                 <a:spcPts val="0"/>
               </a:spcBef>
@@ -5892,11 +6062,11 @@
 </file>
 
 <file path=ppt/slideLayouts/slideLayout9.xml><?xml version="1.0" encoding="utf-8"?>
-<p:sldLayout xmlns:a="http://schemas.openxmlformats.org/drawingml/2006/main" xmlns:r="http://schemas.openxmlformats.org/officeDocument/2006/relationships" xmlns:mc="http://schemas.openxmlformats.org/markup-compatibility/2006" xmlns:mv="urn:schemas-microsoft-com:mac:vml" xmlns:p="http://schemas.openxmlformats.org/presentationml/2006/main" xmlns:c="http://schemas.openxmlformats.org/drawingml/2006/chart" xmlns:dgm="http://schemas.openxmlformats.org/drawingml/2006/diagram" xmlns:o="urn:schemas-microsoft-com:office:office" xmlns:v="urn:schemas-microsoft-com:vml" xmlns:pvml="urn:schemas-microsoft-com:office:powerpoint" xmlns:com="http://schemas.openxmlformats.org/drawingml/2006/compatibility" xmlns:p14="http://schemas.microsoft.com/office/powerpoint/2010/main" xmlns:p15="http://schemas.microsoft.com/office/powerpoint/2012/main" xmlns:ahyp="http://schemas.microsoft.com/office/drawing/2018/hyperlinkcolor" matchingName="Caption">
+<p:sldLayout xmlns:a="http://schemas.openxmlformats.org/drawingml/2006/main" xmlns:r="http://schemas.openxmlformats.org/officeDocument/2006/relationships" xmlns:p="http://schemas.openxmlformats.org/presentationml/2006/main" matchingName="Caption">
   <p:cSld name="CAPTION_ONLY">
     <p:spTree>
       <p:nvGrpSpPr>
-        <p:cNvPr id="48" name="Shape 48"/>
+        <p:cNvPr id="1" name="Shape 48"/>
         <p:cNvGrpSpPr/>
         <p:nvPr/>
       </p:nvGrpSpPr>
@@ -5911,9 +6081,11 @@
       <p:sp>
         <p:nvSpPr>
           <p:cNvPr id="49" name="Google Shape;49;p10"/>
-          <p:cNvSpPr txBox="1"/>
+          <p:cNvSpPr txBox="1">
+            <a:spLocks noGrp="1"/>
+          </p:cNvSpPr>
           <p:nvPr>
-            <p:ph idx="1" type="body"/>
+            <p:ph type="body" idx="1"/>
           </p:nvPr>
         </p:nvSpPr>
         <p:spPr>
@@ -5926,11 +6098,11 @@
           </a:prstGeom>
         </p:spPr>
         <p:txBody>
-          <a:bodyPr anchorCtr="0" anchor="ctr" bIns="91425" lIns="91425" spcFirstLastPara="1" rIns="91425" wrap="square" tIns="91425">
+          <a:bodyPr spcFirstLastPara="1" wrap="square" lIns="91425" tIns="91425" rIns="91425" bIns="91425" anchor="ctr" anchorCtr="0">
             <a:normAutofit/>
           </a:bodyPr>
           <a:lstStyle>
-            <a:lvl1pPr indent="-228600" lvl="0" marL="457200">
+            <a:lvl1pPr marL="457200" lvl="0" indent="-228600">
               <a:lnSpc>
                 <a:spcPct val="100000"/>
               </a:lnSpc>
@@ -5951,15 +6123,19 @@
               </a:defRPr>
             </a:lvl1pPr>
           </a:lstStyle>
-          <a:p/>
+          <a:p>
+            <a:endParaRPr/>
+          </a:p>
         </p:txBody>
       </p:sp>
       <p:sp>
         <p:nvSpPr>
           <p:cNvPr id="50" name="Google Shape;50;p10"/>
-          <p:cNvSpPr txBox="1"/>
+          <p:cNvSpPr txBox="1">
+            <a:spLocks noGrp="1"/>
+          </p:cNvSpPr>
           <p:nvPr>
-            <p:ph idx="12" type="sldNum"/>
+            <p:ph type="sldNum" idx="12"/>
           </p:nvPr>
         </p:nvSpPr>
         <p:spPr>
@@ -5972,7 +6148,7 @@
           </a:prstGeom>
         </p:spPr>
         <p:txBody>
-          <a:bodyPr anchorCtr="0" anchor="ctr" bIns="91425" lIns="91425" spcFirstLastPara="1" rIns="91425" wrap="square" tIns="91425">
+          <a:bodyPr spcFirstLastPara="1" wrap="square" lIns="91425" tIns="91425" rIns="91425" bIns="91425" anchor="ctr" anchorCtr="0">
             <a:normAutofit/>
           </a:bodyPr>
           <a:lstStyle>
@@ -6014,7 +6190,7 @@
             </a:lvl9pPr>
           </a:lstStyle>
           <a:p>
-            <a:pPr indent="0" lvl="0" marL="0" rtl="0" algn="r">
+            <a:pPr marL="0" lvl="0" indent="0" algn="r" rtl="0">
               <a:spcBef>
                 <a:spcPts val="0"/>
               </a:spcBef>
@@ -6040,18 +6216,19 @@
 </file>
 
 <file path=ppt/slideMasters/slideMaster1.xml><?xml version="1.0" encoding="utf-8"?>
-<p:sldMaster xmlns:a="http://schemas.openxmlformats.org/drawingml/2006/main" xmlns:r="http://schemas.openxmlformats.org/officeDocument/2006/relationships" xmlns:mc="http://schemas.openxmlformats.org/markup-compatibility/2006" xmlns:mv="urn:schemas-microsoft-com:mac:vml" xmlns:p="http://schemas.openxmlformats.org/presentationml/2006/main" xmlns:c="http://schemas.openxmlformats.org/drawingml/2006/chart" xmlns:dgm="http://schemas.openxmlformats.org/drawingml/2006/diagram" xmlns:o="urn:schemas-microsoft-com:office:office" xmlns:v="urn:schemas-microsoft-com:vml" xmlns:pvml="urn:schemas-microsoft-com:office:powerpoint" xmlns:com="http://schemas.openxmlformats.org/drawingml/2006/compatibility" xmlns:p14="http://schemas.microsoft.com/office/powerpoint/2010/main" xmlns:p15="http://schemas.microsoft.com/office/powerpoint/2012/main" xmlns:ahyp="http://schemas.microsoft.com/office/drawing/2018/hyperlinkcolor">
+<p:sldMaster xmlns:a="http://schemas.openxmlformats.org/drawingml/2006/main" xmlns:r="http://schemas.openxmlformats.org/officeDocument/2006/relationships" xmlns:p="http://schemas.openxmlformats.org/presentationml/2006/main">
   <p:cSld name="luxe">
     <p:bg>
       <p:bgPr>
         <a:solidFill>
           <a:schemeClr val="lt1"/>
         </a:solidFill>
+        <a:effectLst/>
       </p:bgPr>
     </p:bg>
     <p:spTree>
       <p:nvGrpSpPr>
-        <p:cNvPr id="5" name="Shape 5"/>
+        <p:cNvPr id="1" name="Shape 5"/>
         <p:cNvGrpSpPr/>
         <p:nvPr/>
       </p:nvGrpSpPr>
@@ -6066,7 +6243,9 @@
       <p:sp>
         <p:nvSpPr>
           <p:cNvPr id="6" name="Google Shape;6;p1"/>
-          <p:cNvSpPr txBox="1"/>
+          <p:cNvSpPr txBox="1">
+            <a:spLocks noGrp="1"/>
+          </p:cNvSpPr>
           <p:nvPr>
             <p:ph type="title"/>
           </p:nvPr>
@@ -6085,7 +6264,7 @@
           </a:ln>
         </p:spPr>
         <p:txBody>
-          <a:bodyPr anchorCtr="0" anchor="b" bIns="91425" lIns="91425" spcFirstLastPara="1" rIns="91425" wrap="square" tIns="91425">
+          <a:bodyPr spcFirstLastPara="1" wrap="square" lIns="91425" tIns="91425" rIns="91425" bIns="91425" anchor="b" anchorCtr="0">
             <a:normAutofit/>
           </a:bodyPr>
           <a:lstStyle>
@@ -6297,15 +6476,19 @@
               </a:defRPr>
             </a:lvl9pPr>
           </a:lstStyle>
-          <a:p/>
+          <a:p>
+            <a:endParaRPr/>
+          </a:p>
         </p:txBody>
       </p:sp>
       <p:sp>
         <p:nvSpPr>
           <p:cNvPr id="7" name="Google Shape;7;p1"/>
-          <p:cNvSpPr txBox="1"/>
+          <p:cNvSpPr txBox="1">
+            <a:spLocks noGrp="1"/>
+          </p:cNvSpPr>
           <p:nvPr>
-            <p:ph idx="1" type="body"/>
+            <p:ph type="body" idx="1"/>
           </p:nvPr>
         </p:nvSpPr>
         <p:spPr>
@@ -6322,11 +6505,11 @@
           </a:ln>
         </p:spPr>
         <p:txBody>
-          <a:bodyPr anchorCtr="0" anchor="t" bIns="91425" lIns="91425" spcFirstLastPara="1" rIns="91425" wrap="square" tIns="91425">
+          <a:bodyPr spcFirstLastPara="1" wrap="square" lIns="91425" tIns="91425" rIns="91425" bIns="91425" anchor="t" anchorCtr="0">
             <a:normAutofit/>
           </a:bodyPr>
           <a:lstStyle>
-            <a:lvl1pPr indent="-342900" lvl="0" marL="457200">
+            <a:lvl1pPr marL="457200" lvl="0" indent="-342900">
               <a:lnSpc>
                 <a:spcPct val="115000"/>
               </a:lnSpc>
@@ -6352,7 +6535,7 @@
                 <a:sym typeface="Open Sans"/>
               </a:defRPr>
             </a:lvl1pPr>
-            <a:lvl2pPr indent="-317500" lvl="1" marL="914400">
+            <a:lvl2pPr marL="914400" lvl="1" indent="-317500">
               <a:lnSpc>
                 <a:spcPct val="115000"/>
               </a:lnSpc>
@@ -6378,7 +6561,7 @@
                 <a:sym typeface="Open Sans"/>
               </a:defRPr>
             </a:lvl2pPr>
-            <a:lvl3pPr indent="-317500" lvl="2" marL="1371600">
+            <a:lvl3pPr marL="1371600" lvl="2" indent="-317500">
               <a:lnSpc>
                 <a:spcPct val="115000"/>
               </a:lnSpc>
@@ -6404,7 +6587,7 @@
                 <a:sym typeface="Open Sans"/>
               </a:defRPr>
             </a:lvl3pPr>
-            <a:lvl4pPr indent="-317500" lvl="3" marL="1828800">
+            <a:lvl4pPr marL="1828800" lvl="3" indent="-317500">
               <a:lnSpc>
                 <a:spcPct val="115000"/>
               </a:lnSpc>
@@ -6430,7 +6613,7 @@
                 <a:sym typeface="Open Sans"/>
               </a:defRPr>
             </a:lvl4pPr>
-            <a:lvl5pPr indent="-317500" lvl="4" marL="2286000">
+            <a:lvl5pPr marL="2286000" lvl="4" indent="-317500">
               <a:lnSpc>
                 <a:spcPct val="115000"/>
               </a:lnSpc>
@@ -6456,7 +6639,7 @@
                 <a:sym typeface="Open Sans"/>
               </a:defRPr>
             </a:lvl5pPr>
-            <a:lvl6pPr indent="-317500" lvl="5" marL="2743200">
+            <a:lvl6pPr marL="2743200" lvl="5" indent="-317500">
               <a:lnSpc>
                 <a:spcPct val="115000"/>
               </a:lnSpc>
@@ -6482,7 +6665,7 @@
                 <a:sym typeface="Open Sans"/>
               </a:defRPr>
             </a:lvl6pPr>
-            <a:lvl7pPr indent="-317500" lvl="6" marL="3200400">
+            <a:lvl7pPr marL="3200400" lvl="6" indent="-317500">
               <a:lnSpc>
                 <a:spcPct val="115000"/>
               </a:lnSpc>
@@ -6508,7 +6691,7 @@
                 <a:sym typeface="Open Sans"/>
               </a:defRPr>
             </a:lvl7pPr>
-            <a:lvl8pPr indent="-317500" lvl="7" marL="3657600">
+            <a:lvl8pPr marL="3657600" lvl="7" indent="-317500">
               <a:lnSpc>
                 <a:spcPct val="115000"/>
               </a:lnSpc>
@@ -6534,7 +6717,7 @@
                 <a:sym typeface="Open Sans"/>
               </a:defRPr>
             </a:lvl8pPr>
-            <a:lvl9pPr indent="-317500" lvl="8" marL="4114800">
+            <a:lvl9pPr marL="4114800" lvl="8" indent="-317500">
               <a:lnSpc>
                 <a:spcPct val="115000"/>
               </a:lnSpc>
@@ -6561,15 +6744,19 @@
               </a:defRPr>
             </a:lvl9pPr>
           </a:lstStyle>
-          <a:p/>
+          <a:p>
+            <a:endParaRPr/>
+          </a:p>
         </p:txBody>
       </p:sp>
       <p:sp>
         <p:nvSpPr>
           <p:cNvPr id="8" name="Google Shape;8;p1"/>
-          <p:cNvSpPr txBox="1"/>
+          <p:cNvSpPr txBox="1">
+            <a:spLocks noGrp="1"/>
+          </p:cNvSpPr>
           <p:nvPr>
-            <p:ph idx="12" type="sldNum"/>
+            <p:ph type="sldNum" idx="12"/>
           </p:nvPr>
         </p:nvSpPr>
         <p:spPr>
@@ -6586,7 +6773,7 @@
           </a:ln>
         </p:spPr>
         <p:txBody>
-          <a:bodyPr anchorCtr="0" anchor="ctr" bIns="91425" lIns="91425" spcFirstLastPara="1" rIns="91425" wrap="square" tIns="91425">
+          <a:bodyPr spcFirstLastPara="1" wrap="square" lIns="91425" tIns="91425" rIns="91425" bIns="91425" anchor="ctr" anchorCtr="0">
             <a:normAutofit/>
           </a:bodyPr>
           <a:lstStyle>
@@ -6700,7 +6887,7 @@
             </a:lvl9pPr>
           </a:lstStyle>
           <a:p>
-            <a:pPr indent="0" lvl="0" marL="0" rtl="0" algn="r">
+            <a:pPr marL="0" lvl="0" indent="0" algn="r" rtl="0">
               <a:spcBef>
                 <a:spcPts val="0"/>
               </a:spcBef>
@@ -6719,7 +6906,7 @@
       </p:sp>
     </p:spTree>
   </p:cSld>
-  <p:clrMap accent1="accent1" accent2="accent2" accent3="accent3" accent4="accent4" accent5="accent5" accent6="accent6" bg1="lt1" bg2="dk2" tx1="dk1" tx2="lt2" folHlink="folHlink" hlink="hlink"/>
+  <p:clrMap bg1="lt1" tx1="dk1" bg2="dk2" tx2="lt2" accent1="accent1" accent2="accent2" accent3="accent3" accent4="accent4" accent5="accent5" accent6="accent6" hlink="hlink" folHlink="folHlink"/>
   <p:sldLayoutIdLst>
     <p:sldLayoutId id="2147483648" r:id="rId1"/>
     <p:sldLayoutId id="2147483649" r:id="rId2"/>
@@ -6733,10 +6920,10 @@
     <p:sldLayoutId id="2147483657" r:id="rId10"/>
     <p:sldLayoutId id="2147483658" r:id="rId11"/>
   </p:sldLayoutIdLst>
-  <p:hf dt="0" ftr="0" hdr="0" sldNum="0"/>
+  <p:hf sldNum="0" hdr="0" ftr="0" dt="0"/>
   <p:txStyles>
     <p:titleStyle>
-      <a:defPPr lvl="0" marR="0" rtl="0" algn="l">
+      <a:defPPr marR="0" lvl="0" algn="l" rtl="0">
         <a:lnSpc>
           <a:spcPct val="100000"/>
         </a:lnSpc>
@@ -6747,7 +6934,7 @@
           <a:spcPts val="0"/>
         </a:spcAft>
       </a:defPPr>
-      <a:lvl1pPr lvl="0" marR="0" rtl="0" algn="l">
+      <a:lvl1pPr marR="0" lvl="0" algn="l" rtl="0">
         <a:lnSpc>
           <a:spcPct val="100000"/>
         </a:lnSpc>
@@ -6761,7 +6948,7 @@
           <a:srgbClr val="000000"/>
         </a:buClr>
         <a:buFont typeface="Arial"/>
-        <a:defRPr b="0" i="0" sz="1400" u="none" cap="none" strike="noStrike">
+        <a:defRPr sz="1400" b="0" i="0" u="none" strike="noStrike" cap="none">
           <a:solidFill>
             <a:srgbClr val="000000"/>
           </a:solidFill>
@@ -6771,7 +6958,7 @@
           <a:sym typeface="Arial"/>
         </a:defRPr>
       </a:lvl1pPr>
-      <a:lvl2pPr lvl="1" marR="0" rtl="0" algn="l">
+      <a:lvl2pPr marR="0" lvl="1" algn="l" rtl="0">
         <a:lnSpc>
           <a:spcPct val="100000"/>
         </a:lnSpc>
@@ -6785,7 +6972,7 @@
           <a:srgbClr val="000000"/>
         </a:buClr>
         <a:buFont typeface="Arial"/>
-        <a:defRPr b="0" i="0" sz="1400" u="none" cap="none" strike="noStrike">
+        <a:defRPr sz="1400" b="0" i="0" u="none" strike="noStrike" cap="none">
           <a:solidFill>
             <a:srgbClr val="000000"/>
           </a:solidFill>
@@ -6795,7 +6982,7 @@
           <a:sym typeface="Arial"/>
         </a:defRPr>
       </a:lvl2pPr>
-      <a:lvl3pPr lvl="2" marR="0" rtl="0" algn="l">
+      <a:lvl3pPr marR="0" lvl="2" algn="l" rtl="0">
         <a:lnSpc>
           <a:spcPct val="100000"/>
         </a:lnSpc>
@@ -6809,7 +6996,7 @@
           <a:srgbClr val="000000"/>
         </a:buClr>
         <a:buFont typeface="Arial"/>
-        <a:defRPr b="0" i="0" sz="1400" u="none" cap="none" strike="noStrike">
+        <a:defRPr sz="1400" b="0" i="0" u="none" strike="noStrike" cap="none">
           <a:solidFill>
             <a:srgbClr val="000000"/>
           </a:solidFill>
@@ -6819,7 +7006,7 @@
           <a:sym typeface="Arial"/>
         </a:defRPr>
       </a:lvl3pPr>
-      <a:lvl4pPr lvl="3" marR="0" rtl="0" algn="l">
+      <a:lvl4pPr marR="0" lvl="3" algn="l" rtl="0">
         <a:lnSpc>
           <a:spcPct val="100000"/>
         </a:lnSpc>
@@ -6833,7 +7020,7 @@
           <a:srgbClr val="000000"/>
         </a:buClr>
         <a:buFont typeface="Arial"/>
-        <a:defRPr b="0" i="0" sz="1400" u="none" cap="none" strike="noStrike">
+        <a:defRPr sz="1400" b="0" i="0" u="none" strike="noStrike" cap="none">
           <a:solidFill>
             <a:srgbClr val="000000"/>
           </a:solidFill>
@@ -6843,7 +7030,7 @@
           <a:sym typeface="Arial"/>
         </a:defRPr>
       </a:lvl4pPr>
-      <a:lvl5pPr lvl="4" marR="0" rtl="0" algn="l">
+      <a:lvl5pPr marR="0" lvl="4" algn="l" rtl="0">
         <a:lnSpc>
           <a:spcPct val="100000"/>
         </a:lnSpc>
@@ -6857,7 +7044,7 @@
           <a:srgbClr val="000000"/>
         </a:buClr>
         <a:buFont typeface="Arial"/>
-        <a:defRPr b="0" i="0" sz="1400" u="none" cap="none" strike="noStrike">
+        <a:defRPr sz="1400" b="0" i="0" u="none" strike="noStrike" cap="none">
           <a:solidFill>
             <a:srgbClr val="000000"/>
           </a:solidFill>
@@ -6867,7 +7054,7 @@
           <a:sym typeface="Arial"/>
         </a:defRPr>
       </a:lvl5pPr>
-      <a:lvl6pPr lvl="5" marR="0" rtl="0" algn="l">
+      <a:lvl6pPr marR="0" lvl="5" algn="l" rtl="0">
         <a:lnSpc>
           <a:spcPct val="100000"/>
         </a:lnSpc>
@@ -6881,7 +7068,7 @@
           <a:srgbClr val="000000"/>
         </a:buClr>
         <a:buFont typeface="Arial"/>
-        <a:defRPr b="0" i="0" sz="1400" u="none" cap="none" strike="noStrike">
+        <a:defRPr sz="1400" b="0" i="0" u="none" strike="noStrike" cap="none">
           <a:solidFill>
             <a:srgbClr val="000000"/>
           </a:solidFill>
@@ -6891,7 +7078,7 @@
           <a:sym typeface="Arial"/>
         </a:defRPr>
       </a:lvl6pPr>
-      <a:lvl7pPr lvl="6" marR="0" rtl="0" algn="l">
+      <a:lvl7pPr marR="0" lvl="6" algn="l" rtl="0">
         <a:lnSpc>
           <a:spcPct val="100000"/>
         </a:lnSpc>
@@ -6905,7 +7092,7 @@
           <a:srgbClr val="000000"/>
         </a:buClr>
         <a:buFont typeface="Arial"/>
-        <a:defRPr b="0" i="0" sz="1400" u="none" cap="none" strike="noStrike">
+        <a:defRPr sz="1400" b="0" i="0" u="none" strike="noStrike" cap="none">
           <a:solidFill>
             <a:srgbClr val="000000"/>
           </a:solidFill>
@@ -6915,7 +7102,7 @@
           <a:sym typeface="Arial"/>
         </a:defRPr>
       </a:lvl7pPr>
-      <a:lvl8pPr lvl="7" marR="0" rtl="0" algn="l">
+      <a:lvl8pPr marR="0" lvl="7" algn="l" rtl="0">
         <a:lnSpc>
           <a:spcPct val="100000"/>
         </a:lnSpc>
@@ -6929,7 +7116,7 @@
           <a:srgbClr val="000000"/>
         </a:buClr>
         <a:buFont typeface="Arial"/>
-        <a:defRPr b="0" i="0" sz="1400" u="none" cap="none" strike="noStrike">
+        <a:defRPr sz="1400" b="0" i="0" u="none" strike="noStrike" cap="none">
           <a:solidFill>
             <a:srgbClr val="000000"/>
           </a:solidFill>
@@ -6939,7 +7126,7 @@
           <a:sym typeface="Arial"/>
         </a:defRPr>
       </a:lvl8pPr>
-      <a:lvl9pPr lvl="8" marR="0" rtl="0" algn="l">
+      <a:lvl9pPr marR="0" lvl="8" algn="l" rtl="0">
         <a:lnSpc>
           <a:spcPct val="100000"/>
         </a:lnSpc>
@@ -6953,7 +7140,7 @@
           <a:srgbClr val="000000"/>
         </a:buClr>
         <a:buFont typeface="Arial"/>
-        <a:defRPr b="0" i="0" sz="1400" u="none" cap="none" strike="noStrike">
+        <a:defRPr sz="1400" b="0" i="0" u="none" strike="noStrike" cap="none">
           <a:solidFill>
             <a:srgbClr val="000000"/>
           </a:solidFill>
@@ -6965,7 +7152,7 @@
       </a:lvl9pPr>
     </p:titleStyle>
     <p:bodyStyle>
-      <a:defPPr lvl="0" marR="0" rtl="0" algn="l">
+      <a:defPPr marR="0" lvl="0" algn="l" rtl="0">
         <a:lnSpc>
           <a:spcPct val="100000"/>
         </a:lnSpc>
@@ -6976,7 +7163,7 @@
           <a:spcPts val="0"/>
         </a:spcAft>
       </a:defPPr>
-      <a:lvl1pPr lvl="0" marR="0" rtl="0" algn="l">
+      <a:lvl1pPr marR="0" lvl="0" algn="l" rtl="0">
         <a:lnSpc>
           <a:spcPct val="100000"/>
         </a:lnSpc>
@@ -6990,7 +7177,7 @@
           <a:srgbClr val="000000"/>
         </a:buClr>
         <a:buFont typeface="Arial"/>
-        <a:defRPr b="0" i="0" sz="1400" u="none" cap="none" strike="noStrike">
+        <a:defRPr sz="1400" b="0" i="0" u="none" strike="noStrike" cap="none">
           <a:solidFill>
             <a:srgbClr val="000000"/>
           </a:solidFill>
@@ -7000,7 +7187,7 @@
           <a:sym typeface="Arial"/>
         </a:defRPr>
       </a:lvl1pPr>
-      <a:lvl2pPr lvl="1" marR="0" rtl="0" algn="l">
+      <a:lvl2pPr marR="0" lvl="1" algn="l" rtl="0">
         <a:lnSpc>
           <a:spcPct val="100000"/>
         </a:lnSpc>
@@ -7014,7 +7201,7 @@
           <a:srgbClr val="000000"/>
         </a:buClr>
         <a:buFont typeface="Arial"/>
-        <a:defRPr b="0" i="0" sz="1400" u="none" cap="none" strike="noStrike">
+        <a:defRPr sz="1400" b="0" i="0" u="none" strike="noStrike" cap="none">
           <a:solidFill>
             <a:srgbClr val="000000"/>
           </a:solidFill>
@@ -7024,7 +7211,7 @@
           <a:sym typeface="Arial"/>
         </a:defRPr>
       </a:lvl2pPr>
-      <a:lvl3pPr lvl="2" marR="0" rtl="0" algn="l">
+      <a:lvl3pPr marR="0" lvl="2" algn="l" rtl="0">
         <a:lnSpc>
           <a:spcPct val="100000"/>
         </a:lnSpc>
@@ -7038,7 +7225,7 @@
           <a:srgbClr val="000000"/>
         </a:buClr>
         <a:buFont typeface="Arial"/>
-        <a:defRPr b="0" i="0" sz="1400" u="none" cap="none" strike="noStrike">
+        <a:defRPr sz="1400" b="0" i="0" u="none" strike="noStrike" cap="none">
           <a:solidFill>
             <a:srgbClr val="000000"/>
           </a:solidFill>
@@ -7048,7 +7235,7 @@
           <a:sym typeface="Arial"/>
         </a:defRPr>
       </a:lvl3pPr>
-      <a:lvl4pPr lvl="3" marR="0" rtl="0" algn="l">
+      <a:lvl4pPr marR="0" lvl="3" algn="l" rtl="0">
         <a:lnSpc>
           <a:spcPct val="100000"/>
         </a:lnSpc>
@@ -7062,7 +7249,7 @@
           <a:srgbClr val="000000"/>
         </a:buClr>
         <a:buFont typeface="Arial"/>
-        <a:defRPr b="0" i="0" sz="1400" u="none" cap="none" strike="noStrike">
+        <a:defRPr sz="1400" b="0" i="0" u="none" strike="noStrike" cap="none">
           <a:solidFill>
             <a:srgbClr val="000000"/>
           </a:solidFill>
@@ -7072,7 +7259,7 @@
           <a:sym typeface="Arial"/>
         </a:defRPr>
       </a:lvl4pPr>
-      <a:lvl5pPr lvl="4" marR="0" rtl="0" algn="l">
+      <a:lvl5pPr marR="0" lvl="4" algn="l" rtl="0">
         <a:lnSpc>
           <a:spcPct val="100000"/>
         </a:lnSpc>
@@ -7086,7 +7273,7 @@
           <a:srgbClr val="000000"/>
         </a:buClr>
         <a:buFont typeface="Arial"/>
-        <a:defRPr b="0" i="0" sz="1400" u="none" cap="none" strike="noStrike">
+        <a:defRPr sz="1400" b="0" i="0" u="none" strike="noStrike" cap="none">
           <a:solidFill>
             <a:srgbClr val="000000"/>
           </a:solidFill>
@@ -7096,7 +7283,7 @@
           <a:sym typeface="Arial"/>
         </a:defRPr>
       </a:lvl5pPr>
-      <a:lvl6pPr lvl="5" marR="0" rtl="0" algn="l">
+      <a:lvl6pPr marR="0" lvl="5" algn="l" rtl="0">
         <a:lnSpc>
           <a:spcPct val="100000"/>
         </a:lnSpc>
@@ -7110,7 +7297,7 @@
           <a:srgbClr val="000000"/>
         </a:buClr>
         <a:buFont typeface="Arial"/>
-        <a:defRPr b="0" i="0" sz="1400" u="none" cap="none" strike="noStrike">
+        <a:defRPr sz="1400" b="0" i="0" u="none" strike="noStrike" cap="none">
           <a:solidFill>
             <a:srgbClr val="000000"/>
           </a:solidFill>
@@ -7120,7 +7307,7 @@
           <a:sym typeface="Arial"/>
         </a:defRPr>
       </a:lvl6pPr>
-      <a:lvl7pPr lvl="6" marR="0" rtl="0" algn="l">
+      <a:lvl7pPr marR="0" lvl="6" algn="l" rtl="0">
         <a:lnSpc>
           <a:spcPct val="100000"/>
         </a:lnSpc>
@@ -7134,7 +7321,7 @@
           <a:srgbClr val="000000"/>
         </a:buClr>
         <a:buFont typeface="Arial"/>
-        <a:defRPr b="0" i="0" sz="1400" u="none" cap="none" strike="noStrike">
+        <a:defRPr sz="1400" b="0" i="0" u="none" strike="noStrike" cap="none">
           <a:solidFill>
             <a:srgbClr val="000000"/>
           </a:solidFill>
@@ -7144,7 +7331,7 @@
           <a:sym typeface="Arial"/>
         </a:defRPr>
       </a:lvl7pPr>
-      <a:lvl8pPr lvl="7" marR="0" rtl="0" algn="l">
+      <a:lvl8pPr marR="0" lvl="7" algn="l" rtl="0">
         <a:lnSpc>
           <a:spcPct val="100000"/>
         </a:lnSpc>
@@ -7158,7 +7345,7 @@
           <a:srgbClr val="000000"/>
         </a:buClr>
         <a:buFont typeface="Arial"/>
-        <a:defRPr b="0" i="0" sz="1400" u="none" cap="none" strike="noStrike">
+        <a:defRPr sz="1400" b="0" i="0" u="none" strike="noStrike" cap="none">
           <a:solidFill>
             <a:srgbClr val="000000"/>
           </a:solidFill>
@@ -7168,7 +7355,7 @@
           <a:sym typeface="Arial"/>
         </a:defRPr>
       </a:lvl8pPr>
-      <a:lvl9pPr lvl="8" marR="0" rtl="0" algn="l">
+      <a:lvl9pPr marR="0" lvl="8" algn="l" rtl="0">
         <a:lnSpc>
           <a:spcPct val="100000"/>
         </a:lnSpc>
@@ -7182,7 +7369,7 @@
           <a:srgbClr val="000000"/>
         </a:buClr>
         <a:buFont typeface="Arial"/>
-        <a:defRPr b="0" i="0" sz="1400" u="none" cap="none" strike="noStrike">
+        <a:defRPr sz="1400" b="0" i="0" u="none" strike="noStrike" cap="none">
           <a:solidFill>
             <a:srgbClr val="000000"/>
           </a:solidFill>
@@ -7194,7 +7381,7 @@
       </a:lvl9pPr>
     </p:bodyStyle>
     <p:otherStyle>
-      <a:defPPr lvl="0" marR="0" rtl="0" algn="l">
+      <a:defPPr marR="0" lvl="0" algn="l" rtl="0">
         <a:lnSpc>
           <a:spcPct val="100000"/>
         </a:lnSpc>
@@ -7205,7 +7392,7 @@
           <a:spcPts val="0"/>
         </a:spcAft>
       </a:defPPr>
-      <a:lvl1pPr lvl="0" marR="0" rtl="0" algn="l">
+      <a:lvl1pPr marR="0" lvl="0" algn="l" rtl="0">
         <a:lnSpc>
           <a:spcPct val="100000"/>
         </a:lnSpc>
@@ -7219,7 +7406,7 @@
           <a:srgbClr val="000000"/>
         </a:buClr>
         <a:buFont typeface="Arial"/>
-        <a:defRPr b="0" i="0" sz="1400" u="none" cap="none" strike="noStrike">
+        <a:defRPr sz="1400" b="0" i="0" u="none" strike="noStrike" cap="none">
           <a:solidFill>
             <a:srgbClr val="000000"/>
           </a:solidFill>
@@ -7229,7 +7416,7 @@
           <a:sym typeface="Arial"/>
         </a:defRPr>
       </a:lvl1pPr>
-      <a:lvl2pPr lvl="1" marR="0" rtl="0" algn="l">
+      <a:lvl2pPr marR="0" lvl="1" algn="l" rtl="0">
         <a:lnSpc>
           <a:spcPct val="100000"/>
         </a:lnSpc>
@@ -7243,7 +7430,7 @@
           <a:srgbClr val="000000"/>
         </a:buClr>
         <a:buFont typeface="Arial"/>
-        <a:defRPr b="0" i="0" sz="1400" u="none" cap="none" strike="noStrike">
+        <a:defRPr sz="1400" b="0" i="0" u="none" strike="noStrike" cap="none">
           <a:solidFill>
             <a:srgbClr val="000000"/>
           </a:solidFill>
@@ -7253,7 +7440,7 @@
           <a:sym typeface="Arial"/>
         </a:defRPr>
       </a:lvl2pPr>
-      <a:lvl3pPr lvl="2" marR="0" rtl="0" algn="l">
+      <a:lvl3pPr marR="0" lvl="2" algn="l" rtl="0">
         <a:lnSpc>
           <a:spcPct val="100000"/>
         </a:lnSpc>
@@ -7267,7 +7454,7 @@
           <a:srgbClr val="000000"/>
         </a:buClr>
         <a:buFont typeface="Arial"/>
-        <a:defRPr b="0" i="0" sz="1400" u="none" cap="none" strike="noStrike">
+        <a:defRPr sz="1400" b="0" i="0" u="none" strike="noStrike" cap="none">
           <a:solidFill>
             <a:srgbClr val="000000"/>
           </a:solidFill>
@@ -7277,7 +7464,7 @@
           <a:sym typeface="Arial"/>
         </a:defRPr>
       </a:lvl3pPr>
-      <a:lvl4pPr lvl="3" marR="0" rtl="0" algn="l">
+      <a:lvl4pPr marR="0" lvl="3" algn="l" rtl="0">
         <a:lnSpc>
           <a:spcPct val="100000"/>
         </a:lnSpc>
@@ -7291,7 +7478,7 @@
           <a:srgbClr val="000000"/>
         </a:buClr>
         <a:buFont typeface="Arial"/>
-        <a:defRPr b="0" i="0" sz="1400" u="none" cap="none" strike="noStrike">
+        <a:defRPr sz="1400" b="0" i="0" u="none" strike="noStrike" cap="none">
           <a:solidFill>
             <a:srgbClr val="000000"/>
           </a:solidFill>
@@ -7301,7 +7488,7 @@
           <a:sym typeface="Arial"/>
         </a:defRPr>
       </a:lvl4pPr>
-      <a:lvl5pPr lvl="4" marR="0" rtl="0" algn="l">
+      <a:lvl5pPr marR="0" lvl="4" algn="l" rtl="0">
         <a:lnSpc>
           <a:spcPct val="100000"/>
         </a:lnSpc>
@@ -7315,7 +7502,7 @@
           <a:srgbClr val="000000"/>
         </a:buClr>
         <a:buFont typeface="Arial"/>
-        <a:defRPr b="0" i="0" sz="1400" u="none" cap="none" strike="noStrike">
+        <a:defRPr sz="1400" b="0" i="0" u="none" strike="noStrike" cap="none">
           <a:solidFill>
             <a:srgbClr val="000000"/>
           </a:solidFill>
@@ -7325,7 +7512,7 @@
           <a:sym typeface="Arial"/>
         </a:defRPr>
       </a:lvl5pPr>
-      <a:lvl6pPr lvl="5" marR="0" rtl="0" algn="l">
+      <a:lvl6pPr marR="0" lvl="5" algn="l" rtl="0">
         <a:lnSpc>
           <a:spcPct val="100000"/>
         </a:lnSpc>
@@ -7339,7 +7526,7 @@
           <a:srgbClr val="000000"/>
         </a:buClr>
         <a:buFont typeface="Arial"/>
-        <a:defRPr b="0" i="0" sz="1400" u="none" cap="none" strike="noStrike">
+        <a:defRPr sz="1400" b="0" i="0" u="none" strike="noStrike" cap="none">
           <a:solidFill>
             <a:srgbClr val="000000"/>
           </a:solidFill>
@@ -7349,7 +7536,7 @@
           <a:sym typeface="Arial"/>
         </a:defRPr>
       </a:lvl6pPr>
-      <a:lvl7pPr lvl="6" marR="0" rtl="0" algn="l">
+      <a:lvl7pPr marR="0" lvl="6" algn="l" rtl="0">
         <a:lnSpc>
           <a:spcPct val="100000"/>
         </a:lnSpc>
@@ -7363,7 +7550,7 @@
           <a:srgbClr val="000000"/>
         </a:buClr>
         <a:buFont typeface="Arial"/>
-        <a:defRPr b="0" i="0" sz="1400" u="none" cap="none" strike="noStrike">
+        <a:defRPr sz="1400" b="0" i="0" u="none" strike="noStrike" cap="none">
           <a:solidFill>
             <a:srgbClr val="000000"/>
           </a:solidFill>
@@ -7373,7 +7560,7 @@
           <a:sym typeface="Arial"/>
         </a:defRPr>
       </a:lvl7pPr>
-      <a:lvl8pPr lvl="7" marR="0" rtl="0" algn="l">
+      <a:lvl8pPr marR="0" lvl="7" algn="l" rtl="0">
         <a:lnSpc>
           <a:spcPct val="100000"/>
         </a:lnSpc>
@@ -7387,7 +7574,7 @@
           <a:srgbClr val="000000"/>
         </a:buClr>
         <a:buFont typeface="Arial"/>
-        <a:defRPr b="0" i="0" sz="1400" u="none" cap="none" strike="noStrike">
+        <a:defRPr sz="1400" b="0" i="0" u="none" strike="noStrike" cap="none">
           <a:solidFill>
             <a:srgbClr val="000000"/>
           </a:solidFill>
@@ -7397,7 +7584,7 @@
           <a:sym typeface="Arial"/>
         </a:defRPr>
       </a:lvl8pPr>
-      <a:lvl9pPr lvl="8" marR="0" rtl="0" algn="l">
+      <a:lvl9pPr marR="0" lvl="8" algn="l" rtl="0">
         <a:lnSpc>
           <a:spcPct val="100000"/>
         </a:lnSpc>
@@ -7411,7 +7598,7 @@
           <a:srgbClr val="000000"/>
         </a:buClr>
         <a:buFont typeface="Arial"/>
-        <a:defRPr b="0" i="0" sz="1400" u="none" cap="none" strike="noStrike">
+        <a:defRPr sz="1400" b="0" i="0" u="none" strike="noStrike" cap="none">
           <a:solidFill>
             <a:srgbClr val="000000"/>
           </a:solidFill>
@@ -7427,11 +7614,11 @@
 </file>
 
 <file path=ppt/slides/slide1.xml><?xml version="1.0" encoding="utf-8"?>
-<p:sld xmlns:a="http://schemas.openxmlformats.org/drawingml/2006/main" xmlns:r="http://schemas.openxmlformats.org/officeDocument/2006/relationships" xmlns:mc="http://schemas.openxmlformats.org/markup-compatibility/2006" xmlns:mv="urn:schemas-microsoft-com:mac:vml" xmlns:p="http://schemas.openxmlformats.org/presentationml/2006/main" xmlns:c="http://schemas.openxmlformats.org/drawingml/2006/chart" xmlns:dgm="http://schemas.openxmlformats.org/drawingml/2006/diagram" xmlns:o="urn:schemas-microsoft-com:office:office" xmlns:v="urn:schemas-microsoft-com:vml" xmlns:pvml="urn:schemas-microsoft-com:office:powerpoint" xmlns:com="http://schemas.openxmlformats.org/drawingml/2006/compatibility" xmlns:p14="http://schemas.microsoft.com/office/powerpoint/2010/main" xmlns:p15="http://schemas.microsoft.com/office/powerpoint/2012/main" xmlns:ahyp="http://schemas.microsoft.com/office/drawing/2018/hyperlinkcolor">
+<p:sld xmlns:a="http://schemas.openxmlformats.org/drawingml/2006/main" xmlns:r="http://schemas.openxmlformats.org/officeDocument/2006/relationships" xmlns:p="http://schemas.openxmlformats.org/presentationml/2006/main">
   <p:cSld>
     <p:spTree>
       <p:nvGrpSpPr>
-        <p:cNvPr id="61" name="Shape 61"/>
+        <p:cNvPr id="1" name="Shape 61"/>
         <p:cNvGrpSpPr/>
         <p:nvPr/>
       </p:nvGrpSpPr>
@@ -7446,7 +7633,9 @@
       <p:sp>
         <p:nvSpPr>
           <p:cNvPr id="62" name="Google Shape;62;p13"/>
-          <p:cNvSpPr txBox="1"/>
+          <p:cNvSpPr txBox="1">
+            <a:spLocks noGrp="1"/>
+          </p:cNvSpPr>
           <p:nvPr>
             <p:ph type="ctrTitle"/>
           </p:nvPr>
@@ -7461,12 +7650,12 @@
           </a:prstGeom>
         </p:spPr>
         <p:txBody>
-          <a:bodyPr anchorCtr="0" anchor="b" bIns="91425" lIns="91425" spcFirstLastPara="1" rIns="91425" wrap="square" tIns="91425">
+          <a:bodyPr spcFirstLastPara="1" wrap="square" lIns="91425" tIns="91425" rIns="91425" bIns="91425" anchor="b" anchorCtr="0">
             <a:normAutofit fontScale="90000"/>
           </a:bodyPr>
           <a:lstStyle/>
           <a:p>
-            <a:pPr indent="0" lvl="0" marL="0" rtl="0" algn="ctr">
+            <a:pPr marL="0" lvl="0" indent="0" algn="ctr" rtl="0">
               <a:spcBef>
                 <a:spcPts val="0"/>
               </a:spcBef>
@@ -7486,9 +7675,11 @@
       <p:sp>
         <p:nvSpPr>
           <p:cNvPr id="63" name="Google Shape;63;p13"/>
-          <p:cNvSpPr txBox="1"/>
+          <p:cNvSpPr txBox="1">
+            <a:spLocks noGrp="1"/>
+          </p:cNvSpPr>
           <p:nvPr>
-            <p:ph idx="1" type="subTitle"/>
+            <p:ph type="subTitle" idx="1"/>
           </p:nvPr>
         </p:nvSpPr>
         <p:spPr>
@@ -7501,12 +7692,12 @@
           </a:prstGeom>
         </p:spPr>
         <p:txBody>
-          <a:bodyPr anchorCtr="0" anchor="t" bIns="91425" lIns="91425" spcFirstLastPara="1" rIns="91425" wrap="square" tIns="91425">
-            <a:normAutofit lnSpcReduction="20000"/>
+          <a:bodyPr spcFirstLastPara="1" wrap="square" lIns="91425" tIns="91425" rIns="91425" bIns="91425" anchor="t" anchorCtr="0">
+            <a:normAutofit fontScale="92500"/>
           </a:bodyPr>
           <a:lstStyle/>
           <a:p>
-            <a:pPr indent="0" lvl="0" marL="0" rtl="0" algn="ctr">
+            <a:pPr marL="0" lvl="0" indent="0" algn="ctr" rtl="0">
               <a:spcBef>
                 <a:spcPts val="0"/>
               </a:spcBef>
@@ -7533,12 +7724,12 @@
           <a:blip r:embed="rId3">
             <a:alphaModFix/>
           </a:blip>
-          <a:srcRect b="18394" l="19519" r="18357" t="18261"/>
+          <a:srcRect l="19519" t="18261" r="18357" b="18394"/>
           <a:stretch/>
         </p:blipFill>
         <p:spPr>
           <a:xfrm rot="-95">
-            <a:off x="441849" y="1692961"/>
+            <a:off x="6945651" y="1726740"/>
             <a:ext cx="1723825" cy="1757602"/>
           </a:xfrm>
           <a:prstGeom prst="rect">
@@ -7566,7 +7757,7 @@
         </p:blipFill>
         <p:spPr>
           <a:xfrm>
-            <a:off x="6678227" y="1576090"/>
+            <a:off x="474499" y="1330993"/>
             <a:ext cx="1991275" cy="1991332"/>
           </a:xfrm>
           <a:prstGeom prst="rect">
@@ -7587,11 +7778,11 @@
 </file>
 
 <file path=ppt/slides/slide10.xml><?xml version="1.0" encoding="utf-8"?>
-<p:sld xmlns:a="http://schemas.openxmlformats.org/drawingml/2006/main" xmlns:r="http://schemas.openxmlformats.org/officeDocument/2006/relationships" xmlns:mc="http://schemas.openxmlformats.org/markup-compatibility/2006" xmlns:mv="urn:schemas-microsoft-com:mac:vml" xmlns:p="http://schemas.openxmlformats.org/presentationml/2006/main" xmlns:c="http://schemas.openxmlformats.org/drawingml/2006/chart" xmlns:dgm="http://schemas.openxmlformats.org/drawingml/2006/diagram" xmlns:o="urn:schemas-microsoft-com:office:office" xmlns:v="urn:schemas-microsoft-com:vml" xmlns:pvml="urn:schemas-microsoft-com:office:powerpoint" xmlns:com="http://schemas.openxmlformats.org/drawingml/2006/compatibility" xmlns:p14="http://schemas.microsoft.com/office/powerpoint/2010/main" xmlns:p15="http://schemas.microsoft.com/office/powerpoint/2012/main" xmlns:ahyp="http://schemas.microsoft.com/office/drawing/2018/hyperlinkcolor">
+<p:sld xmlns:a="http://schemas.openxmlformats.org/drawingml/2006/main" xmlns:r="http://schemas.openxmlformats.org/officeDocument/2006/relationships" xmlns:p="http://schemas.openxmlformats.org/presentationml/2006/main">
   <p:cSld>
     <p:spTree>
       <p:nvGrpSpPr>
-        <p:cNvPr id="131" name="Shape 131"/>
+        <p:cNvPr id="1" name="Shape 131"/>
         <p:cNvGrpSpPr/>
         <p:nvPr/>
       </p:nvGrpSpPr>
@@ -7606,7 +7797,9 @@
       <p:sp>
         <p:nvSpPr>
           <p:cNvPr id="132" name="Google Shape;132;p22"/>
-          <p:cNvSpPr txBox="1"/>
+          <p:cNvSpPr txBox="1">
+            <a:spLocks noGrp="1"/>
+          </p:cNvSpPr>
           <p:nvPr>
             <p:ph type="title"/>
           </p:nvPr>
@@ -7621,12 +7814,12 @@
           </a:prstGeom>
         </p:spPr>
         <p:txBody>
-          <a:bodyPr anchorCtr="0" anchor="b" bIns="91425" lIns="91425" spcFirstLastPara="1" rIns="91425" wrap="square" tIns="91425">
+          <a:bodyPr spcFirstLastPara="1" wrap="square" lIns="91425" tIns="91425" rIns="91425" bIns="91425" anchor="b" anchorCtr="0">
             <a:normAutofit/>
           </a:bodyPr>
           <a:lstStyle/>
           <a:p>
-            <a:pPr indent="0" lvl="0" marL="0" rtl="0" algn="ctr">
+            <a:pPr marL="0" lvl="0" indent="0" algn="ctr" rtl="0">
               <a:spcBef>
                 <a:spcPts val="0"/>
               </a:spcBef>
@@ -7646,9 +7839,11 @@
       <p:sp>
         <p:nvSpPr>
           <p:cNvPr id="133" name="Google Shape;133;p22"/>
-          <p:cNvSpPr txBox="1"/>
+          <p:cNvSpPr txBox="1">
+            <a:spLocks noGrp="1"/>
+          </p:cNvSpPr>
           <p:nvPr>
-            <p:ph idx="1" type="body"/>
+            <p:ph type="body" idx="1"/>
           </p:nvPr>
         </p:nvSpPr>
         <p:spPr>
@@ -7661,12 +7856,12 @@
           </a:prstGeom>
         </p:spPr>
         <p:txBody>
-          <a:bodyPr anchorCtr="0" anchor="t" bIns="91425" lIns="91425" spcFirstLastPara="1" rIns="91425" wrap="square" tIns="91425">
+          <a:bodyPr spcFirstLastPara="1" wrap="square" lIns="91425" tIns="91425" rIns="91425" bIns="91425" anchor="t" anchorCtr="0">
             <a:normAutofit/>
           </a:bodyPr>
           <a:lstStyle/>
           <a:p>
-            <a:pPr indent="-342900" lvl="0" marL="457200" rtl="0" algn="l">
+            <a:pPr marL="457200" lvl="0" indent="-342900" algn="l" rtl="0">
               <a:lnSpc>
                 <a:spcPct val="200000"/>
               </a:lnSpc>
@@ -7686,7 +7881,7 @@
             <a:endParaRPr/>
           </a:p>
           <a:p>
-            <a:pPr indent="-342900" lvl="0" marL="457200" rtl="0" algn="l">
+            <a:pPr marL="457200" lvl="0" indent="-342900" algn="l" rtl="0">
               <a:lnSpc>
                 <a:spcPct val="200000"/>
               </a:lnSpc>
@@ -7706,7 +7901,7 @@
             <a:endParaRPr/>
           </a:p>
           <a:p>
-            <a:pPr indent="-342900" lvl="0" marL="457200" rtl="0" algn="l">
+            <a:pPr marL="457200" lvl="0" indent="-342900" algn="l" rtl="0">
               <a:lnSpc>
                 <a:spcPct val="200000"/>
               </a:lnSpc>
@@ -7736,11 +7931,11 @@
 </file>
 
 <file path=ppt/slides/slide11.xml><?xml version="1.0" encoding="utf-8"?>
-<p:sld xmlns:a="http://schemas.openxmlformats.org/drawingml/2006/main" xmlns:r="http://schemas.openxmlformats.org/officeDocument/2006/relationships" xmlns:mc="http://schemas.openxmlformats.org/markup-compatibility/2006" xmlns:mv="urn:schemas-microsoft-com:mac:vml" xmlns:p="http://schemas.openxmlformats.org/presentationml/2006/main" xmlns:c="http://schemas.openxmlformats.org/drawingml/2006/chart" xmlns:dgm="http://schemas.openxmlformats.org/drawingml/2006/diagram" xmlns:o="urn:schemas-microsoft-com:office:office" xmlns:v="urn:schemas-microsoft-com:vml" xmlns:pvml="urn:schemas-microsoft-com:office:powerpoint" xmlns:com="http://schemas.openxmlformats.org/drawingml/2006/compatibility" xmlns:p14="http://schemas.microsoft.com/office/powerpoint/2010/main" xmlns:p15="http://schemas.microsoft.com/office/powerpoint/2012/main" xmlns:ahyp="http://schemas.microsoft.com/office/drawing/2018/hyperlinkcolor">
+<p:sld xmlns:a="http://schemas.openxmlformats.org/drawingml/2006/main" xmlns:r="http://schemas.openxmlformats.org/officeDocument/2006/relationships" xmlns:p="http://schemas.openxmlformats.org/presentationml/2006/main">
   <p:cSld>
     <p:spTree>
       <p:nvGrpSpPr>
-        <p:cNvPr id="137" name="Shape 137"/>
+        <p:cNvPr id="1" name="Shape 137"/>
         <p:cNvGrpSpPr/>
         <p:nvPr/>
       </p:nvGrpSpPr>
@@ -7755,7 +7950,9 @@
       <p:sp>
         <p:nvSpPr>
           <p:cNvPr id="138" name="Google Shape;138;p23"/>
-          <p:cNvSpPr txBox="1"/>
+          <p:cNvSpPr txBox="1">
+            <a:spLocks noGrp="1"/>
+          </p:cNvSpPr>
           <p:nvPr>
             <p:ph type="title"/>
           </p:nvPr>
@@ -7770,12 +7967,12 @@
           </a:prstGeom>
         </p:spPr>
         <p:txBody>
-          <a:bodyPr anchorCtr="0" anchor="b" bIns="91425" lIns="91425" spcFirstLastPara="1" rIns="91425" wrap="square" tIns="91425">
+          <a:bodyPr spcFirstLastPara="1" wrap="square" lIns="91425" tIns="91425" rIns="91425" bIns="91425" anchor="b" anchorCtr="0">
             <a:normAutofit/>
           </a:bodyPr>
           <a:lstStyle/>
           <a:p>
-            <a:pPr indent="0" lvl="0" marL="0" rtl="0" algn="ctr">
+            <a:pPr marL="0" lvl="0" indent="0" algn="ctr" rtl="0">
               <a:spcBef>
                 <a:spcPts val="0"/>
               </a:spcBef>
@@ -7795,9 +7992,11 @@
       <p:sp>
         <p:nvSpPr>
           <p:cNvPr id="139" name="Google Shape;139;p23"/>
-          <p:cNvSpPr txBox="1"/>
+          <p:cNvSpPr txBox="1">
+            <a:spLocks noGrp="1"/>
+          </p:cNvSpPr>
           <p:nvPr>
-            <p:ph idx="1" type="body"/>
+            <p:ph type="body" idx="1"/>
           </p:nvPr>
         </p:nvSpPr>
         <p:spPr>
@@ -7810,12 +8009,12 @@
           </a:prstGeom>
         </p:spPr>
         <p:txBody>
-          <a:bodyPr anchorCtr="0" anchor="t" bIns="91425" lIns="91425" spcFirstLastPara="1" rIns="91425" wrap="square" tIns="91425">
+          <a:bodyPr spcFirstLastPara="1" wrap="square" lIns="91425" tIns="91425" rIns="91425" bIns="91425" anchor="t" anchorCtr="0">
             <a:normAutofit/>
           </a:bodyPr>
           <a:lstStyle/>
           <a:p>
-            <a:pPr indent="-342900" lvl="0" marL="457200" rtl="0" algn="l">
+            <a:pPr marL="457200" lvl="0" indent="-342900" algn="l" rtl="0">
               <a:lnSpc>
                 <a:spcPct val="200000"/>
               </a:lnSpc>
@@ -7835,7 +8034,7 @@
             <a:endParaRPr/>
           </a:p>
           <a:p>
-            <a:pPr indent="-342900" lvl="0" marL="457200" rtl="0" algn="l">
+            <a:pPr marL="457200" lvl="0" indent="-342900" algn="l" rtl="0">
               <a:lnSpc>
                 <a:spcPct val="200000"/>
               </a:lnSpc>
@@ -7855,7 +8054,7 @@
             <a:endParaRPr/>
           </a:p>
           <a:p>
-            <a:pPr indent="-342900" lvl="0" marL="457200" rtl="0" algn="l">
+            <a:pPr marL="457200" lvl="0" indent="-342900" algn="l" rtl="0">
               <a:lnSpc>
                 <a:spcPct val="200000"/>
               </a:lnSpc>
@@ -7885,11 +8084,11 @@
 </file>
 
 <file path=ppt/slides/slide12.xml><?xml version="1.0" encoding="utf-8"?>
-<p:sld xmlns:a="http://schemas.openxmlformats.org/drawingml/2006/main" xmlns:r="http://schemas.openxmlformats.org/officeDocument/2006/relationships" xmlns:mc="http://schemas.openxmlformats.org/markup-compatibility/2006" xmlns:mv="urn:schemas-microsoft-com:mac:vml" xmlns:p="http://schemas.openxmlformats.org/presentationml/2006/main" xmlns:c="http://schemas.openxmlformats.org/drawingml/2006/chart" xmlns:dgm="http://schemas.openxmlformats.org/drawingml/2006/diagram" xmlns:o="urn:schemas-microsoft-com:office:office" xmlns:v="urn:schemas-microsoft-com:vml" xmlns:pvml="urn:schemas-microsoft-com:office:powerpoint" xmlns:com="http://schemas.openxmlformats.org/drawingml/2006/compatibility" xmlns:p14="http://schemas.microsoft.com/office/powerpoint/2010/main" xmlns:p15="http://schemas.microsoft.com/office/powerpoint/2012/main" xmlns:ahyp="http://schemas.microsoft.com/office/drawing/2018/hyperlinkcolor">
+<p:sld xmlns:a="http://schemas.openxmlformats.org/drawingml/2006/main" xmlns:r="http://schemas.openxmlformats.org/officeDocument/2006/relationships" xmlns:p="http://schemas.openxmlformats.org/presentationml/2006/main">
   <p:cSld>
     <p:spTree>
       <p:nvGrpSpPr>
-        <p:cNvPr id="143" name="Shape 143"/>
+        <p:cNvPr id="1" name="Shape 143"/>
         <p:cNvGrpSpPr/>
         <p:nvPr/>
       </p:nvGrpSpPr>
@@ -7904,7 +8103,9 @@
       <p:sp>
         <p:nvSpPr>
           <p:cNvPr id="144" name="Google Shape;144;p24"/>
-          <p:cNvSpPr txBox="1"/>
+          <p:cNvSpPr txBox="1">
+            <a:spLocks noGrp="1"/>
+          </p:cNvSpPr>
           <p:nvPr>
             <p:ph type="title"/>
           </p:nvPr>
@@ -7919,12 +8120,12 @@
           </a:prstGeom>
         </p:spPr>
         <p:txBody>
-          <a:bodyPr anchorCtr="0" anchor="b" bIns="91425" lIns="91425" spcFirstLastPara="1" rIns="91425" wrap="square" tIns="91425">
+          <a:bodyPr spcFirstLastPara="1" wrap="square" lIns="91425" tIns="91425" rIns="91425" bIns="91425" anchor="b" anchorCtr="0">
             <a:normAutofit/>
           </a:bodyPr>
           <a:lstStyle/>
           <a:p>
-            <a:pPr indent="0" lvl="0" marL="0" rtl="0" algn="ctr">
+            <a:pPr marL="0" lvl="0" indent="0" algn="ctr" rtl="0">
               <a:spcBef>
                 <a:spcPts val="0"/>
               </a:spcBef>
@@ -7944,9 +8145,11 @@
       <p:sp>
         <p:nvSpPr>
           <p:cNvPr id="145" name="Google Shape;145;p24"/>
-          <p:cNvSpPr txBox="1"/>
+          <p:cNvSpPr txBox="1">
+            <a:spLocks noGrp="1"/>
+          </p:cNvSpPr>
           <p:nvPr>
-            <p:ph idx="1" type="body"/>
+            <p:ph type="body" idx="1"/>
           </p:nvPr>
         </p:nvSpPr>
         <p:spPr>
@@ -7959,12 +8162,12 @@
           </a:prstGeom>
         </p:spPr>
         <p:txBody>
-          <a:bodyPr anchorCtr="0" anchor="t" bIns="91425" lIns="91425" spcFirstLastPara="1" rIns="91425" wrap="square" tIns="91425">
+          <a:bodyPr spcFirstLastPara="1" wrap="square" lIns="91425" tIns="91425" rIns="91425" bIns="91425" anchor="t" anchorCtr="0">
             <a:normAutofit/>
           </a:bodyPr>
           <a:lstStyle/>
           <a:p>
-            <a:pPr indent="-342900" lvl="0" marL="457200" rtl="0" algn="l">
+            <a:pPr marL="457200" lvl="0" indent="-342900" algn="l" rtl="0">
               <a:spcBef>
                 <a:spcPts val="0"/>
               </a:spcBef>
@@ -7986,7 +8189,7 @@
             <a:endParaRPr/>
           </a:p>
           <a:p>
-            <a:pPr indent="-342900" lvl="0" marL="457200" rtl="0" algn="l">
+            <a:pPr marL="457200" lvl="0" indent="-342900" algn="l" rtl="0">
               <a:spcBef>
                 <a:spcPts val="0"/>
               </a:spcBef>
@@ -8003,7 +8206,7 @@
             <a:endParaRPr/>
           </a:p>
           <a:p>
-            <a:pPr indent="-317500" lvl="1" marL="914400" rtl="0" algn="l">
+            <a:pPr marL="914400" lvl="1" indent="-317500" algn="l" rtl="0">
               <a:spcBef>
                 <a:spcPts val="0"/>
               </a:spcBef>
@@ -8025,7 +8228,7 @@
             <a:endParaRPr/>
           </a:p>
           <a:p>
-            <a:pPr indent="-317500" lvl="1" marL="914400" rtl="0" algn="l">
+            <a:pPr marL="914400" lvl="1" indent="-317500" algn="l" rtl="0">
               <a:spcBef>
                 <a:spcPts val="0"/>
               </a:spcBef>
@@ -8042,7 +8245,7 @@
             <a:endParaRPr/>
           </a:p>
           <a:p>
-            <a:pPr indent="0" lvl="0" marL="0" rtl="0" algn="l">
+            <a:pPr marL="0" lvl="0" indent="0" algn="l" rtl="0">
               <a:spcBef>
                 <a:spcPts val="1200"/>
               </a:spcBef>
@@ -8051,13 +8254,10 @@
               </a:spcAft>
               <a:buNone/>
             </a:pPr>
-            <a:r>
-              <a:t/>
-            </a:r>
             <a:endParaRPr/>
           </a:p>
           <a:p>
-            <a:pPr indent="0" lvl="0" marL="457200" rtl="0" algn="l">
+            <a:pPr marL="457200" lvl="0" indent="0" algn="l" rtl="0">
               <a:spcBef>
                 <a:spcPts val="1200"/>
               </a:spcBef>
@@ -8066,9 +8266,6 @@
               </a:spcAft>
               <a:buNone/>
             </a:pPr>
-            <a:r>
-              <a:t/>
-            </a:r>
             <a:endParaRPr/>
           </a:p>
         </p:txBody>
@@ -8082,11 +8279,11 @@
 </file>
 
 <file path=ppt/slides/slide13.xml><?xml version="1.0" encoding="utf-8"?>
-<p:sld xmlns:a="http://schemas.openxmlformats.org/drawingml/2006/main" xmlns:r="http://schemas.openxmlformats.org/officeDocument/2006/relationships" xmlns:mc="http://schemas.openxmlformats.org/markup-compatibility/2006" xmlns:mv="urn:schemas-microsoft-com:mac:vml" xmlns:p="http://schemas.openxmlformats.org/presentationml/2006/main" xmlns:c="http://schemas.openxmlformats.org/drawingml/2006/chart" xmlns:dgm="http://schemas.openxmlformats.org/drawingml/2006/diagram" xmlns:o="urn:schemas-microsoft-com:office:office" xmlns:v="urn:schemas-microsoft-com:vml" xmlns:pvml="urn:schemas-microsoft-com:office:powerpoint" xmlns:com="http://schemas.openxmlformats.org/drawingml/2006/compatibility" xmlns:p14="http://schemas.microsoft.com/office/powerpoint/2010/main" xmlns:p15="http://schemas.microsoft.com/office/powerpoint/2012/main" xmlns:ahyp="http://schemas.microsoft.com/office/drawing/2018/hyperlinkcolor">
+<p:sld xmlns:a="http://schemas.openxmlformats.org/drawingml/2006/main" xmlns:r="http://schemas.openxmlformats.org/officeDocument/2006/relationships" xmlns:p="http://schemas.openxmlformats.org/presentationml/2006/main">
   <p:cSld>
     <p:spTree>
       <p:nvGrpSpPr>
-        <p:cNvPr id="149" name="Shape 149"/>
+        <p:cNvPr id="1" name="Shape 149"/>
         <p:cNvGrpSpPr/>
         <p:nvPr/>
       </p:nvGrpSpPr>
@@ -8101,7 +8298,9 @@
       <p:sp>
         <p:nvSpPr>
           <p:cNvPr id="150" name="Google Shape;150;p25"/>
-          <p:cNvSpPr txBox="1"/>
+          <p:cNvSpPr txBox="1">
+            <a:spLocks noGrp="1"/>
+          </p:cNvSpPr>
           <p:nvPr>
             <p:ph type="title"/>
           </p:nvPr>
@@ -8116,12 +8315,12 @@
           </a:prstGeom>
         </p:spPr>
         <p:txBody>
-          <a:bodyPr anchorCtr="0" anchor="b" bIns="91425" lIns="91425" spcFirstLastPara="1" rIns="91425" wrap="square" tIns="91425">
+          <a:bodyPr spcFirstLastPara="1" wrap="square" lIns="91425" tIns="91425" rIns="91425" bIns="91425" anchor="b" anchorCtr="0">
             <a:noAutofit/>
           </a:bodyPr>
           <a:lstStyle/>
           <a:p>
-            <a:pPr indent="0" lvl="0" marL="0" rtl="0" algn="ctr">
+            <a:pPr marL="0" lvl="0" indent="0" algn="ctr" rtl="0">
               <a:spcBef>
                 <a:spcPts val="0"/>
               </a:spcBef>
@@ -8147,11 +8346,11 @@
 </file>
 
 <file path=ppt/slides/slide2.xml><?xml version="1.0" encoding="utf-8"?>
-<p:sld xmlns:a="http://schemas.openxmlformats.org/drawingml/2006/main" xmlns:r="http://schemas.openxmlformats.org/officeDocument/2006/relationships" xmlns:mc="http://schemas.openxmlformats.org/markup-compatibility/2006" xmlns:mv="urn:schemas-microsoft-com:mac:vml" xmlns:p="http://schemas.openxmlformats.org/presentationml/2006/main" xmlns:c="http://schemas.openxmlformats.org/drawingml/2006/chart" xmlns:dgm="http://schemas.openxmlformats.org/drawingml/2006/diagram" xmlns:o="urn:schemas-microsoft-com:office:office" xmlns:v="urn:schemas-microsoft-com:vml" xmlns:pvml="urn:schemas-microsoft-com:office:powerpoint" xmlns:com="http://schemas.openxmlformats.org/drawingml/2006/compatibility" xmlns:p14="http://schemas.microsoft.com/office/powerpoint/2010/main" xmlns:p15="http://schemas.microsoft.com/office/powerpoint/2012/main" xmlns:ahyp="http://schemas.microsoft.com/office/drawing/2018/hyperlinkcolor">
+<p:sld xmlns:a="http://schemas.openxmlformats.org/drawingml/2006/main" xmlns:r="http://schemas.openxmlformats.org/officeDocument/2006/relationships" xmlns:p="http://schemas.openxmlformats.org/presentationml/2006/main">
   <p:cSld>
     <p:spTree>
       <p:nvGrpSpPr>
-        <p:cNvPr id="69" name="Shape 69"/>
+        <p:cNvPr id="1" name="Shape 69"/>
         <p:cNvGrpSpPr/>
         <p:nvPr/>
       </p:nvGrpSpPr>
@@ -8166,7 +8365,9 @@
       <p:sp>
         <p:nvSpPr>
           <p:cNvPr id="70" name="Google Shape;70;p14"/>
-          <p:cNvSpPr txBox="1"/>
+          <p:cNvSpPr txBox="1">
+            <a:spLocks noGrp="1"/>
+          </p:cNvSpPr>
           <p:nvPr>
             <p:ph type="title"/>
           </p:nvPr>
@@ -8181,12 +8382,12 @@
           </a:prstGeom>
         </p:spPr>
         <p:txBody>
-          <a:bodyPr anchorCtr="0" anchor="b" bIns="91425" lIns="91425" spcFirstLastPara="1" rIns="91425" wrap="square" tIns="91425">
+          <a:bodyPr spcFirstLastPara="1" wrap="square" lIns="91425" tIns="91425" rIns="91425" bIns="91425" anchor="b" anchorCtr="0">
             <a:normAutofit/>
           </a:bodyPr>
           <a:lstStyle/>
           <a:p>
-            <a:pPr indent="0" lvl="0" marL="0" rtl="0" algn="ctr">
+            <a:pPr marL="0" lvl="0" indent="0" algn="ctr" rtl="0">
               <a:spcBef>
                 <a:spcPts val="0"/>
               </a:spcBef>
@@ -8206,9 +8407,11 @@
       <p:sp>
         <p:nvSpPr>
           <p:cNvPr id="71" name="Google Shape;71;p14"/>
-          <p:cNvSpPr txBox="1"/>
+          <p:cNvSpPr txBox="1">
+            <a:spLocks noGrp="1"/>
+          </p:cNvSpPr>
           <p:nvPr>
-            <p:ph idx="1" type="body"/>
+            <p:ph type="body" idx="1"/>
           </p:nvPr>
         </p:nvSpPr>
         <p:spPr>
@@ -8221,12 +8424,12 @@
           </a:prstGeom>
         </p:spPr>
         <p:txBody>
-          <a:bodyPr anchorCtr="0" anchor="t" bIns="91425" lIns="91425" spcFirstLastPara="1" rIns="91425" wrap="square" tIns="91425">
-            <a:normAutofit lnSpcReduction="20000"/>
+          <a:bodyPr spcFirstLastPara="1" wrap="square" lIns="91425" tIns="91425" rIns="91425" bIns="91425" anchor="t" anchorCtr="0">
+            <a:normAutofit fontScale="92500"/>
           </a:bodyPr>
           <a:lstStyle/>
           <a:p>
-            <a:pPr indent="-342900" lvl="0" marL="457200" rtl="0" algn="l">
+            <a:pPr marL="457200" lvl="0" indent="-342900" algn="l" rtl="0">
               <a:spcBef>
                 <a:spcPts val="0"/>
               </a:spcBef>
@@ -8243,7 +8446,7 @@
             <a:endParaRPr/>
           </a:p>
           <a:p>
-            <a:pPr indent="0" lvl="0" marL="0" rtl="0" algn="l">
+            <a:pPr marL="0" lvl="0" indent="0" algn="l" rtl="0">
               <a:spcBef>
                 <a:spcPts val="1200"/>
               </a:spcBef>
@@ -8252,13 +8455,10 @@
               </a:spcAft>
               <a:buNone/>
             </a:pPr>
-            <a:r>
-              <a:t/>
-            </a:r>
             <a:endParaRPr/>
           </a:p>
           <a:p>
-            <a:pPr indent="-342900" lvl="0" marL="457200" rtl="0" algn="l">
+            <a:pPr marL="457200" lvl="0" indent="-342900" algn="l" rtl="0">
               <a:spcBef>
                 <a:spcPts val="1200"/>
               </a:spcBef>
@@ -8275,7 +8475,7 @@
             <a:endParaRPr/>
           </a:p>
           <a:p>
-            <a:pPr indent="0" lvl="0" marL="0" rtl="0" algn="l">
+            <a:pPr marL="0" lvl="0" indent="0" algn="l" rtl="0">
               <a:spcBef>
                 <a:spcPts val="1200"/>
               </a:spcBef>
@@ -8284,13 +8484,10 @@
               </a:spcAft>
               <a:buNone/>
             </a:pPr>
-            <a:r>
-              <a:t/>
-            </a:r>
             <a:endParaRPr/>
           </a:p>
           <a:p>
-            <a:pPr indent="-342900" lvl="0" marL="457200" rtl="0" algn="l">
+            <a:pPr marL="457200" lvl="0" indent="-342900" algn="l" rtl="0">
               <a:spcBef>
                 <a:spcPts val="1200"/>
               </a:spcBef>
@@ -8307,7 +8504,7 @@
             <a:endParaRPr/>
           </a:p>
           <a:p>
-            <a:pPr indent="0" lvl="0" marL="0" rtl="0" algn="l">
+            <a:pPr marL="0" lvl="0" indent="0" algn="l" rtl="0">
               <a:spcBef>
                 <a:spcPts val="1200"/>
               </a:spcBef>
@@ -8316,13 +8513,10 @@
               </a:spcAft>
               <a:buNone/>
             </a:pPr>
-            <a:r>
-              <a:t/>
-            </a:r>
             <a:endParaRPr/>
           </a:p>
           <a:p>
-            <a:pPr indent="-342900" lvl="0" marL="457200" rtl="0" algn="l">
+            <a:pPr marL="457200" lvl="0" indent="-342900" algn="l" rtl="0">
               <a:spcBef>
                 <a:spcPts val="1200"/>
               </a:spcBef>
@@ -8349,11 +8543,11 @@
 </file>
 
 <file path=ppt/slides/slide3.xml><?xml version="1.0" encoding="utf-8"?>
-<p:sld xmlns:a="http://schemas.openxmlformats.org/drawingml/2006/main" xmlns:r="http://schemas.openxmlformats.org/officeDocument/2006/relationships" xmlns:mc="http://schemas.openxmlformats.org/markup-compatibility/2006" xmlns:mv="urn:schemas-microsoft-com:mac:vml" xmlns:p="http://schemas.openxmlformats.org/presentationml/2006/main" xmlns:c="http://schemas.openxmlformats.org/drawingml/2006/chart" xmlns:dgm="http://schemas.openxmlformats.org/drawingml/2006/diagram" xmlns:o="urn:schemas-microsoft-com:office:office" xmlns:v="urn:schemas-microsoft-com:vml" xmlns:pvml="urn:schemas-microsoft-com:office:powerpoint" xmlns:com="http://schemas.openxmlformats.org/drawingml/2006/compatibility" xmlns:p14="http://schemas.microsoft.com/office/powerpoint/2010/main" xmlns:p15="http://schemas.microsoft.com/office/powerpoint/2012/main" xmlns:ahyp="http://schemas.microsoft.com/office/drawing/2018/hyperlinkcolor">
+<p:sld xmlns:a="http://schemas.openxmlformats.org/drawingml/2006/main" xmlns:r="http://schemas.openxmlformats.org/officeDocument/2006/relationships" xmlns:p="http://schemas.openxmlformats.org/presentationml/2006/main">
   <p:cSld>
     <p:spTree>
       <p:nvGrpSpPr>
-        <p:cNvPr id="75" name="Shape 75"/>
+        <p:cNvPr id="1" name="Shape 75"/>
         <p:cNvGrpSpPr/>
         <p:nvPr/>
       </p:nvGrpSpPr>
@@ -8368,7 +8562,9 @@
       <p:sp>
         <p:nvSpPr>
           <p:cNvPr id="76" name="Google Shape;76;p15"/>
-          <p:cNvSpPr txBox="1"/>
+          <p:cNvSpPr txBox="1">
+            <a:spLocks noGrp="1"/>
+          </p:cNvSpPr>
           <p:nvPr>
             <p:ph type="title"/>
           </p:nvPr>
@@ -8383,12 +8579,12 @@
           </a:prstGeom>
         </p:spPr>
         <p:txBody>
-          <a:bodyPr anchorCtr="0" anchor="b" bIns="91425" lIns="91425" spcFirstLastPara="1" rIns="91425" wrap="square" tIns="91425">
+          <a:bodyPr spcFirstLastPara="1" wrap="square" lIns="91425" tIns="91425" rIns="91425" bIns="91425" anchor="b" anchorCtr="0">
             <a:normAutofit fontScale="90000"/>
           </a:bodyPr>
           <a:lstStyle/>
           <a:p>
-            <a:pPr indent="0" lvl="0" marL="0" rtl="0" algn="ctr">
+            <a:pPr marL="0" lvl="0" indent="0" algn="ctr" rtl="0">
               <a:spcBef>
                 <a:spcPts val="0"/>
               </a:spcBef>
@@ -8408,9 +8604,11 @@
       <p:sp>
         <p:nvSpPr>
           <p:cNvPr id="77" name="Google Shape;77;p15"/>
-          <p:cNvSpPr txBox="1"/>
+          <p:cNvSpPr txBox="1">
+            <a:spLocks noGrp="1"/>
+          </p:cNvSpPr>
           <p:nvPr>
-            <p:ph idx="1" type="body"/>
+            <p:ph type="body" idx="1"/>
           </p:nvPr>
         </p:nvSpPr>
         <p:spPr>
@@ -8423,12 +8621,12 @@
           </a:prstGeom>
         </p:spPr>
         <p:txBody>
-          <a:bodyPr anchorCtr="0" anchor="t" bIns="91425" lIns="91425" spcFirstLastPara="1" rIns="91425" wrap="square" tIns="91425">
-            <a:normAutofit/>
+          <a:bodyPr spcFirstLastPara="1" wrap="square" lIns="91425" tIns="91425" rIns="91425" bIns="91425" anchor="t" anchorCtr="0">
+            <a:normAutofit lnSpcReduction="10000"/>
           </a:bodyPr>
           <a:lstStyle/>
           <a:p>
-            <a:pPr indent="-342900" lvl="0" marL="457200" rtl="0" algn="l">
+            <a:pPr marL="457200" lvl="0" indent="-342900" algn="l" rtl="0">
               <a:spcBef>
                 <a:spcPts val="0"/>
               </a:spcBef>
@@ -8445,7 +8643,7 @@
             <a:endParaRPr/>
           </a:p>
           <a:p>
-            <a:pPr indent="-317500" lvl="1" marL="914400" rtl="0" algn="l">
+            <a:pPr marL="914400" lvl="1" indent="-317500" algn="l" rtl="0">
               <a:lnSpc>
                 <a:spcPct val="200000"/>
               </a:lnSpc>
@@ -8473,7 +8671,7 @@
             </a:endParaRPr>
           </a:p>
           <a:p>
-            <a:pPr indent="-317500" lvl="1" marL="914400" rtl="0" algn="l">
+            <a:pPr marL="914400" lvl="1" indent="-317500" algn="l" rtl="0">
               <a:lnSpc>
                 <a:spcPct val="200000"/>
               </a:lnSpc>
@@ -8501,7 +8699,7 @@
             </a:endParaRPr>
           </a:p>
           <a:p>
-            <a:pPr indent="-317500" lvl="1" marL="914400" rtl="0" algn="l">
+            <a:pPr marL="914400" lvl="1" indent="-317500" algn="l" rtl="0">
               <a:lnSpc>
                 <a:spcPct val="200000"/>
               </a:lnSpc>
@@ -8533,9 +8731,11 @@
       <p:sp>
         <p:nvSpPr>
           <p:cNvPr id="78" name="Google Shape;78;p15"/>
-          <p:cNvSpPr txBox="1"/>
+          <p:cNvSpPr txBox="1">
+            <a:spLocks noGrp="1"/>
+          </p:cNvSpPr>
           <p:nvPr>
-            <p:ph idx="1" type="body"/>
+            <p:ph type="body" idx="1"/>
           </p:nvPr>
         </p:nvSpPr>
         <p:spPr>
@@ -8548,12 +8748,12 @@
           </a:prstGeom>
         </p:spPr>
         <p:txBody>
-          <a:bodyPr anchorCtr="0" anchor="t" bIns="91425" lIns="91425" spcFirstLastPara="1" rIns="91425" wrap="square" tIns="91425">
-            <a:normAutofit/>
+          <a:bodyPr spcFirstLastPara="1" wrap="square" lIns="91425" tIns="91425" rIns="91425" bIns="91425" anchor="t" anchorCtr="0">
+            <a:normAutofit lnSpcReduction="10000"/>
           </a:bodyPr>
           <a:lstStyle/>
           <a:p>
-            <a:pPr indent="-342900" lvl="0" marL="457200" rtl="0" algn="l">
+            <a:pPr marL="457200" lvl="0" indent="-342900" algn="l" rtl="0">
               <a:spcBef>
                 <a:spcPts val="0"/>
               </a:spcBef>
@@ -8570,7 +8770,7 @@
             <a:endParaRPr/>
           </a:p>
           <a:p>
-            <a:pPr indent="-317500" lvl="1" marL="914400" rtl="0" algn="l">
+            <a:pPr marL="914400" lvl="1" indent="-317500" algn="l" rtl="0">
               <a:lnSpc>
                 <a:spcPct val="200000"/>
               </a:lnSpc>
@@ -8590,7 +8790,7 @@
             <a:endParaRPr/>
           </a:p>
           <a:p>
-            <a:pPr indent="-317500" lvl="1" marL="914400" rtl="0" algn="l">
+            <a:pPr marL="914400" lvl="1" indent="-317500" algn="l" rtl="0">
               <a:lnSpc>
                 <a:spcPct val="200000"/>
               </a:lnSpc>
@@ -8610,7 +8810,7 @@
             <a:endParaRPr/>
           </a:p>
           <a:p>
-            <a:pPr indent="-317500" lvl="1" marL="914400" rtl="0" algn="l">
+            <a:pPr marL="914400" lvl="1" indent="-317500" algn="l" rtl="0">
               <a:lnSpc>
                 <a:spcPct val="200000"/>
               </a:lnSpc>
@@ -8640,11 +8840,11 @@
 </file>
 
 <file path=ppt/slides/slide4.xml><?xml version="1.0" encoding="utf-8"?>
-<p:sld xmlns:a="http://schemas.openxmlformats.org/drawingml/2006/main" xmlns:r="http://schemas.openxmlformats.org/officeDocument/2006/relationships" xmlns:mc="http://schemas.openxmlformats.org/markup-compatibility/2006" xmlns:mv="urn:schemas-microsoft-com:mac:vml" xmlns:p="http://schemas.openxmlformats.org/presentationml/2006/main" xmlns:c="http://schemas.openxmlformats.org/drawingml/2006/chart" xmlns:dgm="http://schemas.openxmlformats.org/drawingml/2006/diagram" xmlns:o="urn:schemas-microsoft-com:office:office" xmlns:v="urn:schemas-microsoft-com:vml" xmlns:pvml="urn:schemas-microsoft-com:office:powerpoint" xmlns:com="http://schemas.openxmlformats.org/drawingml/2006/compatibility" xmlns:p14="http://schemas.microsoft.com/office/powerpoint/2010/main" xmlns:p15="http://schemas.microsoft.com/office/powerpoint/2012/main" xmlns:ahyp="http://schemas.microsoft.com/office/drawing/2018/hyperlinkcolor">
+<p:sld xmlns:a="http://schemas.openxmlformats.org/drawingml/2006/main" xmlns:r="http://schemas.openxmlformats.org/officeDocument/2006/relationships" xmlns:p="http://schemas.openxmlformats.org/presentationml/2006/main">
   <p:cSld>
     <p:spTree>
       <p:nvGrpSpPr>
-        <p:cNvPr id="82" name="Shape 82"/>
+        <p:cNvPr id="1" name="Shape 82"/>
         <p:cNvGrpSpPr/>
         <p:nvPr/>
       </p:nvGrpSpPr>
@@ -8659,7 +8859,9 @@
       <p:sp>
         <p:nvSpPr>
           <p:cNvPr id="83" name="Google Shape;83;p16"/>
-          <p:cNvSpPr txBox="1"/>
+          <p:cNvSpPr txBox="1">
+            <a:spLocks noGrp="1"/>
+          </p:cNvSpPr>
           <p:nvPr>
             <p:ph type="title"/>
           </p:nvPr>
@@ -8674,12 +8876,12 @@
           </a:prstGeom>
         </p:spPr>
         <p:txBody>
-          <a:bodyPr anchorCtr="0" anchor="b" bIns="91425" lIns="91425" spcFirstLastPara="1" rIns="91425" wrap="square" tIns="91425">
+          <a:bodyPr spcFirstLastPara="1" wrap="square" lIns="91425" tIns="91425" rIns="91425" bIns="91425" anchor="b" anchorCtr="0">
             <a:normAutofit/>
           </a:bodyPr>
           <a:lstStyle/>
           <a:p>
-            <a:pPr indent="0" lvl="0" marL="0" rtl="0" algn="ctr">
+            <a:pPr marL="0" lvl="0" indent="0" algn="ctr" rtl="0">
               <a:spcBef>
                 <a:spcPts val="0"/>
               </a:spcBef>
@@ -8690,11 +8892,7 @@
             </a:pPr>
             <a:r>
               <a:rPr lang="en" sz="3100"/>
-              <a:t>Does album type affect song popularity on both platforms?</a:t>
-            </a:r>
-            <a:r>
-              <a:rPr lang="en" sz="3100"/>
-              <a:t> </a:t>
+              <a:t>Does album type affect song popularity on both platforms? </a:t>
             </a:r>
             <a:endParaRPr sz="3100"/>
           </a:p>
@@ -8703,9 +8901,11 @@
       <p:sp>
         <p:nvSpPr>
           <p:cNvPr id="84" name="Google Shape;84;p16"/>
-          <p:cNvSpPr txBox="1"/>
+          <p:cNvSpPr txBox="1">
+            <a:spLocks noGrp="1"/>
+          </p:cNvSpPr>
           <p:nvPr>
-            <p:ph idx="1" type="body"/>
+            <p:ph type="body" idx="1"/>
           </p:nvPr>
         </p:nvSpPr>
         <p:spPr>
@@ -8718,12 +8918,12 @@
           </a:prstGeom>
         </p:spPr>
         <p:txBody>
-          <a:bodyPr anchorCtr="0" anchor="t" bIns="91425" lIns="91425" spcFirstLastPara="1" rIns="91425" wrap="square" tIns="91425">
+          <a:bodyPr spcFirstLastPara="1" wrap="square" lIns="91425" tIns="91425" rIns="91425" bIns="91425" anchor="t" anchorCtr="0">
             <a:normAutofit/>
           </a:bodyPr>
           <a:lstStyle/>
           <a:p>
-            <a:pPr indent="-342900" lvl="0" marL="457200" rtl="0" algn="l">
+            <a:pPr marL="457200" lvl="0" indent="-342900" algn="l" rtl="0">
               <a:spcBef>
                 <a:spcPts val="0"/>
               </a:spcBef>
@@ -8779,7 +8979,7 @@
           <a:blip r:embed="rId4">
             <a:alphaModFix/>
           </a:blip>
-          <a:srcRect b="1923" l="0" r="0" t="1913"/>
+          <a:srcRect t="1913" b="1923"/>
           <a:stretch/>
         </p:blipFill>
         <p:spPr>
@@ -8806,7 +9006,7 @@
           <a:blip r:embed="rId5">
             <a:alphaModFix/>
           </a:blip>
-          <a:srcRect b="1987" l="0" r="0" t="1997"/>
+          <a:srcRect t="1997" b="1987"/>
           <a:stretch/>
         </p:blipFill>
         <p:spPr>
@@ -8832,11 +9032,11 @@
 </file>
 
 <file path=ppt/slides/slide5.xml><?xml version="1.0" encoding="utf-8"?>
-<p:sld xmlns:a="http://schemas.openxmlformats.org/drawingml/2006/main" xmlns:r="http://schemas.openxmlformats.org/officeDocument/2006/relationships" xmlns:mc="http://schemas.openxmlformats.org/markup-compatibility/2006" xmlns:mv="urn:schemas-microsoft-com:mac:vml" xmlns:p="http://schemas.openxmlformats.org/presentationml/2006/main" xmlns:c="http://schemas.openxmlformats.org/drawingml/2006/chart" xmlns:dgm="http://schemas.openxmlformats.org/drawingml/2006/diagram" xmlns:o="urn:schemas-microsoft-com:office:office" xmlns:v="urn:schemas-microsoft-com:vml" xmlns:pvml="urn:schemas-microsoft-com:office:powerpoint" xmlns:com="http://schemas.openxmlformats.org/drawingml/2006/compatibility" xmlns:p14="http://schemas.microsoft.com/office/powerpoint/2010/main" xmlns:p15="http://schemas.microsoft.com/office/powerpoint/2012/main" xmlns:ahyp="http://schemas.microsoft.com/office/drawing/2018/hyperlinkcolor">
+<p:sld xmlns:a="http://schemas.openxmlformats.org/drawingml/2006/main" xmlns:r="http://schemas.openxmlformats.org/officeDocument/2006/relationships" xmlns:p="http://schemas.openxmlformats.org/presentationml/2006/main">
   <p:cSld>
     <p:spTree>
       <p:nvGrpSpPr>
-        <p:cNvPr id="91" name="Shape 91"/>
+        <p:cNvPr id="1" name="Shape 91"/>
         <p:cNvGrpSpPr/>
         <p:nvPr/>
       </p:nvGrpSpPr>
@@ -8851,7 +9051,9 @@
       <p:sp>
         <p:nvSpPr>
           <p:cNvPr id="92" name="Google Shape;92;p17"/>
-          <p:cNvSpPr txBox="1"/>
+          <p:cNvSpPr txBox="1">
+            <a:spLocks noGrp="1"/>
+          </p:cNvSpPr>
           <p:nvPr>
             <p:ph type="title"/>
           </p:nvPr>
@@ -8866,12 +9068,12 @@
           </a:prstGeom>
         </p:spPr>
         <p:txBody>
-          <a:bodyPr anchorCtr="0" anchor="b" bIns="91425" lIns="91425" spcFirstLastPara="1" rIns="91425" wrap="square" tIns="91425">
+          <a:bodyPr spcFirstLastPara="1" wrap="square" lIns="91425" tIns="91425" rIns="91425" bIns="91425" anchor="b" anchorCtr="0">
             <a:normAutofit/>
           </a:bodyPr>
           <a:lstStyle/>
           <a:p>
-            <a:pPr indent="0" lvl="0" marL="0" rtl="0" algn="ctr">
+            <a:pPr marL="0" lvl="0" indent="0" algn="ctr" rtl="0">
               <a:spcBef>
                 <a:spcPts val="0"/>
               </a:spcBef>
@@ -8891,9 +9093,11 @@
       <p:sp>
         <p:nvSpPr>
           <p:cNvPr id="93" name="Google Shape;93;p17"/>
-          <p:cNvSpPr txBox="1"/>
+          <p:cNvSpPr txBox="1">
+            <a:spLocks noGrp="1"/>
+          </p:cNvSpPr>
           <p:nvPr>
-            <p:ph idx="1" type="body"/>
+            <p:ph type="body" idx="1"/>
           </p:nvPr>
         </p:nvSpPr>
         <p:spPr>
@@ -8906,12 +9110,12 @@
           </a:prstGeom>
         </p:spPr>
         <p:txBody>
-          <a:bodyPr anchorCtr="0" anchor="t" bIns="91425" lIns="91425" spcFirstLastPara="1" rIns="91425" wrap="square" tIns="91425">
+          <a:bodyPr spcFirstLastPara="1" wrap="square" lIns="91425" tIns="91425" rIns="91425" bIns="91425" anchor="t" anchorCtr="0">
             <a:normAutofit/>
           </a:bodyPr>
           <a:lstStyle/>
           <a:p>
-            <a:pPr indent="-342900" lvl="0" marL="457200" rtl="0" algn="l">
+            <a:pPr marL="457200" lvl="0" indent="-342900" algn="l" rtl="0">
               <a:spcBef>
                 <a:spcPts val="0"/>
               </a:spcBef>
@@ -8923,20 +9127,12 @@
             </a:pPr>
             <a:r>
               <a:rPr lang="en"/>
-              <a:t>Songs that are </a:t>
-            </a:r>
-            <a:r>
-              <a:rPr lang="en"/>
-              <a:t>licensed</a:t>
-            </a:r>
-            <a:r>
-              <a:rPr lang="en"/>
-              <a:t> do better view and stream wise.</a:t>
+              <a:t>Songs that are licensed do better view and stream wise.</a:t>
             </a:r>
             <a:endParaRPr/>
           </a:p>
           <a:p>
-            <a:pPr indent="0" lvl="0" marL="0" rtl="0" algn="l">
+            <a:pPr marL="0" lvl="0" indent="0" algn="l" rtl="0">
               <a:spcBef>
                 <a:spcPts val="1200"/>
               </a:spcBef>
@@ -8945,9 +9141,6 @@
               </a:spcAft>
               <a:buNone/>
             </a:pPr>
-            <a:r>
-              <a:t/>
-            </a:r>
             <a:endParaRPr/>
           </a:p>
         </p:txBody>
@@ -8990,7 +9183,7 @@
           <a:blip r:embed="rId4">
             <a:alphaModFix/>
           </a:blip>
-          <a:srcRect b="787" l="0" r="0" t="797"/>
+          <a:srcRect t="797" b="787"/>
           <a:stretch/>
         </p:blipFill>
         <p:spPr>
@@ -9017,7 +9210,7 @@
           <a:blip r:embed="rId5">
             <a:alphaModFix/>
           </a:blip>
-          <a:srcRect b="768" l="0" r="0" t="758"/>
+          <a:srcRect t="758" b="768"/>
           <a:stretch/>
         </p:blipFill>
         <p:spPr>
@@ -9043,11 +9236,11 @@
 </file>
 
 <file path=ppt/slides/slide6.xml><?xml version="1.0" encoding="utf-8"?>
-<p:sld xmlns:a="http://schemas.openxmlformats.org/drawingml/2006/main" xmlns:r="http://schemas.openxmlformats.org/officeDocument/2006/relationships" xmlns:mc="http://schemas.openxmlformats.org/markup-compatibility/2006" xmlns:mv="urn:schemas-microsoft-com:mac:vml" xmlns:p="http://schemas.openxmlformats.org/presentationml/2006/main" xmlns:c="http://schemas.openxmlformats.org/drawingml/2006/chart" xmlns:dgm="http://schemas.openxmlformats.org/drawingml/2006/diagram" xmlns:o="urn:schemas-microsoft-com:office:office" xmlns:v="urn:schemas-microsoft-com:vml" xmlns:pvml="urn:schemas-microsoft-com:office:powerpoint" xmlns:com="http://schemas.openxmlformats.org/drawingml/2006/compatibility" xmlns:p14="http://schemas.microsoft.com/office/powerpoint/2010/main" xmlns:p15="http://schemas.microsoft.com/office/powerpoint/2012/main" xmlns:ahyp="http://schemas.microsoft.com/office/drawing/2018/hyperlinkcolor">
+<p:sld xmlns:a="http://schemas.openxmlformats.org/drawingml/2006/main" xmlns:r="http://schemas.openxmlformats.org/officeDocument/2006/relationships" xmlns:p="http://schemas.openxmlformats.org/presentationml/2006/main">
   <p:cSld>
     <p:spTree>
       <p:nvGrpSpPr>
-        <p:cNvPr id="100" name="Shape 100"/>
+        <p:cNvPr id="1" name="Shape 100"/>
         <p:cNvGrpSpPr/>
         <p:nvPr/>
       </p:nvGrpSpPr>
@@ -9062,7 +9255,9 @@
       <p:sp>
         <p:nvSpPr>
           <p:cNvPr id="101" name="Google Shape;101;p18"/>
-          <p:cNvSpPr txBox="1"/>
+          <p:cNvSpPr txBox="1">
+            <a:spLocks noGrp="1"/>
+          </p:cNvSpPr>
           <p:nvPr>
             <p:ph type="title"/>
           </p:nvPr>
@@ -9077,12 +9272,12 @@
           </a:prstGeom>
         </p:spPr>
         <p:txBody>
-          <a:bodyPr anchorCtr="0" anchor="b" bIns="91425" lIns="91425" spcFirstLastPara="1" rIns="91425" wrap="square" tIns="91425">
+          <a:bodyPr spcFirstLastPara="1" wrap="square" lIns="91425" tIns="91425" rIns="91425" bIns="91425" anchor="b" anchorCtr="0">
             <a:normAutofit fontScale="90000"/>
           </a:bodyPr>
           <a:lstStyle/>
           <a:p>
-            <a:pPr indent="0" lvl="0" marL="0" rtl="0" algn="ctr">
+            <a:pPr marL="0" lvl="0" indent="0" algn="ctr" rtl="0">
               <a:spcBef>
                 <a:spcPts val="0"/>
               </a:spcBef>
@@ -9098,7 +9293,7 @@
             <a:endParaRPr/>
           </a:p>
           <a:p>
-            <a:pPr indent="0" lvl="0" marL="0" rtl="0" algn="ctr">
+            <a:pPr marL="0" lvl="0" indent="0" algn="ctr" rtl="0">
               <a:spcBef>
                 <a:spcPts val="0"/>
               </a:spcBef>
@@ -9122,9 +9317,11 @@
       <p:sp>
         <p:nvSpPr>
           <p:cNvPr id="102" name="Google Shape;102;p18"/>
-          <p:cNvSpPr txBox="1"/>
+          <p:cNvSpPr txBox="1">
+            <a:spLocks noGrp="1"/>
+          </p:cNvSpPr>
           <p:nvPr>
-            <p:ph idx="1" type="body"/>
+            <p:ph type="body" idx="1"/>
           </p:nvPr>
         </p:nvSpPr>
         <p:spPr>
@@ -9137,12 +9334,12 @@
           </a:prstGeom>
         </p:spPr>
         <p:txBody>
-          <a:bodyPr anchorCtr="0" anchor="t" bIns="91425" lIns="91425" spcFirstLastPara="1" rIns="91425" wrap="square" tIns="91425">
+          <a:bodyPr spcFirstLastPara="1" wrap="square" lIns="91425" tIns="91425" rIns="91425" bIns="91425" anchor="t" anchorCtr="0">
             <a:noAutofit/>
           </a:bodyPr>
           <a:lstStyle/>
           <a:p>
-            <a:pPr indent="-317500" lvl="0" marL="914400" rtl="0" algn="l">
+            <a:pPr marL="914400" lvl="0" indent="-317500" algn="l" rtl="0">
               <a:spcBef>
                 <a:spcPts val="0"/>
               </a:spcBef>
@@ -9154,24 +9351,12 @@
             </a:pPr>
             <a:r>
               <a:rPr lang="en" sz="1400"/>
-              <a:t>Found</a:t>
-            </a:r>
-            <a:r>
-              <a:rPr lang="en" sz="1400"/>
-              <a:t> through tempo, </a:t>
-            </a:r>
-            <a:r>
-              <a:rPr lang="en" sz="1400"/>
-              <a:t>rhythm stability</a:t>
-            </a:r>
-            <a:r>
-              <a:rPr lang="en" sz="1400"/>
-              <a:t>, beat strength etc.</a:t>
+              <a:t>Found through tempo, rhythm stability, beat strength etc.</a:t>
             </a:r>
             <a:endParaRPr sz="1400"/>
           </a:p>
           <a:p>
-            <a:pPr indent="-317500" lvl="0" marL="914400" rtl="0" algn="l">
+            <a:pPr marL="914400" lvl="0" indent="-317500" algn="l" rtl="0">
               <a:spcBef>
                 <a:spcPts val="0"/>
               </a:spcBef>
@@ -9188,7 +9373,7 @@
             <a:endParaRPr sz="1400"/>
           </a:p>
           <a:p>
-            <a:pPr indent="-317500" lvl="0" marL="914400" rtl="0" algn="l">
+            <a:pPr marL="914400" lvl="0" indent="-317500" algn="l" rtl="0">
               <a:spcBef>
                 <a:spcPts val="0"/>
               </a:spcBef>
@@ -9216,7 +9401,7 @@
           <a:blip r:embed="rId3">
             <a:alphaModFix/>
           </a:blip>
-          <a:srcRect b="0" l="0" r="0" t="0"/>
+          <a:srcRect/>
           <a:stretch/>
         </p:blipFill>
         <p:spPr>
@@ -9243,7 +9428,7 @@
           <a:blip r:embed="rId4">
             <a:alphaModFix/>
           </a:blip>
-          <a:srcRect b="0" l="0" r="0" t="0"/>
+          <a:srcRect/>
           <a:stretch/>
         </p:blipFill>
         <p:spPr>
@@ -9260,6 +9445,130 @@
           </a:ln>
         </p:spPr>
       </p:pic>
+      <p:sp>
+        <p:nvSpPr>
+          <p:cNvPr id="2" name="TextBox 1">
+            <a:extLst>
+              <a:ext uri="{FF2B5EF4-FFF2-40B4-BE49-F238E27FC236}">
+                <a16:creationId xmlns:a16="http://schemas.microsoft.com/office/drawing/2014/main" id="{B5E86DE3-AAD1-99B1-80BA-7A5B63DC19BD}"/>
+              </a:ext>
+            </a:extLst>
+          </p:cNvPr>
+          <p:cNvSpPr txBox="1"/>
+          <p:nvPr/>
+        </p:nvSpPr>
+        <p:spPr>
+          <a:xfrm>
+            <a:off x="959345" y="4507251"/>
+            <a:ext cx="2790334" cy="253916"/>
+          </a:xfrm>
+          <a:prstGeom prst="rect">
+            <a:avLst/>
+          </a:prstGeom>
+          <a:noFill/>
+        </p:spPr>
+        <p:txBody>
+          <a:bodyPr wrap="square" rtlCol="0">
+            <a:spAutoFit/>
+          </a:bodyPr>
+          <a:lstStyle/>
+          <a:p>
+            <a:r>
+              <a:rPr lang="en-US" sz="1050" dirty="0">
+                <a:solidFill>
+                  <a:schemeClr val="tx1"/>
+                </a:solidFill>
+                <a:latin typeface="Open Sans" panose="020B0606030504020204" pitchFamily="34" charset="0"/>
+                <a:ea typeface="Open Sans" panose="020B0606030504020204" pitchFamily="34" charset="0"/>
+                <a:cs typeface="Open Sans" panose="020B0606030504020204" pitchFamily="34" charset="0"/>
+              </a:rPr>
+              <a:t>P</a:t>
+            </a:r>
+            <a:r>
+              <a:rPr lang="en-US" sz="1050" b="0" i="0" dirty="0">
+                <a:solidFill>
+                  <a:schemeClr val="tx1"/>
+                </a:solidFill>
+                <a:effectLst/>
+                <a:latin typeface="Open Sans" panose="020B0606030504020204" pitchFamily="34" charset="0"/>
+                <a:ea typeface="Open Sans" panose="020B0606030504020204" pitchFamily="34" charset="0"/>
+                <a:cs typeface="Open Sans" panose="020B0606030504020204" pitchFamily="34" charset="0"/>
+              </a:rPr>
+              <a:t>earson correlation coefficients: 0.08833</a:t>
+            </a:r>
+            <a:endParaRPr lang="en-US" sz="1050" dirty="0">
+              <a:solidFill>
+                <a:schemeClr val="tx1"/>
+              </a:solidFill>
+              <a:latin typeface="Open Sans" panose="020B0606030504020204" pitchFamily="34" charset="0"/>
+              <a:ea typeface="Open Sans" panose="020B0606030504020204" pitchFamily="34" charset="0"/>
+              <a:cs typeface="Open Sans" panose="020B0606030504020204" pitchFamily="34" charset="0"/>
+            </a:endParaRPr>
+          </a:p>
+        </p:txBody>
+      </p:sp>
+      <p:sp>
+        <p:nvSpPr>
+          <p:cNvPr id="3" name="TextBox 2">
+            <a:extLst>
+              <a:ext uri="{FF2B5EF4-FFF2-40B4-BE49-F238E27FC236}">
+                <a16:creationId xmlns:a16="http://schemas.microsoft.com/office/drawing/2014/main" id="{AAA84419-CB98-EBE2-89B1-B7A106AE8C3B}"/>
+              </a:ext>
+            </a:extLst>
+          </p:cNvPr>
+          <p:cNvSpPr txBox="1"/>
+          <p:nvPr/>
+        </p:nvSpPr>
+        <p:spPr>
+          <a:xfrm>
+            <a:off x="5510470" y="4486733"/>
+            <a:ext cx="2790334" cy="253916"/>
+          </a:xfrm>
+          <a:prstGeom prst="rect">
+            <a:avLst/>
+          </a:prstGeom>
+          <a:noFill/>
+        </p:spPr>
+        <p:txBody>
+          <a:bodyPr wrap="square" rtlCol="0">
+            <a:spAutoFit/>
+          </a:bodyPr>
+          <a:lstStyle/>
+          <a:p>
+            <a:r>
+              <a:rPr lang="en-US" sz="1050" dirty="0">
+                <a:solidFill>
+                  <a:schemeClr val="tx1"/>
+                </a:solidFill>
+                <a:latin typeface="Open Sans" panose="020B0606030504020204" pitchFamily="34" charset="0"/>
+                <a:ea typeface="Open Sans" panose="020B0606030504020204" pitchFamily="34" charset="0"/>
+                <a:cs typeface="Open Sans" panose="020B0606030504020204" pitchFamily="34" charset="0"/>
+              </a:rPr>
+              <a:t>P</a:t>
+            </a:r>
+            <a:r>
+              <a:rPr lang="en-US" sz="1050" b="0" i="0" dirty="0">
+                <a:solidFill>
+                  <a:schemeClr val="tx1"/>
+                </a:solidFill>
+                <a:effectLst/>
+                <a:latin typeface="Open Sans" panose="020B0606030504020204" pitchFamily="34" charset="0"/>
+                <a:ea typeface="Open Sans" panose="020B0606030504020204" pitchFamily="34" charset="0"/>
+                <a:cs typeface="Open Sans" panose="020B0606030504020204" pitchFamily="34" charset="0"/>
+              </a:rPr>
+              <a:t>earson correlation coefficients: 0.0722</a:t>
+            </a:r>
+            <a:endParaRPr lang="en-US" sz="1050" dirty="0">
+              <a:solidFill>
+                <a:schemeClr val="tx1"/>
+              </a:solidFill>
+              <a:latin typeface="Open Sans" panose="020B0606030504020204" pitchFamily="34" charset="0"/>
+              <a:ea typeface="Open Sans" panose="020B0606030504020204" pitchFamily="34" charset="0"/>
+              <a:cs typeface="Open Sans" panose="020B0606030504020204" pitchFamily="34" charset="0"/>
+            </a:endParaRPr>
+          </a:p>
+        </p:txBody>
+      </p:sp>
     </p:spTree>
   </p:cSld>
   <p:clrMapOvr>
@@ -9269,11 +9578,11 @@
 </file>
 
 <file path=ppt/slides/slide7.xml><?xml version="1.0" encoding="utf-8"?>
-<p:sld xmlns:a="http://schemas.openxmlformats.org/drawingml/2006/main" xmlns:r="http://schemas.openxmlformats.org/officeDocument/2006/relationships" xmlns:mc="http://schemas.openxmlformats.org/markup-compatibility/2006" xmlns:mv="urn:schemas-microsoft-com:mac:vml" xmlns:p="http://schemas.openxmlformats.org/presentationml/2006/main" xmlns:c="http://schemas.openxmlformats.org/drawingml/2006/chart" xmlns:dgm="http://schemas.openxmlformats.org/drawingml/2006/diagram" xmlns:o="urn:schemas-microsoft-com:office:office" xmlns:v="urn:schemas-microsoft-com:vml" xmlns:pvml="urn:schemas-microsoft-com:office:powerpoint" xmlns:com="http://schemas.openxmlformats.org/drawingml/2006/compatibility" xmlns:p14="http://schemas.microsoft.com/office/powerpoint/2010/main" xmlns:p15="http://schemas.microsoft.com/office/powerpoint/2012/main" xmlns:ahyp="http://schemas.microsoft.com/office/drawing/2018/hyperlinkcolor">
+<p:sld xmlns:a="http://schemas.openxmlformats.org/drawingml/2006/main" xmlns:r="http://schemas.openxmlformats.org/officeDocument/2006/relationships" xmlns:p="http://schemas.openxmlformats.org/presentationml/2006/main">
   <p:cSld>
     <p:spTree>
       <p:nvGrpSpPr>
-        <p:cNvPr id="108" name="Shape 108"/>
+        <p:cNvPr id="1" name="Shape 108"/>
         <p:cNvGrpSpPr/>
         <p:nvPr/>
       </p:nvGrpSpPr>
@@ -9288,7 +9597,9 @@
       <p:sp>
         <p:nvSpPr>
           <p:cNvPr id="109" name="Google Shape;109;p19"/>
-          <p:cNvSpPr txBox="1"/>
+          <p:cNvSpPr txBox="1">
+            <a:spLocks noGrp="1"/>
+          </p:cNvSpPr>
           <p:nvPr>
             <p:ph type="title"/>
           </p:nvPr>
@@ -9303,12 +9614,12 @@
           </a:prstGeom>
         </p:spPr>
         <p:txBody>
-          <a:bodyPr anchorCtr="0" anchor="b" bIns="91425" lIns="91425" spcFirstLastPara="1" rIns="91425" wrap="square" tIns="91425">
+          <a:bodyPr spcFirstLastPara="1" wrap="square" lIns="91425" tIns="91425" rIns="91425" bIns="91425" anchor="b" anchorCtr="0">
             <a:normAutofit fontScale="90000"/>
           </a:bodyPr>
           <a:lstStyle/>
           <a:p>
-            <a:pPr indent="0" lvl="0" marL="0" rtl="0" algn="ctr">
+            <a:pPr marL="0" lvl="0" indent="0" algn="ctr" rtl="0">
               <a:spcBef>
                 <a:spcPts val="0"/>
               </a:spcBef>
@@ -9318,13 +9629,13 @@
               <a:buNone/>
             </a:pPr>
             <a:r>
-              <a:rPr lang="en" sz="4533"/>
+              <a:rPr lang="en" sz="4533" dirty="0"/>
               <a:t>Loudness </a:t>
             </a:r>
-            <a:endParaRPr sz="4533"/>
-          </a:p>
-          <a:p>
-            <a:pPr indent="0" lvl="0" marL="0" rtl="0" algn="ctr">
+            <a:endParaRPr sz="4533" dirty="0"/>
+          </a:p>
+          <a:p>
+            <a:pPr marL="0" lvl="0" indent="0" algn="ctr" rtl="0">
               <a:spcBef>
                 <a:spcPts val="0"/>
               </a:spcBef>
@@ -9334,19 +9645,21 @@
               <a:buNone/>
             </a:pPr>
             <a:r>
-              <a:rPr lang="en" sz="3533"/>
+              <a:rPr lang="en" sz="3533" dirty="0"/>
               <a:t>(Do louder songs perform better on both platforms?)</a:t>
             </a:r>
-            <a:endParaRPr sz="3533"/>
+            <a:endParaRPr sz="3533" dirty="0"/>
           </a:p>
         </p:txBody>
       </p:sp>
       <p:sp>
         <p:nvSpPr>
           <p:cNvPr id="110" name="Google Shape;110;p19"/>
-          <p:cNvSpPr txBox="1"/>
+          <p:cNvSpPr txBox="1">
+            <a:spLocks noGrp="1"/>
+          </p:cNvSpPr>
           <p:nvPr>
-            <p:ph idx="1" type="body"/>
+            <p:ph type="body" idx="1"/>
           </p:nvPr>
         </p:nvSpPr>
         <p:spPr>
@@ -9359,12 +9672,12 @@
           </a:prstGeom>
         </p:spPr>
         <p:txBody>
-          <a:bodyPr anchorCtr="0" anchor="t" bIns="91425" lIns="91425" spcFirstLastPara="1" rIns="91425" wrap="square" tIns="91425">
+          <a:bodyPr spcFirstLastPara="1" wrap="square" lIns="91425" tIns="91425" rIns="91425" bIns="91425" anchor="t" anchorCtr="0">
             <a:normAutofit fontScale="25000" lnSpcReduction="20000"/>
           </a:bodyPr>
           <a:lstStyle/>
           <a:p>
-            <a:pPr indent="-321182" lvl="0" marL="457200" rtl="0" algn="l">
+            <a:pPr marL="457200" lvl="0" indent="-321182" algn="l" rtl="0">
               <a:spcBef>
                 <a:spcPts val="0"/>
               </a:spcBef>
@@ -9375,17 +9688,13 @@
               <a:buChar char="●"/>
             </a:pPr>
             <a:r>
-              <a:rPr lang="en" sz="5831"/>
-              <a:t>Measured in </a:t>
+              <a:rPr lang="en" sz="5831" dirty="0"/>
+              <a:t>Measured in decibels.</a:t>
             </a:r>
-            <a:r>
-              <a:rPr lang="en" sz="5831"/>
-              <a:t>decibels.</a:t>
-            </a:r>
-            <a:endParaRPr sz="5831"/>
-          </a:p>
-          <a:p>
-            <a:pPr indent="-321182" lvl="0" marL="457200" rtl="0" algn="l">
+            <a:endParaRPr sz="5831" dirty="0"/>
+          </a:p>
+          <a:p>
+            <a:pPr marL="457200" lvl="0" indent="-321182" algn="l" rtl="0">
               <a:spcBef>
                 <a:spcPts val="0"/>
               </a:spcBef>
@@ -9396,13 +9705,13 @@
               <a:buChar char="●"/>
             </a:pPr>
             <a:r>
-              <a:rPr lang="en" sz="5831"/>
+              <a:rPr lang="en" sz="5831" dirty="0"/>
               <a:t>Averaged through the entire track</a:t>
             </a:r>
-            <a:endParaRPr sz="5831"/>
-          </a:p>
-          <a:p>
-            <a:pPr indent="-321182" lvl="0" marL="457200" rtl="0" algn="l">
+            <a:endParaRPr sz="5831" dirty="0"/>
+          </a:p>
+          <a:p>
+            <a:pPr marL="457200" lvl="0" indent="-321182" algn="l" rtl="0">
               <a:spcBef>
                 <a:spcPts val="0"/>
               </a:spcBef>
@@ -9413,13 +9722,13 @@
               <a:buChar char="●"/>
             </a:pPr>
             <a:r>
-              <a:rPr lang="en" sz="5831"/>
+              <a:rPr lang="en" sz="5831" dirty="0"/>
               <a:t>The louder the track, the more views and streams it seems to gain</a:t>
             </a:r>
-            <a:endParaRPr sz="5831"/>
-          </a:p>
-          <a:p>
-            <a:pPr indent="0" lvl="0" marL="0" rtl="0" algn="l">
+            <a:endParaRPr sz="5831" dirty="0"/>
+          </a:p>
+          <a:p>
+            <a:pPr marL="0" lvl="0" indent="0" algn="l" rtl="0">
               <a:spcBef>
                 <a:spcPts val="1200"/>
               </a:spcBef>
@@ -9428,10 +9737,7 @@
               </a:spcAft>
               <a:buNone/>
             </a:pPr>
-            <a:r>
-              <a:t/>
-            </a:r>
-            <a:endParaRPr sz="1600"/>
+            <a:endParaRPr sz="1600" dirty="0"/>
           </a:p>
         </p:txBody>
       </p:sp>
@@ -9445,7 +9751,7 @@
           <a:blip r:embed="rId3">
             <a:alphaModFix/>
           </a:blip>
-          <a:srcRect b="2308" l="0" r="0" t="2317"/>
+          <a:srcRect t="2317" b="2308"/>
           <a:stretch/>
         </p:blipFill>
         <p:spPr>
@@ -9472,7 +9778,7 @@
           <a:blip r:embed="rId4">
             <a:alphaModFix/>
           </a:blip>
-          <a:srcRect b="2308" l="0" r="0" t="2317"/>
+          <a:srcRect t="2317" b="2308"/>
           <a:stretch/>
         </p:blipFill>
         <p:spPr>
@@ -9489,6 +9795,130 @@
           </a:ln>
         </p:spPr>
       </p:pic>
+      <p:sp>
+        <p:nvSpPr>
+          <p:cNvPr id="2" name="TextBox 1">
+            <a:extLst>
+              <a:ext uri="{FF2B5EF4-FFF2-40B4-BE49-F238E27FC236}">
+                <a16:creationId xmlns:a16="http://schemas.microsoft.com/office/drawing/2014/main" id="{15FBB1B9-CE4E-4107-0120-62D96FF8E631}"/>
+              </a:ext>
+            </a:extLst>
+          </p:cNvPr>
+          <p:cNvSpPr txBox="1"/>
+          <p:nvPr/>
+        </p:nvSpPr>
+        <p:spPr>
+          <a:xfrm>
+            <a:off x="975237" y="4651446"/>
+            <a:ext cx="2880326" cy="253916"/>
+          </a:xfrm>
+          <a:prstGeom prst="rect">
+            <a:avLst/>
+          </a:prstGeom>
+          <a:noFill/>
+        </p:spPr>
+        <p:txBody>
+          <a:bodyPr wrap="square" rtlCol="0">
+            <a:spAutoFit/>
+          </a:bodyPr>
+          <a:lstStyle/>
+          <a:p>
+            <a:r>
+              <a:rPr lang="en-US" sz="1050" dirty="0">
+                <a:solidFill>
+                  <a:schemeClr val="tx1"/>
+                </a:solidFill>
+                <a:latin typeface="Open Sans" panose="020B0606030504020204" pitchFamily="34" charset="0"/>
+                <a:ea typeface="Open Sans" panose="020B0606030504020204" pitchFamily="34" charset="0"/>
+                <a:cs typeface="Open Sans" panose="020B0606030504020204" pitchFamily="34" charset="0"/>
+              </a:rPr>
+              <a:t>P</a:t>
+            </a:r>
+            <a:r>
+              <a:rPr lang="en-US" sz="1050" b="0" i="0" dirty="0">
+                <a:solidFill>
+                  <a:schemeClr val="tx1"/>
+                </a:solidFill>
+                <a:effectLst/>
+                <a:latin typeface="Open Sans" panose="020B0606030504020204" pitchFamily="34" charset="0"/>
+                <a:ea typeface="Open Sans" panose="020B0606030504020204" pitchFamily="34" charset="0"/>
+                <a:cs typeface="Open Sans" panose="020B0606030504020204" pitchFamily="34" charset="0"/>
+              </a:rPr>
+              <a:t>earson correlation coefficients: 0.11868</a:t>
+            </a:r>
+            <a:endParaRPr lang="en-US" sz="1050" dirty="0">
+              <a:solidFill>
+                <a:schemeClr val="tx1"/>
+              </a:solidFill>
+              <a:latin typeface="Open Sans" panose="020B0606030504020204" pitchFamily="34" charset="0"/>
+              <a:ea typeface="Open Sans" panose="020B0606030504020204" pitchFamily="34" charset="0"/>
+              <a:cs typeface="Open Sans" panose="020B0606030504020204" pitchFamily="34" charset="0"/>
+            </a:endParaRPr>
+          </a:p>
+        </p:txBody>
+      </p:sp>
+      <p:sp>
+        <p:nvSpPr>
+          <p:cNvPr id="3" name="TextBox 2">
+            <a:extLst>
+              <a:ext uri="{FF2B5EF4-FFF2-40B4-BE49-F238E27FC236}">
+                <a16:creationId xmlns:a16="http://schemas.microsoft.com/office/drawing/2014/main" id="{61D354E4-993E-EDC8-449E-18BCF7F461AD}"/>
+              </a:ext>
+            </a:extLst>
+          </p:cNvPr>
+          <p:cNvSpPr txBox="1"/>
+          <p:nvPr/>
+        </p:nvSpPr>
+        <p:spPr>
+          <a:xfrm>
+            <a:off x="5428895" y="4651446"/>
+            <a:ext cx="3064656" cy="253916"/>
+          </a:xfrm>
+          <a:prstGeom prst="rect">
+            <a:avLst/>
+          </a:prstGeom>
+          <a:noFill/>
+        </p:spPr>
+        <p:txBody>
+          <a:bodyPr wrap="square" rtlCol="0">
+            <a:spAutoFit/>
+          </a:bodyPr>
+          <a:lstStyle/>
+          <a:p>
+            <a:r>
+              <a:rPr lang="en-US" sz="1050" dirty="0">
+                <a:solidFill>
+                  <a:schemeClr val="tx1"/>
+                </a:solidFill>
+                <a:latin typeface="Open Sans" panose="020B0606030504020204" pitchFamily="34" charset="0"/>
+                <a:ea typeface="Open Sans" panose="020B0606030504020204" pitchFamily="34" charset="0"/>
+                <a:cs typeface="Open Sans" panose="020B0606030504020204" pitchFamily="34" charset="0"/>
+              </a:rPr>
+              <a:t>P</a:t>
+            </a:r>
+            <a:r>
+              <a:rPr lang="en-US" sz="1050" b="0" i="0" dirty="0">
+                <a:solidFill>
+                  <a:schemeClr val="tx1"/>
+                </a:solidFill>
+                <a:effectLst/>
+                <a:latin typeface="Open Sans" panose="020B0606030504020204" pitchFamily="34" charset="0"/>
+                <a:ea typeface="Open Sans" panose="020B0606030504020204" pitchFamily="34" charset="0"/>
+                <a:cs typeface="Open Sans" panose="020B0606030504020204" pitchFamily="34" charset="0"/>
+              </a:rPr>
+              <a:t>earson correlation coefficients: 0.11904</a:t>
+            </a:r>
+            <a:endParaRPr lang="en-US" sz="1050" dirty="0">
+              <a:solidFill>
+                <a:schemeClr val="tx1"/>
+              </a:solidFill>
+              <a:latin typeface="Open Sans" panose="020B0606030504020204" pitchFamily="34" charset="0"/>
+              <a:ea typeface="Open Sans" panose="020B0606030504020204" pitchFamily="34" charset="0"/>
+              <a:cs typeface="Open Sans" panose="020B0606030504020204" pitchFamily="34" charset="0"/>
+            </a:endParaRPr>
+          </a:p>
+        </p:txBody>
+      </p:sp>
     </p:spTree>
   </p:cSld>
   <p:clrMapOvr>
@@ -9498,11 +9928,11 @@
 </file>
 
 <file path=ppt/slides/slide8.xml><?xml version="1.0" encoding="utf-8"?>
-<p:sld xmlns:a="http://schemas.openxmlformats.org/drawingml/2006/main" xmlns:r="http://schemas.openxmlformats.org/officeDocument/2006/relationships" xmlns:mc="http://schemas.openxmlformats.org/markup-compatibility/2006" xmlns:mv="urn:schemas-microsoft-com:mac:vml" xmlns:p="http://schemas.openxmlformats.org/presentationml/2006/main" xmlns:c="http://schemas.openxmlformats.org/drawingml/2006/chart" xmlns:dgm="http://schemas.openxmlformats.org/drawingml/2006/diagram" xmlns:o="urn:schemas-microsoft-com:office:office" xmlns:v="urn:schemas-microsoft-com:vml" xmlns:pvml="urn:schemas-microsoft-com:office:powerpoint" xmlns:com="http://schemas.openxmlformats.org/drawingml/2006/compatibility" xmlns:p14="http://schemas.microsoft.com/office/powerpoint/2010/main" xmlns:p15="http://schemas.microsoft.com/office/powerpoint/2012/main" xmlns:ahyp="http://schemas.microsoft.com/office/drawing/2018/hyperlinkcolor">
+<p:sld xmlns:a="http://schemas.openxmlformats.org/drawingml/2006/main" xmlns:r="http://schemas.openxmlformats.org/officeDocument/2006/relationships" xmlns:p="http://schemas.openxmlformats.org/presentationml/2006/main">
   <p:cSld>
     <p:spTree>
       <p:nvGrpSpPr>
-        <p:cNvPr id="116" name="Shape 116"/>
+        <p:cNvPr id="1" name="Shape 116"/>
         <p:cNvGrpSpPr/>
         <p:nvPr/>
       </p:nvGrpSpPr>
@@ -9517,7 +9947,9 @@
       <p:sp>
         <p:nvSpPr>
           <p:cNvPr id="117" name="Google Shape;117;p20"/>
-          <p:cNvSpPr txBox="1"/>
+          <p:cNvSpPr txBox="1">
+            <a:spLocks noGrp="1"/>
+          </p:cNvSpPr>
           <p:nvPr>
             <p:ph type="title"/>
           </p:nvPr>
@@ -9532,12 +9964,12 @@
           </a:prstGeom>
         </p:spPr>
         <p:txBody>
-          <a:bodyPr anchorCtr="0" anchor="b" bIns="91425" lIns="91425" spcFirstLastPara="1" rIns="91425" wrap="square" tIns="91425">
+          <a:bodyPr spcFirstLastPara="1" wrap="square" lIns="91425" tIns="91425" rIns="91425" bIns="91425" anchor="b" anchorCtr="0">
             <a:normAutofit/>
           </a:bodyPr>
           <a:lstStyle/>
           <a:p>
-            <a:pPr indent="0" lvl="0" marL="0" rtl="0" algn="ctr">
+            <a:pPr marL="0" lvl="0" indent="0" algn="ctr" rtl="0">
               <a:spcBef>
                 <a:spcPts val="0"/>
               </a:spcBef>
@@ -9557,9 +9989,11 @@
       <p:sp>
         <p:nvSpPr>
           <p:cNvPr id="118" name="Google Shape;118;p20"/>
-          <p:cNvSpPr txBox="1"/>
+          <p:cNvSpPr txBox="1">
+            <a:spLocks noGrp="1"/>
+          </p:cNvSpPr>
           <p:nvPr>
-            <p:ph idx="1" type="body"/>
+            <p:ph type="body" idx="1"/>
           </p:nvPr>
         </p:nvSpPr>
         <p:spPr>
@@ -9572,12 +10006,12 @@
           </a:prstGeom>
         </p:spPr>
         <p:txBody>
-          <a:bodyPr anchorCtr="0" anchor="t" bIns="91425" lIns="91425" spcFirstLastPara="1" rIns="91425" wrap="square" tIns="91425">
+          <a:bodyPr spcFirstLastPara="1" wrap="square" lIns="91425" tIns="91425" rIns="91425" bIns="91425" anchor="t" anchorCtr="0">
             <a:normAutofit/>
           </a:bodyPr>
           <a:lstStyle/>
           <a:p>
-            <a:pPr indent="-311150" lvl="0" marL="457200" rtl="0" algn="l">
+            <a:pPr marL="457200" lvl="0" indent="-311150" algn="l" rtl="0">
               <a:spcBef>
                 <a:spcPts val="0"/>
               </a:spcBef>
@@ -9594,7 +10028,7 @@
             <a:endParaRPr sz="1300"/>
           </a:p>
           <a:p>
-            <a:pPr indent="-311150" lvl="0" marL="457200" rtl="0" algn="l">
+            <a:pPr marL="457200" lvl="0" indent="-311150" algn="l" rtl="0">
               <a:spcBef>
                 <a:spcPts val="0"/>
               </a:spcBef>
@@ -9622,7 +10056,7 @@
           <a:blip r:embed="rId3">
             <a:alphaModFix/>
           </a:blip>
-          <a:srcRect b="0" l="79" r="79" t="0"/>
+          <a:srcRect l="79" r="79"/>
           <a:stretch/>
         </p:blipFill>
         <p:spPr>
@@ -9642,9 +10076,11 @@
       <p:sp>
         <p:nvSpPr>
           <p:cNvPr id="120" name="Google Shape;120;p20"/>
-          <p:cNvSpPr txBox="1"/>
+          <p:cNvSpPr txBox="1">
+            <a:spLocks noGrp="1"/>
+          </p:cNvSpPr>
           <p:nvPr>
-            <p:ph idx="2" type="body"/>
+            <p:ph type="body" idx="2"/>
           </p:nvPr>
         </p:nvSpPr>
         <p:spPr>
@@ -9657,12 +10093,12 @@
           </a:prstGeom>
         </p:spPr>
         <p:txBody>
-          <a:bodyPr anchorCtr="0" anchor="t" bIns="91425" lIns="91425" spcFirstLastPara="1" rIns="91425" wrap="square" tIns="91425">
-            <a:normAutofit/>
+          <a:bodyPr spcFirstLastPara="1" wrap="square" lIns="91425" tIns="91425" rIns="91425" bIns="91425" anchor="t" anchorCtr="0">
+            <a:normAutofit fontScale="92500" lnSpcReduction="20000"/>
           </a:bodyPr>
           <a:lstStyle/>
           <a:p>
-            <a:pPr indent="-311150" lvl="0" marL="457200" rtl="0" algn="l">
+            <a:pPr marL="457200" lvl="0" indent="-311150" algn="l" rtl="0">
               <a:spcBef>
                 <a:spcPts val="0"/>
               </a:spcBef>
@@ -9679,7 +10115,7 @@
             <a:endParaRPr sz="1300"/>
           </a:p>
           <a:p>
-            <a:pPr indent="-311150" lvl="0" marL="457200" rtl="0" algn="l">
+            <a:pPr marL="457200" lvl="0" indent="-311150" algn="l" rtl="0">
               <a:spcBef>
                 <a:spcPts val="0"/>
               </a:spcBef>
@@ -9696,7 +10132,7 @@
             <a:endParaRPr sz="1300"/>
           </a:p>
           <a:p>
-            <a:pPr indent="0" lvl="0" marL="457200" rtl="0" algn="l">
+            <a:pPr marL="457200" lvl="0" indent="0" algn="l" rtl="0">
               <a:spcBef>
                 <a:spcPts val="1200"/>
               </a:spcBef>
@@ -9705,13 +10141,10 @@
               </a:spcAft>
               <a:buNone/>
             </a:pPr>
-            <a:r>
-              <a:t/>
-            </a:r>
             <a:endParaRPr sz="1200"/>
           </a:p>
           <a:p>
-            <a:pPr indent="0" lvl="0" marL="457200" rtl="0" algn="l">
+            <a:pPr marL="457200" lvl="0" indent="0" algn="l" rtl="0">
               <a:spcBef>
                 <a:spcPts val="1200"/>
               </a:spcBef>
@@ -9738,7 +10171,7 @@
           <a:blip r:embed="rId4">
             <a:alphaModFix/>
           </a:blip>
-          <a:srcRect b="0" l="0" r="0" t="0"/>
+          <a:srcRect/>
           <a:stretch/>
         </p:blipFill>
         <p:spPr>
@@ -9764,11 +10197,11 @@
 </file>
 
 <file path=ppt/slides/slide9.xml><?xml version="1.0" encoding="utf-8"?>
-<p:sld xmlns:a="http://schemas.openxmlformats.org/drawingml/2006/main" xmlns:r="http://schemas.openxmlformats.org/officeDocument/2006/relationships" xmlns:mc="http://schemas.openxmlformats.org/markup-compatibility/2006" xmlns:mv="urn:schemas-microsoft-com:mac:vml" xmlns:p="http://schemas.openxmlformats.org/presentationml/2006/main" xmlns:c="http://schemas.openxmlformats.org/drawingml/2006/chart" xmlns:dgm="http://schemas.openxmlformats.org/drawingml/2006/diagram" xmlns:o="urn:schemas-microsoft-com:office:office" xmlns:v="urn:schemas-microsoft-com:vml" xmlns:pvml="urn:schemas-microsoft-com:office:powerpoint" xmlns:com="http://schemas.openxmlformats.org/drawingml/2006/compatibility" xmlns:p14="http://schemas.microsoft.com/office/powerpoint/2010/main" xmlns:p15="http://schemas.microsoft.com/office/powerpoint/2012/main" xmlns:ahyp="http://schemas.microsoft.com/office/drawing/2018/hyperlinkcolor">
+<p:sld xmlns:a="http://schemas.openxmlformats.org/drawingml/2006/main" xmlns:r="http://schemas.openxmlformats.org/officeDocument/2006/relationships" xmlns:p="http://schemas.openxmlformats.org/presentationml/2006/main">
   <p:cSld>
     <p:spTree>
       <p:nvGrpSpPr>
-        <p:cNvPr id="125" name="Shape 125"/>
+        <p:cNvPr id="1" name="Shape 125"/>
         <p:cNvGrpSpPr/>
         <p:nvPr/>
       </p:nvGrpSpPr>
@@ -9783,7 +10216,9 @@
       <p:sp>
         <p:nvSpPr>
           <p:cNvPr id="126" name="Google Shape;126;p21"/>
-          <p:cNvSpPr txBox="1"/>
+          <p:cNvSpPr txBox="1">
+            <a:spLocks noGrp="1"/>
+          </p:cNvSpPr>
           <p:nvPr>
             <p:ph type="title"/>
           </p:nvPr>
@@ -9798,12 +10233,12 @@
           </a:prstGeom>
         </p:spPr>
         <p:txBody>
-          <a:bodyPr anchorCtr="0" anchor="b" bIns="91425" lIns="91425" spcFirstLastPara="1" rIns="91425" wrap="square" tIns="91425">
+          <a:bodyPr spcFirstLastPara="1" wrap="square" lIns="91425" tIns="91425" rIns="91425" bIns="91425" anchor="b" anchorCtr="0">
             <a:normAutofit/>
           </a:bodyPr>
           <a:lstStyle/>
           <a:p>
-            <a:pPr indent="0" lvl="0" marL="0" rtl="0" algn="ctr">
+            <a:pPr marL="0" lvl="0" indent="0" algn="ctr" rtl="0">
               <a:spcBef>
                 <a:spcPts val="0"/>
               </a:spcBef>
@@ -9823,9 +10258,11 @@
       <p:sp>
         <p:nvSpPr>
           <p:cNvPr id="127" name="Google Shape;127;p21"/>
-          <p:cNvSpPr txBox="1"/>
+          <p:cNvSpPr txBox="1">
+            <a:spLocks noGrp="1"/>
+          </p:cNvSpPr>
           <p:nvPr>
-            <p:ph idx="1" type="body"/>
+            <p:ph type="body" idx="1"/>
           </p:nvPr>
         </p:nvSpPr>
         <p:spPr>
@@ -9838,12 +10275,12 @@
           </a:prstGeom>
         </p:spPr>
         <p:txBody>
-          <a:bodyPr anchorCtr="0" anchor="t" bIns="91425" lIns="91425" spcFirstLastPara="1" rIns="91425" wrap="square" tIns="91425">
-            <a:normAutofit fontScale="92500" lnSpcReduction="20000"/>
+          <a:bodyPr spcFirstLastPara="1" wrap="square" lIns="91425" tIns="91425" rIns="91425" bIns="91425" anchor="t" anchorCtr="0">
+            <a:normAutofit lnSpcReduction="10000"/>
           </a:bodyPr>
           <a:lstStyle/>
           <a:p>
-            <a:pPr indent="-334327" lvl="0" marL="457200" rtl="0" algn="l">
+            <a:pPr marL="457200" lvl="0" indent="-334327" algn="l" rtl="0">
               <a:lnSpc>
                 <a:spcPct val="200000"/>
               </a:lnSpc>
@@ -9863,7 +10300,7 @@
             <a:endParaRPr/>
           </a:p>
           <a:p>
-            <a:pPr indent="-310832" lvl="1" marL="914400" rtl="0" algn="l">
+            <a:pPr marL="914400" lvl="1" indent="-310832" algn="l" rtl="0">
               <a:lnSpc>
                 <a:spcPct val="200000"/>
               </a:lnSpc>
@@ -9883,7 +10320,7 @@
             <a:endParaRPr/>
           </a:p>
           <a:p>
-            <a:pPr indent="-310832" lvl="1" marL="914400" rtl="0" algn="l">
+            <a:pPr marL="914400" lvl="1" indent="-310832" algn="l" rtl="0">
               <a:lnSpc>
                 <a:spcPct val="200000"/>
               </a:lnSpc>
@@ -9903,7 +10340,7 @@
             <a:endParaRPr/>
           </a:p>
           <a:p>
-            <a:pPr indent="-310832" lvl="1" marL="914400" rtl="0" algn="l">
+            <a:pPr marL="914400" lvl="1" indent="-310832" algn="l" rtl="0">
               <a:lnSpc>
                 <a:spcPct val="200000"/>
               </a:lnSpc>
@@ -9923,7 +10360,7 @@
             <a:endParaRPr/>
           </a:p>
           <a:p>
-            <a:pPr indent="-310832" lvl="1" marL="914400" rtl="0" algn="l">
+            <a:pPr marL="914400" lvl="1" indent="-310832" algn="l" rtl="0">
               <a:lnSpc>
                 <a:spcPct val="200000"/>
               </a:lnSpc>
@@ -9943,7 +10380,7 @@
             <a:endParaRPr/>
           </a:p>
           <a:p>
-            <a:pPr indent="-310832" lvl="1" marL="914400" rtl="0" algn="l">
+            <a:pPr marL="914400" lvl="1" indent="-310832" algn="l" rtl="0">
               <a:lnSpc>
                 <a:spcPct val="200000"/>
               </a:lnSpc>
@@ -9963,7 +10400,7 @@
             <a:endParaRPr/>
           </a:p>
           <a:p>
-            <a:pPr indent="0" lvl="0" marL="914400" rtl="0" algn="l">
+            <a:pPr marL="914400" lvl="0" indent="0" algn="l" rtl="0">
               <a:spcBef>
                 <a:spcPts val="1200"/>
               </a:spcBef>
@@ -9972,9 +10409,6 @@
               </a:spcAft>
               <a:buNone/>
             </a:pPr>
-            <a:r>
-              <a:t/>
-            </a:r>
             <a:endParaRPr/>
           </a:p>
         </p:txBody>
@@ -9988,7 +10422,7 @@
 </file>
 
 <file path=ppt/theme/theme1.xml><?xml version="1.0" encoding="utf-8"?>
-<a:theme xmlns:a="http://schemas.openxmlformats.org/drawingml/2006/main" xmlns:r="http://schemas.openxmlformats.org/officeDocument/2006/relationships" name="Luxe">
+<a:theme xmlns:a="http://schemas.openxmlformats.org/drawingml/2006/main" name="Luxe">
   <a:themeElements>
     <a:clrScheme name="Luxe">
       <a:dk1>
@@ -10263,11 +10697,13 @@
       </a:bgFillStyleLst>
     </a:fmtScheme>
   </a:themeElements>
+  <a:objectDefaults/>
+  <a:extraClrSchemeLst/>
 </a:theme>
 </file>
 
 <file path=ppt/theme/theme2.xml><?xml version="1.0" encoding="utf-8"?>
-<a:theme xmlns:a="http://schemas.openxmlformats.org/drawingml/2006/main" xmlns:r="http://schemas.openxmlformats.org/officeDocument/2006/relationships">
+<a:theme xmlns:a="http://schemas.openxmlformats.org/drawingml/2006/main">
   <a:themeElements>
     <a:clrScheme name="Default">
       <a:dk1>
@@ -10542,5 +10978,7 @@
       </a:bgFillStyleLst>
     </a:fmtScheme>
   </a:themeElements>
+  <a:objectDefaults/>
+  <a:extraClrSchemeLst/>
 </a:theme>
 </file>